--- a/media-source/admin_contoso_org.pptx
+++ b/media-source/admin_contoso_org.pptx
@@ -10,7 +10,10 @@
     <p:sldId id="257" r:id="rId4"/>
     <p:sldId id="263" r:id="rId5"/>
     <p:sldId id="264" r:id="rId6"/>
-    <p:sldId id="262" r:id="rId7"/>
+    <p:sldId id="266" r:id="rId7"/>
+    <p:sldId id="265" r:id="rId8"/>
+    <p:sldId id="267" r:id="rId9"/>
+    <p:sldId id="262" r:id="rId10"/>
   </p:sldIdLst>
   <p:sldSz cx="12192000" cy="6858000"/>
   <p:notesSz cx="6858000" cy="9144000"/>
@@ -3271,6 +3274,1620 @@
 </file>
 
 <file path=ppt/diagrams/colors5.xml><?xml version="1.0" encoding="utf-8"?>
+<dgm:colorsDef xmlns:dgm="http://schemas.openxmlformats.org/drawingml/2006/diagram" xmlns:a="http://schemas.openxmlformats.org/drawingml/2006/main" uniqueId="urn:microsoft.com/office/officeart/2005/8/colors/accent1_1">
+  <dgm:title val=""/>
+  <dgm:desc val=""/>
+  <dgm:catLst>
+    <dgm:cat type="accent1" pri="11100"/>
+  </dgm:catLst>
+  <dgm:styleLbl name="node0">
+    <dgm:fillClrLst meth="repeat">
+      <a:schemeClr val="lt1"/>
+    </dgm:fillClrLst>
+    <dgm:linClrLst meth="repeat">
+      <a:schemeClr val="accent1">
+        <a:shade val="80000"/>
+      </a:schemeClr>
+    </dgm:linClrLst>
+    <dgm:effectClrLst/>
+    <dgm:txLinClrLst/>
+    <dgm:txFillClrLst meth="repeat">
+      <a:schemeClr val="dk1"/>
+    </dgm:txFillClrLst>
+    <dgm:txEffectClrLst/>
+  </dgm:styleLbl>
+  <dgm:styleLbl name="alignNode1">
+    <dgm:fillClrLst meth="repeat">
+      <a:schemeClr val="lt1"/>
+    </dgm:fillClrLst>
+    <dgm:linClrLst meth="repeat">
+      <a:schemeClr val="accent1">
+        <a:shade val="80000"/>
+      </a:schemeClr>
+    </dgm:linClrLst>
+    <dgm:effectClrLst/>
+    <dgm:txLinClrLst/>
+    <dgm:txFillClrLst meth="repeat">
+      <a:schemeClr val="dk1"/>
+    </dgm:txFillClrLst>
+    <dgm:txEffectClrLst/>
+  </dgm:styleLbl>
+  <dgm:styleLbl name="node1">
+    <dgm:fillClrLst meth="repeat">
+      <a:schemeClr val="lt1"/>
+    </dgm:fillClrLst>
+    <dgm:linClrLst meth="repeat">
+      <a:schemeClr val="accent1">
+        <a:shade val="80000"/>
+      </a:schemeClr>
+    </dgm:linClrLst>
+    <dgm:effectClrLst/>
+    <dgm:txLinClrLst/>
+    <dgm:txFillClrLst meth="repeat">
+      <a:schemeClr val="dk1"/>
+    </dgm:txFillClrLst>
+    <dgm:txEffectClrLst/>
+  </dgm:styleLbl>
+  <dgm:styleLbl name="lnNode1">
+    <dgm:fillClrLst meth="repeat">
+      <a:schemeClr val="lt1"/>
+    </dgm:fillClrLst>
+    <dgm:linClrLst meth="repeat">
+      <a:schemeClr val="accent1">
+        <a:shade val="80000"/>
+      </a:schemeClr>
+    </dgm:linClrLst>
+    <dgm:effectClrLst/>
+    <dgm:txLinClrLst/>
+    <dgm:txFillClrLst meth="repeat">
+      <a:schemeClr val="dk1"/>
+    </dgm:txFillClrLst>
+    <dgm:txEffectClrLst/>
+  </dgm:styleLbl>
+  <dgm:styleLbl name="vennNode1">
+    <dgm:fillClrLst meth="repeat">
+      <a:schemeClr val="lt1">
+        <a:alpha val="50000"/>
+      </a:schemeClr>
+    </dgm:fillClrLst>
+    <dgm:linClrLst meth="repeat">
+      <a:schemeClr val="accent1">
+        <a:shade val="80000"/>
+      </a:schemeClr>
+    </dgm:linClrLst>
+    <dgm:effectClrLst/>
+    <dgm:txLinClrLst/>
+    <dgm:txFillClrLst/>
+    <dgm:txEffectClrLst/>
+  </dgm:styleLbl>
+  <dgm:styleLbl name="node2">
+    <dgm:fillClrLst meth="repeat">
+      <a:schemeClr val="lt1"/>
+    </dgm:fillClrLst>
+    <dgm:linClrLst meth="repeat">
+      <a:schemeClr val="accent1">
+        <a:shade val="80000"/>
+      </a:schemeClr>
+    </dgm:linClrLst>
+    <dgm:effectClrLst/>
+    <dgm:txLinClrLst/>
+    <dgm:txFillClrLst meth="repeat">
+      <a:schemeClr val="dk1"/>
+    </dgm:txFillClrLst>
+    <dgm:txEffectClrLst/>
+  </dgm:styleLbl>
+  <dgm:styleLbl name="node3">
+    <dgm:fillClrLst meth="repeat">
+      <a:schemeClr val="lt1"/>
+    </dgm:fillClrLst>
+    <dgm:linClrLst meth="repeat">
+      <a:schemeClr val="accent1">
+        <a:shade val="80000"/>
+      </a:schemeClr>
+    </dgm:linClrLst>
+    <dgm:effectClrLst/>
+    <dgm:txLinClrLst/>
+    <dgm:txFillClrLst meth="repeat">
+      <a:schemeClr val="dk1"/>
+    </dgm:txFillClrLst>
+    <dgm:txEffectClrLst/>
+  </dgm:styleLbl>
+  <dgm:styleLbl name="node4">
+    <dgm:fillClrLst meth="repeat">
+      <a:schemeClr val="lt1"/>
+    </dgm:fillClrLst>
+    <dgm:linClrLst meth="repeat">
+      <a:schemeClr val="accent1">
+        <a:shade val="80000"/>
+      </a:schemeClr>
+    </dgm:linClrLst>
+    <dgm:effectClrLst/>
+    <dgm:txLinClrLst/>
+    <dgm:txFillClrLst meth="repeat">
+      <a:schemeClr val="dk1"/>
+    </dgm:txFillClrLst>
+    <dgm:txEffectClrLst/>
+  </dgm:styleLbl>
+  <dgm:styleLbl name="fgImgPlace1">
+    <dgm:fillClrLst meth="repeat">
+      <a:schemeClr val="accent1">
+        <a:tint val="40000"/>
+      </a:schemeClr>
+    </dgm:fillClrLst>
+    <dgm:linClrLst meth="repeat">
+      <a:schemeClr val="accent1">
+        <a:shade val="80000"/>
+      </a:schemeClr>
+    </dgm:linClrLst>
+    <dgm:effectClrLst/>
+    <dgm:txLinClrLst/>
+    <dgm:txFillClrLst meth="repeat">
+      <a:schemeClr val="lt1"/>
+    </dgm:txFillClrLst>
+    <dgm:txEffectClrLst/>
+  </dgm:styleLbl>
+  <dgm:styleLbl name="alignImgPlace1">
+    <dgm:fillClrLst meth="repeat">
+      <a:schemeClr val="accent1">
+        <a:tint val="40000"/>
+      </a:schemeClr>
+    </dgm:fillClrLst>
+    <dgm:linClrLst meth="repeat">
+      <a:schemeClr val="accent1">
+        <a:shade val="80000"/>
+      </a:schemeClr>
+    </dgm:linClrLst>
+    <dgm:effectClrLst/>
+    <dgm:txLinClrLst/>
+    <dgm:txFillClrLst meth="repeat">
+      <a:schemeClr val="lt1"/>
+    </dgm:txFillClrLst>
+    <dgm:txEffectClrLst/>
+  </dgm:styleLbl>
+  <dgm:styleLbl name="bgImgPlace1">
+    <dgm:fillClrLst meth="repeat">
+      <a:schemeClr val="accent1">
+        <a:tint val="40000"/>
+      </a:schemeClr>
+    </dgm:fillClrLst>
+    <dgm:linClrLst meth="repeat">
+      <a:schemeClr val="accent1">
+        <a:shade val="80000"/>
+      </a:schemeClr>
+    </dgm:linClrLst>
+    <dgm:effectClrLst/>
+    <dgm:txLinClrLst/>
+    <dgm:txFillClrLst meth="repeat">
+      <a:schemeClr val="lt1"/>
+    </dgm:txFillClrLst>
+    <dgm:txEffectClrLst/>
+  </dgm:styleLbl>
+  <dgm:styleLbl name="sibTrans2D1">
+    <dgm:fillClrLst meth="repeat">
+      <a:schemeClr val="accent1">
+        <a:tint val="60000"/>
+      </a:schemeClr>
+    </dgm:fillClrLst>
+    <dgm:linClrLst meth="repeat">
+      <a:schemeClr val="accent1">
+        <a:tint val="60000"/>
+      </a:schemeClr>
+    </dgm:linClrLst>
+    <dgm:effectClrLst/>
+    <dgm:txLinClrLst/>
+    <dgm:txFillClrLst meth="repeat">
+      <a:schemeClr val="dk1"/>
+    </dgm:txFillClrLst>
+    <dgm:txEffectClrLst/>
+  </dgm:styleLbl>
+  <dgm:styleLbl name="fgSibTrans2D1">
+    <dgm:fillClrLst meth="repeat">
+      <a:schemeClr val="accent1">
+        <a:tint val="60000"/>
+      </a:schemeClr>
+    </dgm:fillClrLst>
+    <dgm:linClrLst meth="repeat">
+      <a:schemeClr val="accent1">
+        <a:tint val="60000"/>
+      </a:schemeClr>
+    </dgm:linClrLst>
+    <dgm:effectClrLst/>
+    <dgm:txLinClrLst/>
+    <dgm:txFillClrLst meth="repeat">
+      <a:schemeClr val="dk1"/>
+    </dgm:txFillClrLst>
+    <dgm:txEffectClrLst/>
+  </dgm:styleLbl>
+  <dgm:styleLbl name="bgSibTrans2D1">
+    <dgm:fillClrLst meth="repeat">
+      <a:schemeClr val="accent1">
+        <a:tint val="60000"/>
+      </a:schemeClr>
+    </dgm:fillClrLst>
+    <dgm:linClrLst meth="repeat">
+      <a:schemeClr val="accent1">
+        <a:tint val="60000"/>
+      </a:schemeClr>
+    </dgm:linClrLst>
+    <dgm:effectClrLst/>
+    <dgm:txLinClrLst/>
+    <dgm:txFillClrLst meth="repeat">
+      <a:schemeClr val="dk1"/>
+    </dgm:txFillClrLst>
+    <dgm:txEffectClrLst/>
+  </dgm:styleLbl>
+  <dgm:styleLbl name="sibTrans1D1">
+    <dgm:fillClrLst meth="repeat">
+      <a:schemeClr val="accent1"/>
+    </dgm:fillClrLst>
+    <dgm:linClrLst meth="repeat">
+      <a:schemeClr val="accent1"/>
+    </dgm:linClrLst>
+    <dgm:effectClrLst/>
+    <dgm:txLinClrLst/>
+    <dgm:txFillClrLst meth="repeat">
+      <a:schemeClr val="tx1"/>
+    </dgm:txFillClrLst>
+    <dgm:txEffectClrLst/>
+  </dgm:styleLbl>
+  <dgm:styleLbl name="callout">
+    <dgm:fillClrLst meth="repeat">
+      <a:schemeClr val="accent1"/>
+    </dgm:fillClrLst>
+    <dgm:linClrLst meth="repeat">
+      <a:schemeClr val="accent1"/>
+    </dgm:linClrLst>
+    <dgm:effectClrLst/>
+    <dgm:txLinClrLst/>
+    <dgm:txFillClrLst meth="repeat">
+      <a:schemeClr val="tx1"/>
+    </dgm:txFillClrLst>
+    <dgm:txEffectClrLst/>
+  </dgm:styleLbl>
+  <dgm:styleLbl name="asst0">
+    <dgm:fillClrLst meth="repeat">
+      <a:schemeClr val="lt1"/>
+    </dgm:fillClrLst>
+    <dgm:linClrLst meth="repeat">
+      <a:schemeClr val="accent1">
+        <a:shade val="80000"/>
+      </a:schemeClr>
+    </dgm:linClrLst>
+    <dgm:effectClrLst/>
+    <dgm:txLinClrLst/>
+    <dgm:txFillClrLst meth="repeat">
+      <a:schemeClr val="dk1"/>
+    </dgm:txFillClrLst>
+    <dgm:txEffectClrLst/>
+  </dgm:styleLbl>
+  <dgm:styleLbl name="asst1">
+    <dgm:fillClrLst meth="repeat">
+      <a:schemeClr val="lt1"/>
+    </dgm:fillClrLst>
+    <dgm:linClrLst meth="repeat">
+      <a:schemeClr val="accent1">
+        <a:shade val="80000"/>
+      </a:schemeClr>
+    </dgm:linClrLst>
+    <dgm:effectClrLst/>
+    <dgm:txLinClrLst/>
+    <dgm:txFillClrLst meth="repeat">
+      <a:schemeClr val="dk1"/>
+    </dgm:txFillClrLst>
+    <dgm:txEffectClrLst/>
+  </dgm:styleLbl>
+  <dgm:styleLbl name="asst2">
+    <dgm:fillClrLst meth="repeat">
+      <a:schemeClr val="lt1"/>
+    </dgm:fillClrLst>
+    <dgm:linClrLst meth="repeat">
+      <a:schemeClr val="accent1">
+        <a:shade val="80000"/>
+      </a:schemeClr>
+    </dgm:linClrLst>
+    <dgm:effectClrLst/>
+    <dgm:txLinClrLst/>
+    <dgm:txFillClrLst meth="repeat">
+      <a:schemeClr val="dk1"/>
+    </dgm:txFillClrLst>
+    <dgm:txEffectClrLst/>
+  </dgm:styleLbl>
+  <dgm:styleLbl name="asst3">
+    <dgm:fillClrLst meth="repeat">
+      <a:schemeClr val="lt1"/>
+    </dgm:fillClrLst>
+    <dgm:linClrLst meth="repeat">
+      <a:schemeClr val="accent1">
+        <a:shade val="80000"/>
+      </a:schemeClr>
+    </dgm:linClrLst>
+    <dgm:effectClrLst/>
+    <dgm:txLinClrLst/>
+    <dgm:txFillClrLst meth="repeat">
+      <a:schemeClr val="dk1"/>
+    </dgm:txFillClrLst>
+    <dgm:txEffectClrLst/>
+  </dgm:styleLbl>
+  <dgm:styleLbl name="asst4">
+    <dgm:fillClrLst meth="repeat">
+      <a:schemeClr val="lt1"/>
+    </dgm:fillClrLst>
+    <dgm:linClrLst meth="repeat">
+      <a:schemeClr val="accent1">
+        <a:shade val="80000"/>
+      </a:schemeClr>
+    </dgm:linClrLst>
+    <dgm:effectClrLst/>
+    <dgm:txLinClrLst/>
+    <dgm:txFillClrLst meth="repeat">
+      <a:schemeClr val="dk1"/>
+    </dgm:txFillClrLst>
+    <dgm:txEffectClrLst/>
+  </dgm:styleLbl>
+  <dgm:styleLbl name="parChTrans2D1">
+    <dgm:fillClrLst meth="repeat">
+      <a:schemeClr val="accent1">
+        <a:tint val="60000"/>
+      </a:schemeClr>
+    </dgm:fillClrLst>
+    <dgm:linClrLst meth="repeat">
+      <a:schemeClr val="accent1">
+        <a:tint val="60000"/>
+      </a:schemeClr>
+    </dgm:linClrLst>
+    <dgm:effectClrLst/>
+    <dgm:txLinClrLst/>
+    <dgm:txFillClrLst/>
+    <dgm:txEffectClrLst/>
+  </dgm:styleLbl>
+  <dgm:styleLbl name="parChTrans2D2">
+    <dgm:fillClrLst meth="repeat">
+      <a:schemeClr val="accent1"/>
+    </dgm:fillClrLst>
+    <dgm:linClrLst meth="repeat">
+      <a:schemeClr val="accent1"/>
+    </dgm:linClrLst>
+    <dgm:effectClrLst/>
+    <dgm:txLinClrLst/>
+    <dgm:txFillClrLst/>
+    <dgm:txEffectClrLst/>
+  </dgm:styleLbl>
+  <dgm:styleLbl name="parChTrans2D3">
+    <dgm:fillClrLst meth="repeat">
+      <a:schemeClr val="accent1"/>
+    </dgm:fillClrLst>
+    <dgm:linClrLst meth="repeat">
+      <a:schemeClr val="accent1"/>
+    </dgm:linClrLst>
+    <dgm:effectClrLst/>
+    <dgm:txLinClrLst/>
+    <dgm:txFillClrLst/>
+    <dgm:txEffectClrLst/>
+  </dgm:styleLbl>
+  <dgm:styleLbl name="parChTrans2D4">
+    <dgm:fillClrLst meth="repeat">
+      <a:schemeClr val="accent1"/>
+    </dgm:fillClrLst>
+    <dgm:linClrLst meth="repeat">
+      <a:schemeClr val="accent1"/>
+    </dgm:linClrLst>
+    <dgm:effectClrLst/>
+    <dgm:txLinClrLst/>
+    <dgm:txFillClrLst meth="repeat">
+      <a:schemeClr val="lt1"/>
+    </dgm:txFillClrLst>
+    <dgm:txEffectClrLst/>
+  </dgm:styleLbl>
+  <dgm:styleLbl name="parChTrans1D1">
+    <dgm:fillClrLst meth="repeat">
+      <a:schemeClr val="accent1"/>
+    </dgm:fillClrLst>
+    <dgm:linClrLst meth="repeat">
+      <a:schemeClr val="accent1">
+        <a:shade val="60000"/>
+      </a:schemeClr>
+    </dgm:linClrLst>
+    <dgm:effectClrLst/>
+    <dgm:txLinClrLst/>
+    <dgm:txFillClrLst meth="repeat">
+      <a:schemeClr val="tx1"/>
+    </dgm:txFillClrLst>
+    <dgm:txEffectClrLst/>
+  </dgm:styleLbl>
+  <dgm:styleLbl name="parChTrans1D2">
+    <dgm:fillClrLst meth="repeat">
+      <a:schemeClr val="accent1"/>
+    </dgm:fillClrLst>
+    <dgm:linClrLst meth="repeat">
+      <a:schemeClr val="accent1">
+        <a:shade val="60000"/>
+      </a:schemeClr>
+    </dgm:linClrLst>
+    <dgm:effectClrLst/>
+    <dgm:txLinClrLst/>
+    <dgm:txFillClrLst meth="repeat">
+      <a:schemeClr val="tx1"/>
+    </dgm:txFillClrLst>
+    <dgm:txEffectClrLst/>
+  </dgm:styleLbl>
+  <dgm:styleLbl name="parChTrans1D3">
+    <dgm:fillClrLst meth="repeat">
+      <a:schemeClr val="accent1"/>
+    </dgm:fillClrLst>
+    <dgm:linClrLst meth="repeat">
+      <a:schemeClr val="accent1">
+        <a:shade val="80000"/>
+      </a:schemeClr>
+    </dgm:linClrLst>
+    <dgm:effectClrLst/>
+    <dgm:txLinClrLst/>
+    <dgm:txFillClrLst meth="repeat">
+      <a:schemeClr val="tx1"/>
+    </dgm:txFillClrLst>
+    <dgm:txEffectClrLst/>
+  </dgm:styleLbl>
+  <dgm:styleLbl name="parChTrans1D4">
+    <dgm:fillClrLst meth="repeat">
+      <a:schemeClr val="accent1"/>
+    </dgm:fillClrLst>
+    <dgm:linClrLst meth="repeat">
+      <a:schemeClr val="accent1">
+        <a:shade val="80000"/>
+      </a:schemeClr>
+    </dgm:linClrLst>
+    <dgm:effectClrLst/>
+    <dgm:txLinClrLst/>
+    <dgm:txFillClrLst meth="repeat">
+      <a:schemeClr val="tx1"/>
+    </dgm:txFillClrLst>
+    <dgm:txEffectClrLst/>
+  </dgm:styleLbl>
+  <dgm:styleLbl name="fgAcc1">
+    <dgm:fillClrLst meth="repeat">
+      <a:schemeClr val="accent1">
+        <a:alpha val="90000"/>
+        <a:tint val="40000"/>
+      </a:schemeClr>
+    </dgm:fillClrLst>
+    <dgm:linClrLst meth="repeat">
+      <a:schemeClr val="accent1"/>
+    </dgm:linClrLst>
+    <dgm:effectClrLst/>
+    <dgm:txLinClrLst/>
+    <dgm:txFillClrLst meth="repeat">
+      <a:schemeClr val="dk1"/>
+    </dgm:txFillClrLst>
+    <dgm:txEffectClrLst/>
+  </dgm:styleLbl>
+  <dgm:styleLbl name="conFgAcc1">
+    <dgm:fillClrLst meth="repeat">
+      <a:schemeClr val="accent1">
+        <a:alpha val="90000"/>
+        <a:tint val="40000"/>
+      </a:schemeClr>
+    </dgm:fillClrLst>
+    <dgm:linClrLst meth="repeat">
+      <a:schemeClr val="accent1"/>
+    </dgm:linClrLst>
+    <dgm:effectClrLst/>
+    <dgm:txLinClrLst/>
+    <dgm:txFillClrLst meth="repeat">
+      <a:schemeClr val="dk1"/>
+    </dgm:txFillClrLst>
+    <dgm:txEffectClrLst/>
+  </dgm:styleLbl>
+  <dgm:styleLbl name="alignAcc1">
+    <dgm:fillClrLst meth="repeat">
+      <a:schemeClr val="accent1">
+        <a:alpha val="90000"/>
+        <a:tint val="40000"/>
+      </a:schemeClr>
+    </dgm:fillClrLst>
+    <dgm:linClrLst meth="repeat">
+      <a:schemeClr val="accent1"/>
+    </dgm:linClrLst>
+    <dgm:effectClrLst/>
+    <dgm:txLinClrLst/>
+    <dgm:txFillClrLst meth="repeat">
+      <a:schemeClr val="dk1"/>
+    </dgm:txFillClrLst>
+    <dgm:txEffectClrLst/>
+  </dgm:styleLbl>
+  <dgm:styleLbl name="trAlignAcc1">
+    <dgm:fillClrLst meth="repeat">
+      <a:schemeClr val="accent1">
+        <a:alpha val="40000"/>
+        <a:tint val="40000"/>
+      </a:schemeClr>
+    </dgm:fillClrLst>
+    <dgm:linClrLst meth="repeat">
+      <a:schemeClr val="accent1"/>
+    </dgm:linClrLst>
+    <dgm:effectClrLst/>
+    <dgm:txLinClrLst/>
+    <dgm:txFillClrLst meth="repeat">
+      <a:schemeClr val="dk1"/>
+    </dgm:txFillClrLst>
+    <dgm:txEffectClrLst/>
+  </dgm:styleLbl>
+  <dgm:styleLbl name="bgAcc1">
+    <dgm:fillClrLst meth="repeat">
+      <a:schemeClr val="accent1">
+        <a:alpha val="90000"/>
+        <a:tint val="40000"/>
+      </a:schemeClr>
+    </dgm:fillClrLst>
+    <dgm:linClrLst meth="repeat">
+      <a:schemeClr val="accent1"/>
+    </dgm:linClrLst>
+    <dgm:effectClrLst/>
+    <dgm:txLinClrLst/>
+    <dgm:txFillClrLst meth="repeat">
+      <a:schemeClr val="dk1"/>
+    </dgm:txFillClrLst>
+    <dgm:txEffectClrLst/>
+  </dgm:styleLbl>
+  <dgm:styleLbl name="solidFgAcc1">
+    <dgm:fillClrLst meth="repeat">
+      <a:schemeClr val="lt1"/>
+    </dgm:fillClrLst>
+    <dgm:linClrLst meth="repeat">
+      <a:schemeClr val="accent1"/>
+    </dgm:linClrLst>
+    <dgm:effectClrLst/>
+    <dgm:txLinClrLst/>
+    <dgm:txFillClrLst meth="repeat">
+      <a:schemeClr val="dk1"/>
+    </dgm:txFillClrLst>
+    <dgm:txEffectClrLst/>
+  </dgm:styleLbl>
+  <dgm:styleLbl name="solidAlignAcc1">
+    <dgm:fillClrLst meth="repeat">
+      <a:schemeClr val="lt1"/>
+    </dgm:fillClrLst>
+    <dgm:linClrLst meth="repeat">
+      <a:schemeClr val="accent1"/>
+    </dgm:linClrLst>
+    <dgm:effectClrLst/>
+    <dgm:txLinClrLst/>
+    <dgm:txFillClrLst meth="repeat">
+      <a:schemeClr val="dk1"/>
+    </dgm:txFillClrLst>
+    <dgm:txEffectClrLst/>
+  </dgm:styleLbl>
+  <dgm:styleLbl name="solidBgAcc1">
+    <dgm:fillClrLst meth="repeat">
+      <a:schemeClr val="lt1"/>
+    </dgm:fillClrLst>
+    <dgm:linClrLst meth="repeat">
+      <a:schemeClr val="accent1"/>
+    </dgm:linClrLst>
+    <dgm:effectClrLst/>
+    <dgm:txLinClrLst/>
+    <dgm:txFillClrLst meth="repeat">
+      <a:schemeClr val="dk1"/>
+    </dgm:txFillClrLst>
+    <dgm:txEffectClrLst/>
+  </dgm:styleLbl>
+  <dgm:styleLbl name="fgAccFollowNode1">
+    <dgm:fillClrLst meth="repeat">
+      <a:schemeClr val="lt1">
+        <a:alpha val="90000"/>
+        <a:tint val="40000"/>
+      </a:schemeClr>
+    </dgm:fillClrLst>
+    <dgm:linClrLst meth="repeat">
+      <a:schemeClr val="accent1">
+        <a:alpha val="90000"/>
+      </a:schemeClr>
+    </dgm:linClrLst>
+    <dgm:effectClrLst/>
+    <dgm:txLinClrLst/>
+    <dgm:txFillClrLst meth="repeat">
+      <a:schemeClr val="dk1"/>
+    </dgm:txFillClrLst>
+    <dgm:txEffectClrLst/>
+  </dgm:styleLbl>
+  <dgm:styleLbl name="alignAccFollowNode1">
+    <dgm:fillClrLst meth="repeat">
+      <a:schemeClr val="lt1">
+        <a:alpha val="90000"/>
+        <a:tint val="40000"/>
+      </a:schemeClr>
+    </dgm:fillClrLst>
+    <dgm:linClrLst meth="repeat">
+      <a:schemeClr val="accent1">
+        <a:alpha val="90000"/>
+      </a:schemeClr>
+    </dgm:linClrLst>
+    <dgm:effectClrLst/>
+    <dgm:txLinClrLst/>
+    <dgm:txFillClrLst meth="repeat">
+      <a:schemeClr val="dk1"/>
+    </dgm:txFillClrLst>
+    <dgm:txEffectClrLst/>
+  </dgm:styleLbl>
+  <dgm:styleLbl name="bgAccFollowNode1">
+    <dgm:fillClrLst meth="repeat">
+      <a:schemeClr val="lt1">
+        <a:alpha val="90000"/>
+        <a:tint val="40000"/>
+      </a:schemeClr>
+    </dgm:fillClrLst>
+    <dgm:linClrLst meth="repeat">
+      <a:schemeClr val="accent1">
+        <a:alpha val="90000"/>
+      </a:schemeClr>
+    </dgm:linClrLst>
+    <dgm:effectClrLst/>
+    <dgm:txLinClrLst/>
+    <dgm:txFillClrLst meth="repeat">
+      <a:schemeClr val="dk1"/>
+    </dgm:txFillClrLst>
+    <dgm:txEffectClrLst/>
+  </dgm:styleLbl>
+  <dgm:styleLbl name="fgAcc0">
+    <dgm:fillClrLst meth="repeat">
+      <a:schemeClr val="accent1">
+        <a:alpha val="90000"/>
+        <a:tint val="40000"/>
+      </a:schemeClr>
+    </dgm:fillClrLst>
+    <dgm:linClrLst meth="repeat">
+      <a:schemeClr val="accent1"/>
+    </dgm:linClrLst>
+    <dgm:effectClrLst/>
+    <dgm:txLinClrLst/>
+    <dgm:txFillClrLst meth="repeat">
+      <a:schemeClr val="dk1"/>
+    </dgm:txFillClrLst>
+    <dgm:txEffectClrLst/>
+  </dgm:styleLbl>
+  <dgm:styleLbl name="fgAcc2">
+    <dgm:fillClrLst meth="repeat">
+      <a:schemeClr val="accent1">
+        <a:alpha val="90000"/>
+        <a:tint val="40000"/>
+      </a:schemeClr>
+    </dgm:fillClrLst>
+    <dgm:linClrLst meth="repeat">
+      <a:schemeClr val="accent1"/>
+    </dgm:linClrLst>
+    <dgm:effectClrLst/>
+    <dgm:txLinClrLst/>
+    <dgm:txFillClrLst meth="repeat">
+      <a:schemeClr val="dk1"/>
+    </dgm:txFillClrLst>
+    <dgm:txEffectClrLst/>
+  </dgm:styleLbl>
+  <dgm:styleLbl name="fgAcc3">
+    <dgm:fillClrLst meth="repeat">
+      <a:schemeClr val="accent1">
+        <a:alpha val="90000"/>
+        <a:tint val="40000"/>
+      </a:schemeClr>
+    </dgm:fillClrLst>
+    <dgm:linClrLst meth="repeat">
+      <a:schemeClr val="accent1"/>
+    </dgm:linClrLst>
+    <dgm:effectClrLst/>
+    <dgm:txLinClrLst/>
+    <dgm:txFillClrLst meth="repeat">
+      <a:schemeClr val="dk1"/>
+    </dgm:txFillClrLst>
+    <dgm:txEffectClrLst/>
+  </dgm:styleLbl>
+  <dgm:styleLbl name="fgAcc4">
+    <dgm:fillClrLst meth="repeat">
+      <a:schemeClr val="accent1">
+        <a:alpha val="90000"/>
+        <a:tint val="40000"/>
+      </a:schemeClr>
+    </dgm:fillClrLst>
+    <dgm:linClrLst meth="repeat">
+      <a:schemeClr val="accent1"/>
+    </dgm:linClrLst>
+    <dgm:effectClrLst/>
+    <dgm:txLinClrLst/>
+    <dgm:txFillClrLst meth="repeat">
+      <a:schemeClr val="dk1"/>
+    </dgm:txFillClrLst>
+    <dgm:txEffectClrLst/>
+  </dgm:styleLbl>
+  <dgm:styleLbl name="bgShp">
+    <dgm:fillClrLst meth="repeat">
+      <a:schemeClr val="accent1">
+        <a:tint val="40000"/>
+      </a:schemeClr>
+    </dgm:fillClrLst>
+    <dgm:linClrLst meth="repeat">
+      <a:schemeClr val="accent1"/>
+    </dgm:linClrLst>
+    <dgm:effectClrLst/>
+    <dgm:txLinClrLst/>
+    <dgm:txFillClrLst meth="repeat">
+      <a:schemeClr val="dk1"/>
+    </dgm:txFillClrLst>
+    <dgm:txEffectClrLst/>
+  </dgm:styleLbl>
+  <dgm:styleLbl name="dkBgShp">
+    <dgm:fillClrLst meth="repeat">
+      <a:schemeClr val="accent1">
+        <a:shade val="80000"/>
+      </a:schemeClr>
+    </dgm:fillClrLst>
+    <dgm:linClrLst meth="repeat">
+      <a:schemeClr val="accent1"/>
+    </dgm:linClrLst>
+    <dgm:effectClrLst/>
+    <dgm:txLinClrLst/>
+    <dgm:txFillClrLst meth="repeat">
+      <a:schemeClr val="lt1"/>
+    </dgm:txFillClrLst>
+    <dgm:txEffectClrLst/>
+  </dgm:styleLbl>
+  <dgm:styleLbl name="trBgShp">
+    <dgm:fillClrLst meth="repeat">
+      <a:schemeClr val="accent1">
+        <a:tint val="50000"/>
+        <a:alpha val="40000"/>
+      </a:schemeClr>
+    </dgm:fillClrLst>
+    <dgm:linClrLst meth="repeat">
+      <a:schemeClr val="accent1"/>
+    </dgm:linClrLst>
+    <dgm:effectClrLst/>
+    <dgm:txLinClrLst/>
+    <dgm:txFillClrLst meth="repeat">
+      <a:schemeClr val="lt1"/>
+    </dgm:txFillClrLst>
+    <dgm:txEffectClrLst/>
+  </dgm:styleLbl>
+  <dgm:styleLbl name="fgShp">
+    <dgm:fillClrLst meth="repeat">
+      <a:schemeClr val="accent1">
+        <a:tint val="60000"/>
+      </a:schemeClr>
+    </dgm:fillClrLst>
+    <dgm:linClrLst meth="repeat">
+      <a:schemeClr val="lt1"/>
+    </dgm:linClrLst>
+    <dgm:effectClrLst/>
+    <dgm:txLinClrLst/>
+    <dgm:txFillClrLst meth="repeat">
+      <a:schemeClr val="dk1"/>
+    </dgm:txFillClrLst>
+    <dgm:txEffectClrLst/>
+  </dgm:styleLbl>
+  <dgm:styleLbl name="revTx">
+    <dgm:fillClrLst meth="repeat">
+      <a:schemeClr val="lt1">
+        <a:alpha val="0"/>
+      </a:schemeClr>
+    </dgm:fillClrLst>
+    <dgm:linClrLst meth="repeat">
+      <a:schemeClr val="dk1">
+        <a:alpha val="0"/>
+      </a:schemeClr>
+    </dgm:linClrLst>
+    <dgm:effectClrLst/>
+    <dgm:txLinClrLst/>
+    <dgm:txFillClrLst meth="repeat">
+      <a:schemeClr val="tx1"/>
+    </dgm:txFillClrLst>
+    <dgm:txEffectClrLst/>
+  </dgm:styleLbl>
+</dgm:colorsDef>
+</file>
+
+<file path=ppt/diagrams/colors6.xml><?xml version="1.0" encoding="utf-8"?>
+<dgm:colorsDef xmlns:dgm="http://schemas.openxmlformats.org/drawingml/2006/diagram" xmlns:a="http://schemas.openxmlformats.org/drawingml/2006/main" uniqueId="urn:microsoft.com/office/officeart/2005/8/colors/accent5_1">
+  <dgm:title val=""/>
+  <dgm:desc val=""/>
+  <dgm:catLst>
+    <dgm:cat type="accent5" pri="11100"/>
+  </dgm:catLst>
+  <dgm:styleLbl name="node0">
+    <dgm:fillClrLst meth="repeat">
+      <a:schemeClr val="lt1"/>
+    </dgm:fillClrLst>
+    <dgm:linClrLst meth="repeat">
+      <a:schemeClr val="accent5">
+        <a:shade val="80000"/>
+      </a:schemeClr>
+    </dgm:linClrLst>
+    <dgm:effectClrLst/>
+    <dgm:txLinClrLst/>
+    <dgm:txFillClrLst meth="repeat">
+      <a:schemeClr val="dk1"/>
+    </dgm:txFillClrLst>
+    <dgm:txEffectClrLst/>
+  </dgm:styleLbl>
+  <dgm:styleLbl name="node1">
+    <dgm:fillClrLst meth="repeat">
+      <a:schemeClr val="lt1"/>
+    </dgm:fillClrLst>
+    <dgm:linClrLst meth="repeat">
+      <a:schemeClr val="accent5">
+        <a:shade val="80000"/>
+      </a:schemeClr>
+    </dgm:linClrLst>
+    <dgm:effectClrLst/>
+    <dgm:txLinClrLst/>
+    <dgm:txFillClrLst meth="repeat">
+      <a:schemeClr val="dk1"/>
+    </dgm:txFillClrLst>
+    <dgm:txEffectClrLst/>
+  </dgm:styleLbl>
+  <dgm:styleLbl name="alignNode1">
+    <dgm:fillClrLst meth="repeat">
+      <a:schemeClr val="lt1"/>
+    </dgm:fillClrLst>
+    <dgm:linClrLst meth="repeat">
+      <a:schemeClr val="accent5">
+        <a:shade val="80000"/>
+      </a:schemeClr>
+    </dgm:linClrLst>
+    <dgm:effectClrLst/>
+    <dgm:txLinClrLst/>
+    <dgm:txFillClrLst meth="repeat">
+      <a:schemeClr val="dk1"/>
+    </dgm:txFillClrLst>
+    <dgm:txEffectClrLst/>
+  </dgm:styleLbl>
+  <dgm:styleLbl name="lnNode1">
+    <dgm:fillClrLst meth="repeat">
+      <a:schemeClr val="lt1"/>
+    </dgm:fillClrLst>
+    <dgm:linClrLst meth="repeat">
+      <a:schemeClr val="accent5">
+        <a:shade val="80000"/>
+      </a:schemeClr>
+    </dgm:linClrLst>
+    <dgm:effectClrLst/>
+    <dgm:txLinClrLst/>
+    <dgm:txFillClrLst meth="repeat">
+      <a:schemeClr val="dk1"/>
+    </dgm:txFillClrLst>
+    <dgm:txEffectClrLst/>
+  </dgm:styleLbl>
+  <dgm:styleLbl name="vennNode1">
+    <dgm:fillClrLst meth="repeat">
+      <a:schemeClr val="lt1">
+        <a:alpha val="50000"/>
+      </a:schemeClr>
+    </dgm:fillClrLst>
+    <dgm:linClrLst meth="repeat">
+      <a:schemeClr val="accent5">
+        <a:shade val="80000"/>
+      </a:schemeClr>
+    </dgm:linClrLst>
+    <dgm:effectClrLst/>
+    <dgm:txLinClrLst/>
+    <dgm:txFillClrLst/>
+    <dgm:txEffectClrLst/>
+  </dgm:styleLbl>
+  <dgm:styleLbl name="node2">
+    <dgm:fillClrLst meth="repeat">
+      <a:schemeClr val="lt1"/>
+    </dgm:fillClrLst>
+    <dgm:linClrLst meth="repeat">
+      <a:schemeClr val="accent5">
+        <a:shade val="80000"/>
+      </a:schemeClr>
+    </dgm:linClrLst>
+    <dgm:effectClrLst/>
+    <dgm:txLinClrLst/>
+    <dgm:txFillClrLst meth="repeat">
+      <a:schemeClr val="dk1"/>
+    </dgm:txFillClrLst>
+    <dgm:txEffectClrLst/>
+  </dgm:styleLbl>
+  <dgm:styleLbl name="node3">
+    <dgm:fillClrLst meth="repeat">
+      <a:schemeClr val="lt1"/>
+    </dgm:fillClrLst>
+    <dgm:linClrLst meth="repeat">
+      <a:schemeClr val="accent5">
+        <a:shade val="80000"/>
+      </a:schemeClr>
+    </dgm:linClrLst>
+    <dgm:effectClrLst/>
+    <dgm:txLinClrLst/>
+    <dgm:txFillClrLst meth="repeat">
+      <a:schemeClr val="dk1"/>
+    </dgm:txFillClrLst>
+    <dgm:txEffectClrLst/>
+  </dgm:styleLbl>
+  <dgm:styleLbl name="node4">
+    <dgm:fillClrLst meth="repeat">
+      <a:schemeClr val="lt1"/>
+    </dgm:fillClrLst>
+    <dgm:linClrLst meth="repeat">
+      <a:schemeClr val="accent5">
+        <a:shade val="80000"/>
+      </a:schemeClr>
+    </dgm:linClrLst>
+    <dgm:effectClrLst/>
+    <dgm:txLinClrLst/>
+    <dgm:txFillClrLst meth="repeat">
+      <a:schemeClr val="dk1"/>
+    </dgm:txFillClrLst>
+    <dgm:txEffectClrLst/>
+  </dgm:styleLbl>
+  <dgm:styleLbl name="fgImgPlace1">
+    <dgm:fillClrLst meth="repeat">
+      <a:schemeClr val="accent5">
+        <a:tint val="40000"/>
+      </a:schemeClr>
+    </dgm:fillClrLst>
+    <dgm:linClrLst meth="repeat">
+      <a:schemeClr val="accent5">
+        <a:shade val="80000"/>
+      </a:schemeClr>
+    </dgm:linClrLst>
+    <dgm:effectClrLst/>
+    <dgm:txLinClrLst/>
+    <dgm:txFillClrLst meth="repeat">
+      <a:schemeClr val="lt1"/>
+    </dgm:txFillClrLst>
+    <dgm:txEffectClrLst/>
+  </dgm:styleLbl>
+  <dgm:styleLbl name="alignImgPlace1">
+    <dgm:fillClrLst meth="repeat">
+      <a:schemeClr val="accent5">
+        <a:tint val="40000"/>
+      </a:schemeClr>
+    </dgm:fillClrLst>
+    <dgm:linClrLst meth="repeat">
+      <a:schemeClr val="accent5">
+        <a:shade val="80000"/>
+      </a:schemeClr>
+    </dgm:linClrLst>
+    <dgm:effectClrLst/>
+    <dgm:txLinClrLst/>
+    <dgm:txFillClrLst meth="repeat">
+      <a:schemeClr val="lt1"/>
+    </dgm:txFillClrLst>
+    <dgm:txEffectClrLst/>
+  </dgm:styleLbl>
+  <dgm:styleLbl name="bgImgPlace1">
+    <dgm:fillClrLst meth="repeat">
+      <a:schemeClr val="accent5">
+        <a:tint val="40000"/>
+      </a:schemeClr>
+    </dgm:fillClrLst>
+    <dgm:linClrLst meth="repeat">
+      <a:schemeClr val="accent5">
+        <a:shade val="80000"/>
+      </a:schemeClr>
+    </dgm:linClrLst>
+    <dgm:effectClrLst/>
+    <dgm:txLinClrLst/>
+    <dgm:txFillClrLst meth="repeat">
+      <a:schemeClr val="lt1"/>
+    </dgm:txFillClrLst>
+    <dgm:txEffectClrLst/>
+  </dgm:styleLbl>
+  <dgm:styleLbl name="sibTrans2D1">
+    <dgm:fillClrLst meth="repeat">
+      <a:schemeClr val="accent5">
+        <a:tint val="60000"/>
+      </a:schemeClr>
+    </dgm:fillClrLst>
+    <dgm:linClrLst meth="repeat">
+      <a:schemeClr val="accent5">
+        <a:tint val="60000"/>
+      </a:schemeClr>
+    </dgm:linClrLst>
+    <dgm:effectClrLst/>
+    <dgm:txLinClrLst/>
+    <dgm:txFillClrLst meth="repeat">
+      <a:schemeClr val="dk1"/>
+    </dgm:txFillClrLst>
+    <dgm:txEffectClrLst/>
+  </dgm:styleLbl>
+  <dgm:styleLbl name="fgSibTrans2D1">
+    <dgm:fillClrLst meth="repeat">
+      <a:schemeClr val="accent5">
+        <a:tint val="60000"/>
+      </a:schemeClr>
+    </dgm:fillClrLst>
+    <dgm:linClrLst meth="repeat">
+      <a:schemeClr val="accent5">
+        <a:tint val="60000"/>
+      </a:schemeClr>
+    </dgm:linClrLst>
+    <dgm:effectClrLst/>
+    <dgm:txLinClrLst/>
+    <dgm:txFillClrLst meth="repeat">
+      <a:schemeClr val="dk1"/>
+    </dgm:txFillClrLst>
+    <dgm:txEffectClrLst/>
+  </dgm:styleLbl>
+  <dgm:styleLbl name="bgSibTrans2D1">
+    <dgm:fillClrLst meth="repeat">
+      <a:schemeClr val="accent5">
+        <a:tint val="60000"/>
+      </a:schemeClr>
+    </dgm:fillClrLst>
+    <dgm:linClrLst meth="repeat">
+      <a:schemeClr val="accent5">
+        <a:tint val="60000"/>
+      </a:schemeClr>
+    </dgm:linClrLst>
+    <dgm:effectClrLst/>
+    <dgm:txLinClrLst/>
+    <dgm:txFillClrLst meth="repeat">
+      <a:schemeClr val="dk1"/>
+    </dgm:txFillClrLst>
+    <dgm:txEffectClrLst/>
+  </dgm:styleLbl>
+  <dgm:styleLbl name="sibTrans1D1">
+    <dgm:fillClrLst meth="repeat">
+      <a:schemeClr val="accent5"/>
+    </dgm:fillClrLst>
+    <dgm:linClrLst meth="repeat">
+      <a:schemeClr val="accent5"/>
+    </dgm:linClrLst>
+    <dgm:effectClrLst/>
+    <dgm:txLinClrLst/>
+    <dgm:txFillClrLst meth="repeat">
+      <a:schemeClr val="tx1"/>
+    </dgm:txFillClrLst>
+    <dgm:txEffectClrLst/>
+  </dgm:styleLbl>
+  <dgm:styleLbl name="callout">
+    <dgm:fillClrLst meth="repeat">
+      <a:schemeClr val="accent5"/>
+    </dgm:fillClrLst>
+    <dgm:linClrLst meth="repeat">
+      <a:schemeClr val="accent5"/>
+    </dgm:linClrLst>
+    <dgm:effectClrLst/>
+    <dgm:txLinClrLst/>
+    <dgm:txFillClrLst meth="repeat">
+      <a:schemeClr val="tx1"/>
+    </dgm:txFillClrLst>
+    <dgm:txEffectClrLst/>
+  </dgm:styleLbl>
+  <dgm:styleLbl name="asst0">
+    <dgm:fillClrLst meth="repeat">
+      <a:schemeClr val="lt1"/>
+    </dgm:fillClrLst>
+    <dgm:linClrLst meth="repeat">
+      <a:schemeClr val="accent5">
+        <a:shade val="80000"/>
+      </a:schemeClr>
+    </dgm:linClrLst>
+    <dgm:effectClrLst/>
+    <dgm:txLinClrLst/>
+    <dgm:txFillClrLst meth="repeat">
+      <a:schemeClr val="dk1"/>
+    </dgm:txFillClrLst>
+    <dgm:txEffectClrLst/>
+  </dgm:styleLbl>
+  <dgm:styleLbl name="asst1">
+    <dgm:fillClrLst meth="repeat">
+      <a:schemeClr val="lt1"/>
+    </dgm:fillClrLst>
+    <dgm:linClrLst meth="repeat">
+      <a:schemeClr val="accent5">
+        <a:shade val="80000"/>
+      </a:schemeClr>
+    </dgm:linClrLst>
+    <dgm:effectClrLst/>
+    <dgm:txLinClrLst/>
+    <dgm:txFillClrLst meth="repeat">
+      <a:schemeClr val="dk1"/>
+    </dgm:txFillClrLst>
+    <dgm:txEffectClrLst/>
+  </dgm:styleLbl>
+  <dgm:styleLbl name="asst2">
+    <dgm:fillClrLst meth="repeat">
+      <a:schemeClr val="lt1"/>
+    </dgm:fillClrLst>
+    <dgm:linClrLst meth="repeat">
+      <a:schemeClr val="accent5">
+        <a:shade val="80000"/>
+      </a:schemeClr>
+    </dgm:linClrLst>
+    <dgm:effectClrLst/>
+    <dgm:txLinClrLst/>
+    <dgm:txFillClrLst meth="repeat">
+      <a:schemeClr val="dk1"/>
+    </dgm:txFillClrLst>
+    <dgm:txEffectClrLst/>
+  </dgm:styleLbl>
+  <dgm:styleLbl name="asst3">
+    <dgm:fillClrLst meth="repeat">
+      <a:schemeClr val="lt1"/>
+    </dgm:fillClrLst>
+    <dgm:linClrLst meth="repeat">
+      <a:schemeClr val="accent5">
+        <a:shade val="80000"/>
+      </a:schemeClr>
+    </dgm:linClrLst>
+    <dgm:effectClrLst/>
+    <dgm:txLinClrLst/>
+    <dgm:txFillClrLst meth="repeat">
+      <a:schemeClr val="dk1"/>
+    </dgm:txFillClrLst>
+    <dgm:txEffectClrLst/>
+  </dgm:styleLbl>
+  <dgm:styleLbl name="asst4">
+    <dgm:fillClrLst meth="repeat">
+      <a:schemeClr val="lt1"/>
+    </dgm:fillClrLst>
+    <dgm:linClrLst meth="repeat">
+      <a:schemeClr val="accent5">
+        <a:shade val="80000"/>
+      </a:schemeClr>
+    </dgm:linClrLst>
+    <dgm:effectClrLst/>
+    <dgm:txLinClrLst/>
+    <dgm:txFillClrLst meth="repeat">
+      <a:schemeClr val="dk1"/>
+    </dgm:txFillClrLst>
+    <dgm:txEffectClrLst/>
+  </dgm:styleLbl>
+  <dgm:styleLbl name="parChTrans2D1">
+    <dgm:fillClrLst meth="repeat">
+      <a:schemeClr val="accent5">
+        <a:tint val="60000"/>
+      </a:schemeClr>
+    </dgm:fillClrLst>
+    <dgm:linClrLst meth="repeat">
+      <a:schemeClr val="accent5">
+        <a:tint val="60000"/>
+      </a:schemeClr>
+    </dgm:linClrLst>
+    <dgm:effectClrLst/>
+    <dgm:txLinClrLst/>
+    <dgm:txFillClrLst/>
+    <dgm:txEffectClrLst/>
+  </dgm:styleLbl>
+  <dgm:styleLbl name="parChTrans2D2">
+    <dgm:fillClrLst meth="repeat">
+      <a:schemeClr val="accent5"/>
+    </dgm:fillClrLst>
+    <dgm:linClrLst meth="repeat">
+      <a:schemeClr val="accent5"/>
+    </dgm:linClrLst>
+    <dgm:effectClrLst/>
+    <dgm:txLinClrLst/>
+    <dgm:txFillClrLst/>
+    <dgm:txEffectClrLst/>
+  </dgm:styleLbl>
+  <dgm:styleLbl name="parChTrans2D3">
+    <dgm:fillClrLst meth="repeat">
+      <a:schemeClr val="accent5"/>
+    </dgm:fillClrLst>
+    <dgm:linClrLst meth="repeat">
+      <a:schemeClr val="accent5"/>
+    </dgm:linClrLst>
+    <dgm:effectClrLst/>
+    <dgm:txLinClrLst/>
+    <dgm:txFillClrLst/>
+    <dgm:txEffectClrLst/>
+  </dgm:styleLbl>
+  <dgm:styleLbl name="parChTrans2D4">
+    <dgm:fillClrLst meth="repeat">
+      <a:schemeClr val="accent5"/>
+    </dgm:fillClrLst>
+    <dgm:linClrLst meth="repeat">
+      <a:schemeClr val="accent5"/>
+    </dgm:linClrLst>
+    <dgm:effectClrLst/>
+    <dgm:txLinClrLst/>
+    <dgm:txFillClrLst meth="repeat">
+      <a:schemeClr val="lt1"/>
+    </dgm:txFillClrLst>
+    <dgm:txEffectClrLst/>
+  </dgm:styleLbl>
+  <dgm:styleLbl name="parChTrans1D1">
+    <dgm:fillClrLst meth="repeat">
+      <a:schemeClr val="accent5"/>
+    </dgm:fillClrLst>
+    <dgm:linClrLst meth="repeat">
+      <a:schemeClr val="accent5">
+        <a:shade val="60000"/>
+      </a:schemeClr>
+    </dgm:linClrLst>
+    <dgm:effectClrLst/>
+    <dgm:txLinClrLst/>
+    <dgm:txFillClrLst meth="repeat">
+      <a:schemeClr val="tx1"/>
+    </dgm:txFillClrLst>
+    <dgm:txEffectClrLst/>
+  </dgm:styleLbl>
+  <dgm:styleLbl name="parChTrans1D2">
+    <dgm:fillClrLst meth="repeat">
+      <a:schemeClr val="accent5"/>
+    </dgm:fillClrLst>
+    <dgm:linClrLst meth="repeat">
+      <a:schemeClr val="accent5">
+        <a:shade val="60000"/>
+      </a:schemeClr>
+    </dgm:linClrLst>
+    <dgm:effectClrLst/>
+    <dgm:txLinClrLst/>
+    <dgm:txFillClrLst meth="repeat">
+      <a:schemeClr val="tx1"/>
+    </dgm:txFillClrLst>
+    <dgm:txEffectClrLst/>
+  </dgm:styleLbl>
+  <dgm:styleLbl name="parChTrans1D3">
+    <dgm:fillClrLst meth="repeat">
+      <a:schemeClr val="accent5"/>
+    </dgm:fillClrLst>
+    <dgm:linClrLst meth="repeat">
+      <a:schemeClr val="accent5">
+        <a:shade val="80000"/>
+      </a:schemeClr>
+    </dgm:linClrLst>
+    <dgm:effectClrLst/>
+    <dgm:txLinClrLst/>
+    <dgm:txFillClrLst meth="repeat">
+      <a:schemeClr val="tx1"/>
+    </dgm:txFillClrLst>
+    <dgm:txEffectClrLst/>
+  </dgm:styleLbl>
+  <dgm:styleLbl name="parChTrans1D4">
+    <dgm:fillClrLst meth="repeat">
+      <a:schemeClr val="accent5"/>
+    </dgm:fillClrLst>
+    <dgm:linClrLst meth="repeat">
+      <a:schemeClr val="accent5">
+        <a:shade val="80000"/>
+      </a:schemeClr>
+    </dgm:linClrLst>
+    <dgm:effectClrLst/>
+    <dgm:txLinClrLst/>
+    <dgm:txFillClrLst meth="repeat">
+      <a:schemeClr val="tx1"/>
+    </dgm:txFillClrLst>
+    <dgm:txEffectClrLst/>
+  </dgm:styleLbl>
+  <dgm:styleLbl name="fgAcc1">
+    <dgm:fillClrLst meth="repeat">
+      <a:schemeClr val="accent5">
+        <a:alpha val="90000"/>
+        <a:tint val="40000"/>
+      </a:schemeClr>
+    </dgm:fillClrLst>
+    <dgm:linClrLst meth="repeat">
+      <a:schemeClr val="accent5"/>
+    </dgm:linClrLst>
+    <dgm:effectClrLst/>
+    <dgm:txLinClrLst/>
+    <dgm:txFillClrLst meth="repeat">
+      <a:schemeClr val="dk1"/>
+    </dgm:txFillClrLst>
+    <dgm:txEffectClrLst/>
+  </dgm:styleLbl>
+  <dgm:styleLbl name="conFgAcc1">
+    <dgm:fillClrLst meth="repeat">
+      <a:schemeClr val="accent5">
+        <a:alpha val="90000"/>
+        <a:tint val="40000"/>
+      </a:schemeClr>
+    </dgm:fillClrLst>
+    <dgm:linClrLst meth="repeat">
+      <a:schemeClr val="accent5"/>
+    </dgm:linClrLst>
+    <dgm:effectClrLst/>
+    <dgm:txLinClrLst/>
+    <dgm:txFillClrLst meth="repeat">
+      <a:schemeClr val="dk1"/>
+    </dgm:txFillClrLst>
+    <dgm:txEffectClrLst/>
+  </dgm:styleLbl>
+  <dgm:styleLbl name="alignAcc1">
+    <dgm:fillClrLst meth="repeat">
+      <a:schemeClr val="accent5">
+        <a:alpha val="90000"/>
+        <a:tint val="40000"/>
+      </a:schemeClr>
+    </dgm:fillClrLst>
+    <dgm:linClrLst meth="repeat">
+      <a:schemeClr val="accent5"/>
+    </dgm:linClrLst>
+    <dgm:effectClrLst/>
+    <dgm:txLinClrLst/>
+    <dgm:txFillClrLst meth="repeat">
+      <a:schemeClr val="dk1"/>
+    </dgm:txFillClrLst>
+    <dgm:txEffectClrLst/>
+  </dgm:styleLbl>
+  <dgm:styleLbl name="trAlignAcc1">
+    <dgm:fillClrLst meth="repeat">
+      <a:schemeClr val="accent5">
+        <a:alpha val="40000"/>
+        <a:tint val="40000"/>
+      </a:schemeClr>
+    </dgm:fillClrLst>
+    <dgm:linClrLst meth="repeat">
+      <a:schemeClr val="accent5"/>
+    </dgm:linClrLst>
+    <dgm:effectClrLst/>
+    <dgm:txLinClrLst/>
+    <dgm:txFillClrLst meth="repeat">
+      <a:schemeClr val="dk1"/>
+    </dgm:txFillClrLst>
+    <dgm:txEffectClrLst/>
+  </dgm:styleLbl>
+  <dgm:styleLbl name="bgAcc1">
+    <dgm:fillClrLst meth="repeat">
+      <a:schemeClr val="accent5">
+        <a:alpha val="90000"/>
+        <a:tint val="40000"/>
+      </a:schemeClr>
+    </dgm:fillClrLst>
+    <dgm:linClrLst meth="repeat">
+      <a:schemeClr val="accent5"/>
+    </dgm:linClrLst>
+    <dgm:effectClrLst/>
+    <dgm:txLinClrLst/>
+    <dgm:txFillClrLst meth="repeat">
+      <a:schemeClr val="dk1"/>
+    </dgm:txFillClrLst>
+    <dgm:txEffectClrLst/>
+  </dgm:styleLbl>
+  <dgm:styleLbl name="solidFgAcc1">
+    <dgm:fillClrLst meth="repeat">
+      <a:schemeClr val="lt1"/>
+    </dgm:fillClrLst>
+    <dgm:linClrLst meth="repeat">
+      <a:schemeClr val="accent5"/>
+    </dgm:linClrLst>
+    <dgm:effectClrLst/>
+    <dgm:txLinClrLst/>
+    <dgm:txFillClrLst meth="repeat">
+      <a:schemeClr val="dk1"/>
+    </dgm:txFillClrLst>
+    <dgm:txEffectClrLst/>
+  </dgm:styleLbl>
+  <dgm:styleLbl name="solidAlignAcc1">
+    <dgm:fillClrLst meth="repeat">
+      <a:schemeClr val="lt1"/>
+    </dgm:fillClrLst>
+    <dgm:linClrLst meth="repeat">
+      <a:schemeClr val="accent5"/>
+    </dgm:linClrLst>
+    <dgm:effectClrLst/>
+    <dgm:txLinClrLst/>
+    <dgm:txFillClrLst meth="repeat">
+      <a:schemeClr val="dk1"/>
+    </dgm:txFillClrLst>
+    <dgm:txEffectClrLst/>
+  </dgm:styleLbl>
+  <dgm:styleLbl name="solidBgAcc1">
+    <dgm:fillClrLst meth="repeat">
+      <a:schemeClr val="lt1"/>
+    </dgm:fillClrLst>
+    <dgm:linClrLst meth="repeat">
+      <a:schemeClr val="accent5"/>
+    </dgm:linClrLst>
+    <dgm:effectClrLst/>
+    <dgm:txLinClrLst/>
+    <dgm:txFillClrLst meth="repeat">
+      <a:schemeClr val="dk1"/>
+    </dgm:txFillClrLst>
+    <dgm:txEffectClrLst/>
+  </dgm:styleLbl>
+  <dgm:styleLbl name="fgAccFollowNode1">
+    <dgm:fillClrLst meth="repeat">
+      <a:schemeClr val="lt1">
+        <a:alpha val="90000"/>
+        <a:tint val="40000"/>
+      </a:schemeClr>
+    </dgm:fillClrLst>
+    <dgm:linClrLst meth="repeat">
+      <a:schemeClr val="accent5">
+        <a:alpha val="90000"/>
+      </a:schemeClr>
+    </dgm:linClrLst>
+    <dgm:effectClrLst/>
+    <dgm:txLinClrLst/>
+    <dgm:txFillClrLst meth="repeat">
+      <a:schemeClr val="dk1"/>
+    </dgm:txFillClrLst>
+    <dgm:txEffectClrLst/>
+  </dgm:styleLbl>
+  <dgm:styleLbl name="alignAccFollowNode1">
+    <dgm:fillClrLst meth="repeat">
+      <a:schemeClr val="lt1">
+        <a:alpha val="90000"/>
+        <a:tint val="40000"/>
+      </a:schemeClr>
+    </dgm:fillClrLst>
+    <dgm:linClrLst meth="repeat">
+      <a:schemeClr val="accent5">
+        <a:alpha val="90000"/>
+      </a:schemeClr>
+    </dgm:linClrLst>
+    <dgm:effectClrLst/>
+    <dgm:txLinClrLst/>
+    <dgm:txFillClrLst meth="repeat">
+      <a:schemeClr val="dk1"/>
+    </dgm:txFillClrLst>
+    <dgm:txEffectClrLst/>
+  </dgm:styleLbl>
+  <dgm:styleLbl name="bgAccFollowNode1">
+    <dgm:fillClrLst meth="repeat">
+      <a:schemeClr val="lt1">
+        <a:alpha val="90000"/>
+        <a:tint val="40000"/>
+      </a:schemeClr>
+    </dgm:fillClrLst>
+    <dgm:linClrLst meth="repeat">
+      <a:schemeClr val="accent5">
+        <a:alpha val="90000"/>
+      </a:schemeClr>
+    </dgm:linClrLst>
+    <dgm:effectClrLst/>
+    <dgm:txLinClrLst/>
+    <dgm:txFillClrLst meth="repeat">
+      <a:schemeClr val="dk1"/>
+    </dgm:txFillClrLst>
+    <dgm:txEffectClrLst/>
+  </dgm:styleLbl>
+  <dgm:styleLbl name="fgAcc0">
+    <dgm:fillClrLst meth="repeat">
+      <a:schemeClr val="accent5">
+        <a:alpha val="90000"/>
+        <a:tint val="40000"/>
+      </a:schemeClr>
+    </dgm:fillClrLst>
+    <dgm:linClrLst meth="repeat">
+      <a:schemeClr val="accent5"/>
+    </dgm:linClrLst>
+    <dgm:effectClrLst/>
+    <dgm:txLinClrLst/>
+    <dgm:txFillClrLst meth="repeat">
+      <a:schemeClr val="dk1"/>
+    </dgm:txFillClrLst>
+    <dgm:txEffectClrLst/>
+  </dgm:styleLbl>
+  <dgm:styleLbl name="fgAcc2">
+    <dgm:fillClrLst meth="repeat">
+      <a:schemeClr val="accent5">
+        <a:alpha val="90000"/>
+        <a:tint val="40000"/>
+      </a:schemeClr>
+    </dgm:fillClrLst>
+    <dgm:linClrLst meth="repeat">
+      <a:schemeClr val="accent5"/>
+    </dgm:linClrLst>
+    <dgm:effectClrLst/>
+    <dgm:txLinClrLst/>
+    <dgm:txFillClrLst meth="repeat">
+      <a:schemeClr val="dk1"/>
+    </dgm:txFillClrLst>
+    <dgm:txEffectClrLst/>
+  </dgm:styleLbl>
+  <dgm:styleLbl name="fgAcc3">
+    <dgm:fillClrLst meth="repeat">
+      <a:schemeClr val="accent5">
+        <a:alpha val="90000"/>
+        <a:tint val="40000"/>
+      </a:schemeClr>
+    </dgm:fillClrLst>
+    <dgm:linClrLst meth="repeat">
+      <a:schemeClr val="accent5"/>
+    </dgm:linClrLst>
+    <dgm:effectClrLst/>
+    <dgm:txLinClrLst/>
+    <dgm:txFillClrLst meth="repeat">
+      <a:schemeClr val="dk1"/>
+    </dgm:txFillClrLst>
+    <dgm:txEffectClrLst/>
+  </dgm:styleLbl>
+  <dgm:styleLbl name="fgAcc4">
+    <dgm:fillClrLst meth="repeat">
+      <a:schemeClr val="accent5">
+        <a:alpha val="90000"/>
+        <a:tint val="40000"/>
+      </a:schemeClr>
+    </dgm:fillClrLst>
+    <dgm:linClrLst meth="repeat">
+      <a:schemeClr val="accent5"/>
+    </dgm:linClrLst>
+    <dgm:effectClrLst/>
+    <dgm:txLinClrLst/>
+    <dgm:txFillClrLst meth="repeat">
+      <a:schemeClr val="dk1"/>
+    </dgm:txFillClrLst>
+    <dgm:txEffectClrLst/>
+  </dgm:styleLbl>
+  <dgm:styleLbl name="bgShp">
+    <dgm:fillClrLst meth="repeat">
+      <a:schemeClr val="accent5">
+        <a:tint val="40000"/>
+      </a:schemeClr>
+    </dgm:fillClrLst>
+    <dgm:linClrLst meth="repeat">
+      <a:schemeClr val="accent5"/>
+    </dgm:linClrLst>
+    <dgm:effectClrLst/>
+    <dgm:txLinClrLst/>
+    <dgm:txFillClrLst meth="repeat">
+      <a:schemeClr val="dk1"/>
+    </dgm:txFillClrLst>
+    <dgm:txEffectClrLst/>
+  </dgm:styleLbl>
+  <dgm:styleLbl name="dkBgShp">
+    <dgm:fillClrLst meth="repeat">
+      <a:schemeClr val="accent5">
+        <a:shade val="80000"/>
+      </a:schemeClr>
+    </dgm:fillClrLst>
+    <dgm:linClrLst meth="repeat">
+      <a:schemeClr val="accent5"/>
+    </dgm:linClrLst>
+    <dgm:effectClrLst/>
+    <dgm:txLinClrLst/>
+    <dgm:txFillClrLst meth="repeat">
+      <a:schemeClr val="lt1"/>
+    </dgm:txFillClrLst>
+    <dgm:txEffectClrLst/>
+  </dgm:styleLbl>
+  <dgm:styleLbl name="trBgShp">
+    <dgm:fillClrLst meth="repeat">
+      <a:schemeClr val="accent5">
+        <a:tint val="50000"/>
+        <a:alpha val="40000"/>
+      </a:schemeClr>
+    </dgm:fillClrLst>
+    <dgm:linClrLst meth="repeat">
+      <a:schemeClr val="accent5"/>
+    </dgm:linClrLst>
+    <dgm:effectClrLst/>
+    <dgm:txLinClrLst/>
+    <dgm:txFillClrLst meth="repeat">
+      <a:schemeClr val="lt1"/>
+    </dgm:txFillClrLst>
+    <dgm:txEffectClrLst/>
+  </dgm:styleLbl>
+  <dgm:styleLbl name="fgShp">
+    <dgm:fillClrLst meth="repeat">
+      <a:schemeClr val="accent5">
+        <a:tint val="60000"/>
+      </a:schemeClr>
+    </dgm:fillClrLst>
+    <dgm:linClrLst meth="repeat">
+      <a:schemeClr val="lt1"/>
+    </dgm:linClrLst>
+    <dgm:effectClrLst/>
+    <dgm:txLinClrLst/>
+    <dgm:txFillClrLst meth="repeat">
+      <a:schemeClr val="dk1"/>
+    </dgm:txFillClrLst>
+    <dgm:txEffectClrLst/>
+  </dgm:styleLbl>
+  <dgm:styleLbl name="revTx">
+    <dgm:fillClrLst meth="repeat">
+      <a:schemeClr val="lt1">
+        <a:alpha val="0"/>
+      </a:schemeClr>
+    </dgm:fillClrLst>
+    <dgm:linClrLst meth="repeat">
+      <a:schemeClr val="dk1">
+        <a:alpha val="0"/>
+      </a:schemeClr>
+    </dgm:linClrLst>
+    <dgm:effectClrLst/>
+    <dgm:txLinClrLst/>
+    <dgm:txFillClrLst meth="repeat">
+      <a:schemeClr val="tx1"/>
+    </dgm:txFillClrLst>
+    <dgm:txEffectClrLst/>
+  </dgm:styleLbl>
+</dgm:colorsDef>
+</file>
+
+<file path=ppt/diagrams/colors7.xml><?xml version="1.0" encoding="utf-8"?>
 <dgm:colorsDef xmlns:dgm="http://schemas.openxmlformats.org/drawingml/2006/diagram" xmlns:a="http://schemas.openxmlformats.org/drawingml/2006/main" uniqueId="urn:microsoft.com/office/officeart/2005/8/colors/colorful3">
   <dgm:title val=""/>
   <dgm:desc val=""/>
@@ -8765,6 +10382,1158 @@
 <file path=ppt/diagrams/data5.xml><?xml version="1.0" encoding="utf-8"?>
 <dgm:dataModel xmlns:dgm="http://schemas.openxmlformats.org/drawingml/2006/diagram" xmlns:a="http://schemas.openxmlformats.org/drawingml/2006/main">
   <dgm:ptLst>
+    <dgm:pt modelId="{F64FEDC3-2544-4368-843C-ED0EC9F15AAD}" type="doc">
+      <dgm:prSet loTypeId="urn:microsoft.com/office/officeart/2005/8/layout/chevron1" loCatId="process" qsTypeId="urn:microsoft.com/office/officeart/2005/8/quickstyle/simple1" qsCatId="simple" csTypeId="urn:microsoft.com/office/officeart/2005/8/colors/accent1_1" csCatId="accent1" phldr="1"/>
+      <dgm:spPr/>
+    </dgm:pt>
+    <dgm:pt modelId="{AB41311C-0D4F-4695-AE4D-2497A6D15ADD}">
+      <dgm:prSet phldrT="[Text]" custT="1"/>
+      <dgm:spPr/>
+      <dgm:t>
+        <a:bodyPr/>
+        <a:lstStyle/>
+        <a:p>
+          <a:r>
+            <a:rPr lang="en-GB" sz="1200" dirty="0">
+              <a:latin typeface="Segoe UI Semilight" panose="020B0402040204020203" pitchFamily="34" charset="0"/>
+              <a:cs typeface="Segoe UI Semilight" panose="020B0402040204020203" pitchFamily="34" charset="0"/>
+            </a:rPr>
+            <a:t>Order to cash / Service to cash</a:t>
+          </a:r>
+          <a:endParaRPr lang="en-US" sz="1200" dirty="0">
+            <a:latin typeface="Segoe UI Semilight" panose="020B0402040204020203" pitchFamily="34" charset="0"/>
+            <a:cs typeface="Segoe UI Semilight" panose="020B0402040204020203" pitchFamily="34" charset="0"/>
+          </a:endParaRPr>
+        </a:p>
+      </dgm:t>
+    </dgm:pt>
+    <dgm:pt modelId="{C69FA464-90FD-412F-BFA8-94AF70F8DF8A}" type="parTrans" cxnId="{23252CB5-A89B-4883-8CFD-5F40F19293A1}">
+      <dgm:prSet/>
+      <dgm:spPr/>
+      <dgm:t>
+        <a:bodyPr/>
+        <a:lstStyle/>
+        <a:p>
+          <a:endParaRPr lang="en-US"/>
+        </a:p>
+      </dgm:t>
+    </dgm:pt>
+    <dgm:pt modelId="{4962BE60-F347-4D7D-8813-E0B16A04908E}" type="sibTrans" cxnId="{23252CB5-A89B-4883-8CFD-5F40F19293A1}">
+      <dgm:prSet/>
+      <dgm:spPr/>
+      <dgm:t>
+        <a:bodyPr/>
+        <a:lstStyle/>
+        <a:p>
+          <a:endParaRPr lang="en-US"/>
+        </a:p>
+      </dgm:t>
+    </dgm:pt>
+    <dgm:pt modelId="{FB5FAA04-B225-40EA-B7A6-84161F77C29D}">
+      <dgm:prSet phldrT="[Text]" custT="1"/>
+      <dgm:spPr/>
+      <dgm:t>
+        <a:bodyPr/>
+        <a:lstStyle/>
+        <a:p>
+          <a:r>
+            <a:rPr lang="en-GB" sz="1200" dirty="0">
+              <a:latin typeface="Segoe UI Semilight" panose="020B0402040204020203" pitchFamily="34" charset="0"/>
+              <a:cs typeface="Segoe UI Semilight" panose="020B0402040204020203" pitchFamily="34" charset="0"/>
+            </a:rPr>
+            <a:t>Plan to produce</a:t>
+          </a:r>
+          <a:endParaRPr lang="en-US" sz="1200" dirty="0">
+            <a:latin typeface="Segoe UI Semilight" panose="020B0402040204020203" pitchFamily="34" charset="0"/>
+            <a:cs typeface="Segoe UI Semilight" panose="020B0402040204020203" pitchFamily="34" charset="0"/>
+          </a:endParaRPr>
+        </a:p>
+      </dgm:t>
+    </dgm:pt>
+    <dgm:pt modelId="{2F068896-6BEF-4AE7-B6F2-76F1EC38CFB5}" type="parTrans" cxnId="{EDB1ADDB-3AD6-43C6-B5FD-0D9D4728FDD3}">
+      <dgm:prSet/>
+      <dgm:spPr/>
+      <dgm:t>
+        <a:bodyPr/>
+        <a:lstStyle/>
+        <a:p>
+          <a:endParaRPr lang="en-US"/>
+        </a:p>
+      </dgm:t>
+    </dgm:pt>
+    <dgm:pt modelId="{54A8FAD2-35F7-44D7-A3C6-372A6C8727DC}" type="sibTrans" cxnId="{EDB1ADDB-3AD6-43C6-B5FD-0D9D4728FDD3}">
+      <dgm:prSet/>
+      <dgm:spPr/>
+      <dgm:t>
+        <a:bodyPr/>
+        <a:lstStyle/>
+        <a:p>
+          <a:endParaRPr lang="en-US"/>
+        </a:p>
+      </dgm:t>
+    </dgm:pt>
+    <dgm:pt modelId="{A0BA7754-B593-4AEF-A189-FAB4224829A4}">
+      <dgm:prSet phldrT="[Text]" custT="1"/>
+      <dgm:spPr/>
+      <dgm:t>
+        <a:bodyPr/>
+        <a:lstStyle/>
+        <a:p>
+          <a:r>
+            <a:rPr lang="en-GB" sz="1200" dirty="0">
+              <a:latin typeface="Segoe UI Semilight" panose="020B0402040204020203" pitchFamily="34" charset="0"/>
+              <a:cs typeface="Segoe UI Semilight" panose="020B0402040204020203" pitchFamily="34" charset="0"/>
+            </a:rPr>
+            <a:t>Procure to pay</a:t>
+          </a:r>
+          <a:endParaRPr lang="en-US" sz="1200" dirty="0">
+            <a:latin typeface="Segoe UI Semilight" panose="020B0402040204020203" pitchFamily="34" charset="0"/>
+            <a:cs typeface="Segoe UI Semilight" panose="020B0402040204020203" pitchFamily="34" charset="0"/>
+          </a:endParaRPr>
+        </a:p>
+      </dgm:t>
+    </dgm:pt>
+    <dgm:pt modelId="{97D5551D-8AED-42F7-BB45-85856BAF128E}" type="parTrans" cxnId="{CD5C5F88-7BBE-425C-AA88-8874F7CC2C3A}">
+      <dgm:prSet/>
+      <dgm:spPr/>
+      <dgm:t>
+        <a:bodyPr/>
+        <a:lstStyle/>
+        <a:p>
+          <a:endParaRPr lang="en-US"/>
+        </a:p>
+      </dgm:t>
+    </dgm:pt>
+    <dgm:pt modelId="{04FAE8BA-887A-4437-9F2A-5A69DD384254}" type="sibTrans" cxnId="{CD5C5F88-7BBE-425C-AA88-8874F7CC2C3A}">
+      <dgm:prSet/>
+      <dgm:spPr/>
+      <dgm:t>
+        <a:bodyPr/>
+        <a:lstStyle/>
+        <a:p>
+          <a:endParaRPr lang="en-US"/>
+        </a:p>
+      </dgm:t>
+    </dgm:pt>
+    <dgm:pt modelId="{3DC64C7E-B81D-44A2-85D4-49605485DB64}">
+      <dgm:prSet phldrT="[Text]" custT="1"/>
+      <dgm:spPr/>
+      <dgm:t>
+        <a:bodyPr/>
+        <a:lstStyle/>
+        <a:p>
+          <a:r>
+            <a:rPr lang="en-GB" sz="1200" dirty="0">
+              <a:latin typeface="Segoe UI Semilight" panose="020B0402040204020203" pitchFamily="34" charset="0"/>
+              <a:cs typeface="Segoe UI Semilight" panose="020B0402040204020203" pitchFamily="34" charset="0"/>
+            </a:rPr>
+            <a:t>Project to profit</a:t>
+          </a:r>
+          <a:endParaRPr lang="en-US" sz="1200" dirty="0">
+            <a:latin typeface="Segoe UI Semilight" panose="020B0402040204020203" pitchFamily="34" charset="0"/>
+            <a:cs typeface="Segoe UI Semilight" panose="020B0402040204020203" pitchFamily="34" charset="0"/>
+          </a:endParaRPr>
+        </a:p>
+      </dgm:t>
+    </dgm:pt>
+    <dgm:pt modelId="{4D9D5133-8F66-45EF-BC88-C108E8A8E124}" type="parTrans" cxnId="{6D42788B-05E8-46B5-8B08-26364990762A}">
+      <dgm:prSet/>
+      <dgm:spPr/>
+      <dgm:t>
+        <a:bodyPr/>
+        <a:lstStyle/>
+        <a:p>
+          <a:endParaRPr lang="en-US"/>
+        </a:p>
+      </dgm:t>
+    </dgm:pt>
+    <dgm:pt modelId="{980A5CAC-1069-47AF-8937-FB7B19D6DF3A}" type="sibTrans" cxnId="{6D42788B-05E8-46B5-8B08-26364990762A}">
+      <dgm:prSet/>
+      <dgm:spPr/>
+      <dgm:t>
+        <a:bodyPr/>
+        <a:lstStyle/>
+        <a:p>
+          <a:endParaRPr lang="en-US"/>
+        </a:p>
+      </dgm:t>
+    </dgm:pt>
+    <dgm:pt modelId="{226D08C7-37C5-43F2-B605-1E8987029981}">
+      <dgm:prSet phldrT="[Text]" custT="1"/>
+      <dgm:spPr/>
+      <dgm:t>
+        <a:bodyPr/>
+        <a:lstStyle/>
+        <a:p>
+          <a:r>
+            <a:rPr lang="en-GB" sz="1200" dirty="0">
+              <a:latin typeface="Segoe UI Semilight" panose="020B0402040204020203" pitchFamily="34" charset="0"/>
+              <a:cs typeface="Segoe UI Semilight" panose="020B0402040204020203" pitchFamily="34" charset="0"/>
+            </a:rPr>
+            <a:t>Case to resolution</a:t>
+          </a:r>
+          <a:endParaRPr lang="en-US" sz="1200" dirty="0">
+            <a:latin typeface="Segoe UI Semilight" panose="020B0402040204020203" pitchFamily="34" charset="0"/>
+            <a:cs typeface="Segoe UI Semilight" panose="020B0402040204020203" pitchFamily="34" charset="0"/>
+          </a:endParaRPr>
+        </a:p>
+      </dgm:t>
+    </dgm:pt>
+    <dgm:pt modelId="{975891E5-CF8E-4224-8453-E372EE58239B}" type="parTrans" cxnId="{574BCBAC-ABA1-437B-A5A3-408C6F46AA71}">
+      <dgm:prSet/>
+      <dgm:spPr/>
+      <dgm:t>
+        <a:bodyPr/>
+        <a:lstStyle/>
+        <a:p>
+          <a:endParaRPr lang="en-US"/>
+        </a:p>
+      </dgm:t>
+    </dgm:pt>
+    <dgm:pt modelId="{CC96D055-578D-461D-96BB-2FD27FF5E6D5}" type="sibTrans" cxnId="{574BCBAC-ABA1-437B-A5A3-408C6F46AA71}">
+      <dgm:prSet/>
+      <dgm:spPr/>
+      <dgm:t>
+        <a:bodyPr/>
+        <a:lstStyle/>
+        <a:p>
+          <a:endParaRPr lang="en-US"/>
+        </a:p>
+      </dgm:t>
+    </dgm:pt>
+    <dgm:pt modelId="{3762E696-E35A-4507-9629-380EEC6D8188}">
+      <dgm:prSet phldrT="[Text]" custT="1"/>
+      <dgm:spPr/>
+      <dgm:t>
+        <a:bodyPr/>
+        <a:lstStyle/>
+        <a:p>
+          <a:r>
+            <a:rPr lang="en-GB" sz="1200" dirty="0">
+              <a:latin typeface="Segoe UI Semilight" panose="020B0402040204020203" pitchFamily="34" charset="0"/>
+              <a:cs typeface="Segoe UI Semilight" panose="020B0402040204020203" pitchFamily="34" charset="0"/>
+            </a:rPr>
+            <a:t>Prospect to quote</a:t>
+          </a:r>
+          <a:endParaRPr lang="en-US" sz="1200" dirty="0">
+            <a:latin typeface="Segoe UI Semilight" panose="020B0402040204020203" pitchFamily="34" charset="0"/>
+            <a:cs typeface="Segoe UI Semilight" panose="020B0402040204020203" pitchFamily="34" charset="0"/>
+          </a:endParaRPr>
+        </a:p>
+      </dgm:t>
+    </dgm:pt>
+    <dgm:pt modelId="{2DBE2F59-921D-4E50-A562-22F525FFE389}" type="parTrans" cxnId="{A8B67919-E3A8-439C-8DD9-29EC4C2851E6}">
+      <dgm:prSet/>
+      <dgm:spPr/>
+      <dgm:t>
+        <a:bodyPr/>
+        <a:lstStyle/>
+        <a:p>
+          <a:endParaRPr lang="en-US"/>
+        </a:p>
+      </dgm:t>
+    </dgm:pt>
+    <dgm:pt modelId="{A0D605B9-C88E-4FD4-B26E-EC1AB9762047}" type="sibTrans" cxnId="{A8B67919-E3A8-439C-8DD9-29EC4C2851E6}">
+      <dgm:prSet/>
+      <dgm:spPr/>
+      <dgm:t>
+        <a:bodyPr/>
+        <a:lstStyle/>
+        <a:p>
+          <a:endParaRPr lang="en-US"/>
+        </a:p>
+      </dgm:t>
+    </dgm:pt>
+    <dgm:pt modelId="{A5C080FA-EBA0-43FE-A20E-5A0FC6C3BF99}" type="pres">
+      <dgm:prSet presAssocID="{F64FEDC3-2544-4368-843C-ED0EC9F15AAD}" presName="Name0" presStyleCnt="0">
+        <dgm:presLayoutVars>
+          <dgm:dir/>
+          <dgm:animLvl val="lvl"/>
+          <dgm:resizeHandles val="exact"/>
+        </dgm:presLayoutVars>
+      </dgm:prSet>
+      <dgm:spPr/>
+    </dgm:pt>
+    <dgm:pt modelId="{BBC30FE9-9184-4162-A6F1-47E8E476C20D}" type="pres">
+      <dgm:prSet presAssocID="{3762E696-E35A-4507-9629-380EEC6D8188}" presName="parTxOnly" presStyleLbl="node1" presStyleIdx="0" presStyleCnt="6">
+        <dgm:presLayoutVars>
+          <dgm:chMax val="0"/>
+          <dgm:chPref val="0"/>
+          <dgm:bulletEnabled val="1"/>
+        </dgm:presLayoutVars>
+      </dgm:prSet>
+      <dgm:spPr/>
+    </dgm:pt>
+    <dgm:pt modelId="{A2DB1596-64BE-40E1-9AD3-0CE62F786BDE}" type="pres">
+      <dgm:prSet presAssocID="{A0D605B9-C88E-4FD4-B26E-EC1AB9762047}" presName="parTxOnlySpace" presStyleCnt="0"/>
+      <dgm:spPr/>
+    </dgm:pt>
+    <dgm:pt modelId="{5E5E7C29-0332-42DB-B0A1-2D8643834342}" type="pres">
+      <dgm:prSet presAssocID="{AB41311C-0D4F-4695-AE4D-2497A6D15ADD}" presName="parTxOnly" presStyleLbl="node1" presStyleIdx="1" presStyleCnt="6">
+        <dgm:presLayoutVars>
+          <dgm:chMax val="0"/>
+          <dgm:chPref val="0"/>
+          <dgm:bulletEnabled val="1"/>
+        </dgm:presLayoutVars>
+      </dgm:prSet>
+      <dgm:spPr/>
+    </dgm:pt>
+    <dgm:pt modelId="{637CFDBC-0D95-42A4-A472-78A5CF7184B4}" type="pres">
+      <dgm:prSet presAssocID="{4962BE60-F347-4D7D-8813-E0B16A04908E}" presName="parTxOnlySpace" presStyleCnt="0"/>
+      <dgm:spPr/>
+    </dgm:pt>
+    <dgm:pt modelId="{2410A1A4-787E-4EE0-B9D2-33EED8D8FCCD}" type="pres">
+      <dgm:prSet presAssocID="{FB5FAA04-B225-40EA-B7A6-84161F77C29D}" presName="parTxOnly" presStyleLbl="node1" presStyleIdx="2" presStyleCnt="6">
+        <dgm:presLayoutVars>
+          <dgm:chMax val="0"/>
+          <dgm:chPref val="0"/>
+          <dgm:bulletEnabled val="1"/>
+        </dgm:presLayoutVars>
+      </dgm:prSet>
+      <dgm:spPr/>
+    </dgm:pt>
+    <dgm:pt modelId="{EE306ABE-57F5-455E-BB63-4E07030D8B2D}" type="pres">
+      <dgm:prSet presAssocID="{54A8FAD2-35F7-44D7-A3C6-372A6C8727DC}" presName="parTxOnlySpace" presStyleCnt="0"/>
+      <dgm:spPr/>
+    </dgm:pt>
+    <dgm:pt modelId="{40A4EA07-026D-4CBB-AE9C-D4D2991401E2}" type="pres">
+      <dgm:prSet presAssocID="{A0BA7754-B593-4AEF-A189-FAB4224829A4}" presName="parTxOnly" presStyleLbl="node1" presStyleIdx="3" presStyleCnt="6">
+        <dgm:presLayoutVars>
+          <dgm:chMax val="0"/>
+          <dgm:chPref val="0"/>
+          <dgm:bulletEnabled val="1"/>
+        </dgm:presLayoutVars>
+      </dgm:prSet>
+      <dgm:spPr/>
+    </dgm:pt>
+    <dgm:pt modelId="{3A42BB62-C442-42A2-A3A7-A9FFF2AD6855}" type="pres">
+      <dgm:prSet presAssocID="{04FAE8BA-887A-4437-9F2A-5A69DD384254}" presName="parTxOnlySpace" presStyleCnt="0"/>
+      <dgm:spPr/>
+    </dgm:pt>
+    <dgm:pt modelId="{20094531-F5EC-4819-8519-5414DB345D68}" type="pres">
+      <dgm:prSet presAssocID="{3DC64C7E-B81D-44A2-85D4-49605485DB64}" presName="parTxOnly" presStyleLbl="node1" presStyleIdx="4" presStyleCnt="6">
+        <dgm:presLayoutVars>
+          <dgm:chMax val="0"/>
+          <dgm:chPref val="0"/>
+          <dgm:bulletEnabled val="1"/>
+        </dgm:presLayoutVars>
+      </dgm:prSet>
+      <dgm:spPr/>
+    </dgm:pt>
+    <dgm:pt modelId="{F1315B02-2B4B-49ED-AAA4-51F52B72EE91}" type="pres">
+      <dgm:prSet presAssocID="{980A5CAC-1069-47AF-8937-FB7B19D6DF3A}" presName="parTxOnlySpace" presStyleCnt="0"/>
+      <dgm:spPr/>
+    </dgm:pt>
+    <dgm:pt modelId="{9B08C765-7695-4E20-9C2E-7A0E4B95863B}" type="pres">
+      <dgm:prSet presAssocID="{226D08C7-37C5-43F2-B605-1E8987029981}" presName="parTxOnly" presStyleLbl="node1" presStyleIdx="5" presStyleCnt="6">
+        <dgm:presLayoutVars>
+          <dgm:chMax val="0"/>
+          <dgm:chPref val="0"/>
+          <dgm:bulletEnabled val="1"/>
+        </dgm:presLayoutVars>
+      </dgm:prSet>
+      <dgm:spPr/>
+    </dgm:pt>
+  </dgm:ptLst>
+  <dgm:cxnLst>
+    <dgm:cxn modelId="{A8B67919-E3A8-439C-8DD9-29EC4C2851E6}" srcId="{F64FEDC3-2544-4368-843C-ED0EC9F15AAD}" destId="{3762E696-E35A-4507-9629-380EEC6D8188}" srcOrd="0" destOrd="0" parTransId="{2DBE2F59-921D-4E50-A562-22F525FFE389}" sibTransId="{A0D605B9-C88E-4FD4-B26E-EC1AB9762047}"/>
+    <dgm:cxn modelId="{6E711636-CD65-4304-9B3E-87B7EB34E6A0}" type="presOf" srcId="{F64FEDC3-2544-4368-843C-ED0EC9F15AAD}" destId="{A5C080FA-EBA0-43FE-A20E-5A0FC6C3BF99}" srcOrd="0" destOrd="0" presId="urn:microsoft.com/office/officeart/2005/8/layout/chevron1"/>
+    <dgm:cxn modelId="{0F58323B-BAF7-4CBB-9709-CCCD221DFDA7}" type="presOf" srcId="{3762E696-E35A-4507-9629-380EEC6D8188}" destId="{BBC30FE9-9184-4162-A6F1-47E8E476C20D}" srcOrd="0" destOrd="0" presId="urn:microsoft.com/office/officeart/2005/8/layout/chevron1"/>
+    <dgm:cxn modelId="{286E1E84-ECBA-4966-87CB-5F4E4B74932B}" type="presOf" srcId="{FB5FAA04-B225-40EA-B7A6-84161F77C29D}" destId="{2410A1A4-787E-4EE0-B9D2-33EED8D8FCCD}" srcOrd="0" destOrd="0" presId="urn:microsoft.com/office/officeart/2005/8/layout/chevron1"/>
+    <dgm:cxn modelId="{CD5C5F88-7BBE-425C-AA88-8874F7CC2C3A}" srcId="{F64FEDC3-2544-4368-843C-ED0EC9F15AAD}" destId="{A0BA7754-B593-4AEF-A189-FAB4224829A4}" srcOrd="3" destOrd="0" parTransId="{97D5551D-8AED-42F7-BB45-85856BAF128E}" sibTransId="{04FAE8BA-887A-4437-9F2A-5A69DD384254}"/>
+    <dgm:cxn modelId="{6D42788B-05E8-46B5-8B08-26364990762A}" srcId="{F64FEDC3-2544-4368-843C-ED0EC9F15AAD}" destId="{3DC64C7E-B81D-44A2-85D4-49605485DB64}" srcOrd="4" destOrd="0" parTransId="{4D9D5133-8F66-45EF-BC88-C108E8A8E124}" sibTransId="{980A5CAC-1069-47AF-8937-FB7B19D6DF3A}"/>
+    <dgm:cxn modelId="{A29E2B9F-C110-4D62-9005-5A39EF84C64B}" type="presOf" srcId="{A0BA7754-B593-4AEF-A189-FAB4224829A4}" destId="{40A4EA07-026D-4CBB-AE9C-D4D2991401E2}" srcOrd="0" destOrd="0" presId="urn:microsoft.com/office/officeart/2005/8/layout/chevron1"/>
+    <dgm:cxn modelId="{574BCBAC-ABA1-437B-A5A3-408C6F46AA71}" srcId="{F64FEDC3-2544-4368-843C-ED0EC9F15AAD}" destId="{226D08C7-37C5-43F2-B605-1E8987029981}" srcOrd="5" destOrd="0" parTransId="{975891E5-CF8E-4224-8453-E372EE58239B}" sibTransId="{CC96D055-578D-461D-96BB-2FD27FF5E6D5}"/>
+    <dgm:cxn modelId="{23252CB5-A89B-4883-8CFD-5F40F19293A1}" srcId="{F64FEDC3-2544-4368-843C-ED0EC9F15AAD}" destId="{AB41311C-0D4F-4695-AE4D-2497A6D15ADD}" srcOrd="1" destOrd="0" parTransId="{C69FA464-90FD-412F-BFA8-94AF70F8DF8A}" sibTransId="{4962BE60-F347-4D7D-8813-E0B16A04908E}"/>
+    <dgm:cxn modelId="{0BBB02C7-782C-4A48-A6B6-1635695838E4}" type="presOf" srcId="{226D08C7-37C5-43F2-B605-1E8987029981}" destId="{9B08C765-7695-4E20-9C2E-7A0E4B95863B}" srcOrd="0" destOrd="0" presId="urn:microsoft.com/office/officeart/2005/8/layout/chevron1"/>
+    <dgm:cxn modelId="{AAA11BCA-D2AD-440E-8FC8-80D3DB32CD82}" type="presOf" srcId="{AB41311C-0D4F-4695-AE4D-2497A6D15ADD}" destId="{5E5E7C29-0332-42DB-B0A1-2D8643834342}" srcOrd="0" destOrd="0" presId="urn:microsoft.com/office/officeart/2005/8/layout/chevron1"/>
+    <dgm:cxn modelId="{EDB1ADDB-3AD6-43C6-B5FD-0D9D4728FDD3}" srcId="{F64FEDC3-2544-4368-843C-ED0EC9F15AAD}" destId="{FB5FAA04-B225-40EA-B7A6-84161F77C29D}" srcOrd="2" destOrd="0" parTransId="{2F068896-6BEF-4AE7-B6F2-76F1EC38CFB5}" sibTransId="{54A8FAD2-35F7-44D7-A3C6-372A6C8727DC}"/>
+    <dgm:cxn modelId="{3B5172EB-3C2F-4AFF-BD2D-0D0F07AED5BE}" type="presOf" srcId="{3DC64C7E-B81D-44A2-85D4-49605485DB64}" destId="{20094531-F5EC-4819-8519-5414DB345D68}" srcOrd="0" destOrd="0" presId="urn:microsoft.com/office/officeart/2005/8/layout/chevron1"/>
+    <dgm:cxn modelId="{0B7E9242-C360-47E5-A6CE-DA9A51E9E381}" type="presParOf" srcId="{A5C080FA-EBA0-43FE-A20E-5A0FC6C3BF99}" destId="{BBC30FE9-9184-4162-A6F1-47E8E476C20D}" srcOrd="0" destOrd="0" presId="urn:microsoft.com/office/officeart/2005/8/layout/chevron1"/>
+    <dgm:cxn modelId="{6C26E3F7-FC5E-4017-886B-DDD368F3F0A0}" type="presParOf" srcId="{A5C080FA-EBA0-43FE-A20E-5A0FC6C3BF99}" destId="{A2DB1596-64BE-40E1-9AD3-0CE62F786BDE}" srcOrd="1" destOrd="0" presId="urn:microsoft.com/office/officeart/2005/8/layout/chevron1"/>
+    <dgm:cxn modelId="{AA02F171-3B34-437C-8609-9D2A286C3D57}" type="presParOf" srcId="{A5C080FA-EBA0-43FE-A20E-5A0FC6C3BF99}" destId="{5E5E7C29-0332-42DB-B0A1-2D8643834342}" srcOrd="2" destOrd="0" presId="urn:microsoft.com/office/officeart/2005/8/layout/chevron1"/>
+    <dgm:cxn modelId="{D3D1284A-A077-4B5B-8613-05256F9DBAB5}" type="presParOf" srcId="{A5C080FA-EBA0-43FE-A20E-5A0FC6C3BF99}" destId="{637CFDBC-0D95-42A4-A472-78A5CF7184B4}" srcOrd="3" destOrd="0" presId="urn:microsoft.com/office/officeart/2005/8/layout/chevron1"/>
+    <dgm:cxn modelId="{10AE9FDF-0829-4D99-B71B-78711D69AB3C}" type="presParOf" srcId="{A5C080FA-EBA0-43FE-A20E-5A0FC6C3BF99}" destId="{2410A1A4-787E-4EE0-B9D2-33EED8D8FCCD}" srcOrd="4" destOrd="0" presId="urn:microsoft.com/office/officeart/2005/8/layout/chevron1"/>
+    <dgm:cxn modelId="{D5403F97-DCC1-4A79-94F7-2FCF1D89F0CE}" type="presParOf" srcId="{A5C080FA-EBA0-43FE-A20E-5A0FC6C3BF99}" destId="{EE306ABE-57F5-455E-BB63-4E07030D8B2D}" srcOrd="5" destOrd="0" presId="urn:microsoft.com/office/officeart/2005/8/layout/chevron1"/>
+    <dgm:cxn modelId="{4BF4782C-0A36-4255-9704-50124D784C0C}" type="presParOf" srcId="{A5C080FA-EBA0-43FE-A20E-5A0FC6C3BF99}" destId="{40A4EA07-026D-4CBB-AE9C-D4D2991401E2}" srcOrd="6" destOrd="0" presId="urn:microsoft.com/office/officeart/2005/8/layout/chevron1"/>
+    <dgm:cxn modelId="{D3E7A616-E6FF-4362-861D-AD0946CD45B1}" type="presParOf" srcId="{A5C080FA-EBA0-43FE-A20E-5A0FC6C3BF99}" destId="{3A42BB62-C442-42A2-A3A7-A9FFF2AD6855}" srcOrd="7" destOrd="0" presId="urn:microsoft.com/office/officeart/2005/8/layout/chevron1"/>
+    <dgm:cxn modelId="{6D7DAFC1-89C7-4D01-BBD6-FF2CE8DC72C4}" type="presParOf" srcId="{A5C080FA-EBA0-43FE-A20E-5A0FC6C3BF99}" destId="{20094531-F5EC-4819-8519-5414DB345D68}" srcOrd="8" destOrd="0" presId="urn:microsoft.com/office/officeart/2005/8/layout/chevron1"/>
+    <dgm:cxn modelId="{227710FF-926A-44A0-B173-506A68C9288C}" type="presParOf" srcId="{A5C080FA-EBA0-43FE-A20E-5A0FC6C3BF99}" destId="{F1315B02-2B4B-49ED-AAA4-51F52B72EE91}" srcOrd="9" destOrd="0" presId="urn:microsoft.com/office/officeart/2005/8/layout/chevron1"/>
+    <dgm:cxn modelId="{1DB9AE42-2945-4194-81B4-80AB8345A6B1}" type="presParOf" srcId="{A5C080FA-EBA0-43FE-A20E-5A0FC6C3BF99}" destId="{9B08C765-7695-4E20-9C2E-7A0E4B95863B}" srcOrd="10" destOrd="0" presId="urn:microsoft.com/office/officeart/2005/8/layout/chevron1"/>
+  </dgm:cxnLst>
+  <dgm:bg/>
+  <dgm:whole/>
+  <dgm:extLst>
+    <a:ext uri="http://schemas.microsoft.com/office/drawing/2008/diagram">
+      <dsp:dataModelExt xmlns:dsp="http://schemas.microsoft.com/office/drawing/2008/diagram" relId="rId6" minVer="http://schemas.openxmlformats.org/drawingml/2006/diagram"/>
+    </a:ext>
+  </dgm:extLst>
+</dgm:dataModel>
+</file>
+
+<file path=ppt/diagrams/data6.xml><?xml version="1.0" encoding="utf-8"?>
+<dgm:dataModel xmlns:dgm="http://schemas.openxmlformats.org/drawingml/2006/diagram" xmlns:a="http://schemas.openxmlformats.org/drawingml/2006/main">
+  <dgm:ptLst>
+    <dgm:pt modelId="{A81C761A-044C-47BD-8882-94E30422536B}" type="doc">
+      <dgm:prSet loTypeId="urn:microsoft.com/office/officeart/2005/8/layout/equation2" loCatId="relationship" qsTypeId="urn:microsoft.com/office/officeart/2005/8/quickstyle/simple2" qsCatId="simple" csTypeId="urn:microsoft.com/office/officeart/2005/8/colors/accent5_1" csCatId="accent5" phldr="1"/>
+      <dgm:spPr/>
+      <dgm:t>
+        <a:bodyPr/>
+        <a:lstStyle/>
+        <a:p>
+          <a:endParaRPr lang="en-US"/>
+        </a:p>
+      </dgm:t>
+    </dgm:pt>
+    <dgm:pt modelId="{5BC83DA9-8761-47DE-B55C-E096AFE36E52}">
+      <dgm:prSet phldrT="[Text]"/>
+      <dgm:spPr/>
+      <dgm:t>
+        <a:bodyPr/>
+        <a:lstStyle/>
+        <a:p>
+          <a:r>
+            <a:rPr lang="en-GB" dirty="0"/>
+            <a:t>Manage the business </a:t>
+          </a:r>
+          <a:endParaRPr lang="en-US" dirty="0"/>
+        </a:p>
+      </dgm:t>
+    </dgm:pt>
+    <dgm:pt modelId="{D841FD11-CDC5-40B3-8F9B-4A3822054E8C}" type="parTrans" cxnId="{2AF94938-9A3E-465D-8B0C-8965128D504F}">
+      <dgm:prSet/>
+      <dgm:spPr/>
+      <dgm:t>
+        <a:bodyPr/>
+        <a:lstStyle/>
+        <a:p>
+          <a:endParaRPr lang="en-US"/>
+        </a:p>
+      </dgm:t>
+    </dgm:pt>
+    <dgm:pt modelId="{AC9BE0CD-E38B-476B-8EB3-2C7CA85AA867}" type="sibTrans" cxnId="{2AF94938-9A3E-465D-8B0C-8965128D504F}">
+      <dgm:prSet/>
+      <dgm:spPr/>
+      <dgm:t>
+        <a:bodyPr/>
+        <a:lstStyle/>
+        <a:p>
+          <a:endParaRPr lang="en-US"/>
+        </a:p>
+      </dgm:t>
+    </dgm:pt>
+    <dgm:pt modelId="{A3CC1957-FB9B-4448-87DA-77EEFDC80260}">
+      <dgm:prSet phldrT="[Text]"/>
+      <dgm:spPr/>
+      <dgm:t>
+        <a:bodyPr/>
+        <a:lstStyle/>
+        <a:p>
+          <a:r>
+            <a:rPr lang="en-GB" dirty="0"/>
+            <a:t>Inventory to deliver</a:t>
+          </a:r>
+          <a:endParaRPr lang="en-US" dirty="0"/>
+        </a:p>
+      </dgm:t>
+    </dgm:pt>
+    <dgm:pt modelId="{F8B71C0C-6ECF-4BA2-B932-C183A51948CB}" type="parTrans" cxnId="{EA9343C9-B02B-4BDC-B823-9788FF2E6847}">
+      <dgm:prSet/>
+      <dgm:spPr/>
+      <dgm:t>
+        <a:bodyPr/>
+        <a:lstStyle/>
+        <a:p>
+          <a:endParaRPr lang="en-US"/>
+        </a:p>
+      </dgm:t>
+    </dgm:pt>
+    <dgm:pt modelId="{F6BC08F6-E35E-4524-B02D-0FC5DACFD6C2}" type="sibTrans" cxnId="{EA9343C9-B02B-4BDC-B823-9788FF2E6847}">
+      <dgm:prSet/>
+      <dgm:spPr/>
+      <dgm:t>
+        <a:bodyPr/>
+        <a:lstStyle/>
+        <a:p>
+          <a:endParaRPr lang="en-US"/>
+        </a:p>
+      </dgm:t>
+    </dgm:pt>
+    <dgm:pt modelId="{BFDF2CD4-D8F0-4907-92DA-ECD124400B79}">
+      <dgm:prSet phldrT="[Text]"/>
+      <dgm:spPr/>
+      <dgm:t>
+        <a:bodyPr/>
+        <a:lstStyle/>
+        <a:p>
+          <a:r>
+            <a:rPr lang="en-GB" dirty="0"/>
+            <a:t>Support the business</a:t>
+          </a:r>
+          <a:endParaRPr lang="en-US" dirty="0"/>
+        </a:p>
+      </dgm:t>
+    </dgm:pt>
+    <dgm:pt modelId="{2C9A1F8C-5CF8-432F-889E-9BBEBBFF6D3C}" type="parTrans" cxnId="{3C83BF44-2500-4183-9BF9-D19571ED771E}">
+      <dgm:prSet/>
+      <dgm:spPr/>
+      <dgm:t>
+        <a:bodyPr/>
+        <a:lstStyle/>
+        <a:p>
+          <a:endParaRPr lang="en-US"/>
+        </a:p>
+      </dgm:t>
+    </dgm:pt>
+    <dgm:pt modelId="{AD81266B-9249-4926-959F-E1280B446531}" type="sibTrans" cxnId="{3C83BF44-2500-4183-9BF9-D19571ED771E}">
+      <dgm:prSet/>
+      <dgm:spPr/>
+      <dgm:t>
+        <a:bodyPr/>
+        <a:lstStyle/>
+        <a:p>
+          <a:endParaRPr lang="en-US"/>
+        </a:p>
+      </dgm:t>
+    </dgm:pt>
+    <dgm:pt modelId="{279A8423-32F4-41D8-B94B-F152D8C996D5}">
+      <dgm:prSet phldrT="[Text]"/>
+      <dgm:spPr/>
+      <dgm:t>
+        <a:bodyPr/>
+        <a:lstStyle/>
+        <a:p>
+          <a:r>
+            <a:rPr lang="en-GB" dirty="0"/>
+            <a:t>Record to report</a:t>
+          </a:r>
+          <a:endParaRPr lang="en-US" dirty="0"/>
+        </a:p>
+      </dgm:t>
+    </dgm:pt>
+    <dgm:pt modelId="{5801EDC2-DFC9-48B7-B7AE-1636DE3CBFD6}" type="parTrans" cxnId="{91FC418F-71DA-4FA0-AB17-05E74CC3750F}">
+      <dgm:prSet/>
+      <dgm:spPr/>
+      <dgm:t>
+        <a:bodyPr/>
+        <a:lstStyle/>
+        <a:p>
+          <a:endParaRPr lang="en-US"/>
+        </a:p>
+      </dgm:t>
+    </dgm:pt>
+    <dgm:pt modelId="{72AD3995-4FBC-47C2-9C47-15D215426B58}" type="sibTrans" cxnId="{91FC418F-71DA-4FA0-AB17-05E74CC3750F}">
+      <dgm:prSet/>
+      <dgm:spPr/>
+      <dgm:t>
+        <a:bodyPr/>
+        <a:lstStyle/>
+        <a:p>
+          <a:endParaRPr lang="en-US"/>
+        </a:p>
+      </dgm:t>
+    </dgm:pt>
+    <dgm:pt modelId="{D3FA6494-C19E-4A53-977A-BB36210D326C}">
+      <dgm:prSet phldrT="[Text]"/>
+      <dgm:spPr/>
+      <dgm:t>
+        <a:bodyPr/>
+        <a:lstStyle/>
+        <a:p>
+          <a:r>
+            <a:rPr lang="en-GB" dirty="0"/>
+            <a:t>Hire to retire</a:t>
+          </a:r>
+          <a:endParaRPr lang="en-US" dirty="0"/>
+        </a:p>
+      </dgm:t>
+    </dgm:pt>
+    <dgm:pt modelId="{8EC4BECA-6D77-43B4-BD7E-8F8712A88FCC}" type="parTrans" cxnId="{E1F149A0-FACC-4F75-8E8E-6271EE885925}">
+      <dgm:prSet/>
+      <dgm:spPr/>
+      <dgm:t>
+        <a:bodyPr/>
+        <a:lstStyle/>
+        <a:p>
+          <a:endParaRPr lang="en-US"/>
+        </a:p>
+      </dgm:t>
+    </dgm:pt>
+    <dgm:pt modelId="{6979AB0C-A0AD-4F10-95F8-6CD34EB748CF}" type="sibTrans" cxnId="{E1F149A0-FACC-4F75-8E8E-6271EE885925}">
+      <dgm:prSet/>
+      <dgm:spPr/>
+      <dgm:t>
+        <a:bodyPr/>
+        <a:lstStyle/>
+        <a:p>
+          <a:endParaRPr lang="en-US"/>
+        </a:p>
+      </dgm:t>
+    </dgm:pt>
+    <dgm:pt modelId="{44FEF4D4-88C6-459F-9A5E-930B835F18AF}">
+      <dgm:prSet phldrT="[Text]"/>
+      <dgm:spPr/>
+      <dgm:t>
+        <a:bodyPr/>
+        <a:lstStyle/>
+        <a:p>
+          <a:r>
+            <a:rPr lang="en-GB" dirty="0"/>
+            <a:t>Administer to operate</a:t>
+          </a:r>
+          <a:endParaRPr lang="en-US" dirty="0"/>
+        </a:p>
+      </dgm:t>
+    </dgm:pt>
+    <dgm:pt modelId="{AE604F1C-AE92-4670-BF70-50B10B33C5AD}" type="parTrans" cxnId="{C37E6E14-C4D2-43AA-A36D-60AB4889D790}">
+      <dgm:prSet/>
+      <dgm:spPr/>
+      <dgm:t>
+        <a:bodyPr/>
+        <a:lstStyle/>
+        <a:p>
+          <a:endParaRPr lang="en-US"/>
+        </a:p>
+      </dgm:t>
+    </dgm:pt>
+    <dgm:pt modelId="{4849072A-1382-44AD-8639-A80DD19C469B}" type="sibTrans" cxnId="{C37E6E14-C4D2-43AA-A36D-60AB4889D790}">
+      <dgm:prSet/>
+      <dgm:spPr/>
+      <dgm:t>
+        <a:bodyPr/>
+        <a:lstStyle/>
+        <a:p>
+          <a:endParaRPr lang="en-US"/>
+        </a:p>
+      </dgm:t>
+    </dgm:pt>
+    <dgm:pt modelId="{9C589CBD-CB91-440E-97B2-B37F0A77E423}">
+      <dgm:prSet phldrT="[Text]"/>
+      <dgm:spPr/>
+      <dgm:t>
+        <a:bodyPr/>
+        <a:lstStyle/>
+        <a:p>
+          <a:r>
+            <a:rPr lang="en-GB" dirty="0"/>
+            <a:t>Acquire to dispose</a:t>
+          </a:r>
+          <a:endParaRPr lang="en-US" dirty="0"/>
+        </a:p>
+      </dgm:t>
+    </dgm:pt>
+    <dgm:pt modelId="{FD13B45C-56E8-4B27-9338-9CD51B50030F}" type="parTrans" cxnId="{0D0D57B3-42CE-4425-96CA-1229312B5AC5}">
+      <dgm:prSet/>
+      <dgm:spPr/>
+      <dgm:t>
+        <a:bodyPr/>
+        <a:lstStyle/>
+        <a:p>
+          <a:endParaRPr lang="en-US"/>
+        </a:p>
+      </dgm:t>
+    </dgm:pt>
+    <dgm:pt modelId="{ACE09CC3-110F-47ED-9433-B4A448DAB73F}" type="sibTrans" cxnId="{0D0D57B3-42CE-4425-96CA-1229312B5AC5}">
+      <dgm:prSet/>
+      <dgm:spPr/>
+      <dgm:t>
+        <a:bodyPr/>
+        <a:lstStyle/>
+        <a:p>
+          <a:endParaRPr lang="en-US"/>
+        </a:p>
+      </dgm:t>
+    </dgm:pt>
+    <dgm:pt modelId="{76B612A0-595B-446F-9BD1-5BE5E874AA0E}">
+      <dgm:prSet phldrT="[Text]"/>
+      <dgm:spPr/>
+      <dgm:t>
+        <a:bodyPr/>
+        <a:lstStyle/>
+        <a:p>
+          <a:r>
+            <a:rPr lang="en-GB" dirty="0"/>
+            <a:t>Concept to market</a:t>
+          </a:r>
+          <a:endParaRPr lang="en-US" dirty="0"/>
+        </a:p>
+      </dgm:t>
+    </dgm:pt>
+    <dgm:pt modelId="{1AA5E15B-1AA3-4F7A-9DDA-F74C2EF4ED26}" type="parTrans" cxnId="{3BFDC7A1-914A-4736-8E59-D75CF083A539}">
+      <dgm:prSet/>
+      <dgm:spPr/>
+      <dgm:t>
+        <a:bodyPr/>
+        <a:lstStyle/>
+        <a:p>
+          <a:endParaRPr lang="en-US"/>
+        </a:p>
+      </dgm:t>
+    </dgm:pt>
+    <dgm:pt modelId="{B9268EBB-7DB1-4D2C-B539-C9D6684F99C1}" type="sibTrans" cxnId="{3BFDC7A1-914A-4736-8E59-D75CF083A539}">
+      <dgm:prSet/>
+      <dgm:spPr/>
+      <dgm:t>
+        <a:bodyPr/>
+        <a:lstStyle/>
+        <a:p>
+          <a:endParaRPr lang="en-US"/>
+        </a:p>
+      </dgm:t>
+    </dgm:pt>
+    <dgm:pt modelId="{F0DF8605-7900-47F5-BB5C-32DE85DEEFE9}">
+      <dgm:prSet phldrT="[Text]"/>
+      <dgm:spPr/>
+      <dgm:t>
+        <a:bodyPr/>
+        <a:lstStyle/>
+        <a:p>
+          <a:r>
+            <a:rPr lang="en-GB" dirty="0"/>
+            <a:t>Design to retire</a:t>
+          </a:r>
+          <a:endParaRPr lang="en-US" dirty="0"/>
+        </a:p>
+      </dgm:t>
+    </dgm:pt>
+    <dgm:pt modelId="{64870FF5-013C-4E07-9EF1-08892BF93305}" type="parTrans" cxnId="{245AF2D3-0E6C-478F-9EBE-CBC9165DF775}">
+      <dgm:prSet/>
+      <dgm:spPr/>
+      <dgm:t>
+        <a:bodyPr/>
+        <a:lstStyle/>
+        <a:p>
+          <a:endParaRPr lang="en-US"/>
+        </a:p>
+      </dgm:t>
+    </dgm:pt>
+    <dgm:pt modelId="{AF14E75B-8E1F-4732-BA61-AC765FFF8B51}" type="sibTrans" cxnId="{245AF2D3-0E6C-478F-9EBE-CBC9165DF775}">
+      <dgm:prSet/>
+      <dgm:spPr/>
+      <dgm:t>
+        <a:bodyPr/>
+        <a:lstStyle/>
+        <a:p>
+          <a:endParaRPr lang="en-US"/>
+        </a:p>
+      </dgm:t>
+    </dgm:pt>
+    <dgm:pt modelId="{E9B659FE-0DA2-4CE9-A620-10912E8C0233}">
+      <dgm:prSet phldrT="[Text]"/>
+      <dgm:spPr/>
+      <dgm:t>
+        <a:bodyPr/>
+        <a:lstStyle/>
+        <a:p>
+          <a:r>
+            <a:rPr lang="en-GB" dirty="0"/>
+            <a:t>Forecast to plan</a:t>
+          </a:r>
+          <a:endParaRPr lang="en-US" dirty="0"/>
+        </a:p>
+      </dgm:t>
+    </dgm:pt>
+    <dgm:pt modelId="{B2902C67-8232-4386-AC37-B14C258B7EF4}" type="parTrans" cxnId="{A85F4FFA-2308-4204-9EE0-89FAC412C168}">
+      <dgm:prSet/>
+      <dgm:spPr/>
+      <dgm:t>
+        <a:bodyPr/>
+        <a:lstStyle/>
+        <a:p>
+          <a:endParaRPr lang="en-US"/>
+        </a:p>
+      </dgm:t>
+    </dgm:pt>
+    <dgm:pt modelId="{05545350-389B-4CFD-A494-398373ABA138}" type="sibTrans" cxnId="{A85F4FFA-2308-4204-9EE0-89FAC412C168}">
+      <dgm:prSet/>
+      <dgm:spPr/>
+      <dgm:t>
+        <a:bodyPr/>
+        <a:lstStyle/>
+        <a:p>
+          <a:endParaRPr lang="en-US"/>
+        </a:p>
+      </dgm:t>
+    </dgm:pt>
+    <dgm:pt modelId="{AF8DFDBA-DE4F-4EA8-95E3-FD903C94715B}">
+      <dgm:prSet phldrT="[Text]"/>
+      <dgm:spPr/>
+      <dgm:t>
+        <a:bodyPr/>
+        <a:lstStyle/>
+        <a:p>
+          <a:r>
+            <a:rPr lang="en-GB" dirty="0"/>
+            <a:t>Run the business</a:t>
+          </a:r>
+          <a:endParaRPr lang="en-US" dirty="0"/>
+        </a:p>
+      </dgm:t>
+    </dgm:pt>
+    <dgm:pt modelId="{C8F4CAD5-9248-474B-A2BB-A1597AD364AC}" type="parTrans" cxnId="{1577CFDD-24D3-44EA-8966-1999FD71896B}">
+      <dgm:prSet/>
+      <dgm:spPr/>
+      <dgm:t>
+        <a:bodyPr/>
+        <a:lstStyle/>
+        <a:p>
+          <a:endParaRPr lang="en-US"/>
+        </a:p>
+      </dgm:t>
+    </dgm:pt>
+    <dgm:pt modelId="{6EFD57F8-E062-4AE2-8EEB-7BA087D4B99B}" type="sibTrans" cxnId="{1577CFDD-24D3-44EA-8966-1999FD71896B}">
+      <dgm:prSet/>
+      <dgm:spPr/>
+      <dgm:t>
+        <a:bodyPr/>
+        <a:lstStyle/>
+        <a:p>
+          <a:endParaRPr lang="en-US"/>
+        </a:p>
+      </dgm:t>
+    </dgm:pt>
+    <dgm:pt modelId="{D650EA44-D2F4-49CD-8B3F-9BD71F4C736F}">
+      <dgm:prSet phldrT="[Text]"/>
+      <dgm:spPr/>
+      <dgm:t>
+        <a:bodyPr/>
+        <a:lstStyle/>
+        <a:p>
+          <a:r>
+            <a:rPr lang="en-GB" dirty="0"/>
+            <a:t>Prospect to quote</a:t>
+          </a:r>
+          <a:endParaRPr lang="en-US" dirty="0"/>
+        </a:p>
+      </dgm:t>
+    </dgm:pt>
+    <dgm:pt modelId="{7E57A665-12BE-4B18-B9F7-EBB9542C908B}" type="parTrans" cxnId="{98134A67-F76E-4839-8F34-1E39C6566EB5}">
+      <dgm:prSet/>
+      <dgm:spPr/>
+      <dgm:t>
+        <a:bodyPr/>
+        <a:lstStyle/>
+        <a:p>
+          <a:endParaRPr lang="en-US"/>
+        </a:p>
+      </dgm:t>
+    </dgm:pt>
+    <dgm:pt modelId="{12B64E16-E734-4329-B5CA-442400C798D4}" type="sibTrans" cxnId="{98134A67-F76E-4839-8F34-1E39C6566EB5}">
+      <dgm:prSet/>
+      <dgm:spPr/>
+      <dgm:t>
+        <a:bodyPr/>
+        <a:lstStyle/>
+        <a:p>
+          <a:endParaRPr lang="en-US"/>
+        </a:p>
+      </dgm:t>
+    </dgm:pt>
+    <dgm:pt modelId="{87022866-5B27-4D74-8BA4-FA5CEA99CFB7}">
+      <dgm:prSet phldrT="[Text]"/>
+      <dgm:spPr/>
+      <dgm:t>
+        <a:bodyPr/>
+        <a:lstStyle/>
+        <a:p>
+          <a:r>
+            <a:rPr lang="en-GB" dirty="0"/>
+            <a:t>Order to cash / Service to cash</a:t>
+          </a:r>
+          <a:endParaRPr lang="en-US" dirty="0"/>
+        </a:p>
+      </dgm:t>
+    </dgm:pt>
+    <dgm:pt modelId="{D09DE1E8-521B-4424-896A-FB63BDBA01FA}" type="parTrans" cxnId="{4DFC2AD9-195E-4502-AB6C-DA3F39EC50D3}">
+      <dgm:prSet/>
+      <dgm:spPr/>
+      <dgm:t>
+        <a:bodyPr/>
+        <a:lstStyle/>
+        <a:p>
+          <a:endParaRPr lang="en-US"/>
+        </a:p>
+      </dgm:t>
+    </dgm:pt>
+    <dgm:pt modelId="{441C8C66-5E41-4825-BE3B-43069F8ECBC7}" type="sibTrans" cxnId="{4DFC2AD9-195E-4502-AB6C-DA3F39EC50D3}">
+      <dgm:prSet/>
+      <dgm:spPr/>
+      <dgm:t>
+        <a:bodyPr/>
+        <a:lstStyle/>
+        <a:p>
+          <a:endParaRPr lang="en-US"/>
+        </a:p>
+      </dgm:t>
+    </dgm:pt>
+    <dgm:pt modelId="{63A2FAAD-1E57-425D-BC96-4D6C21FF0B29}">
+      <dgm:prSet phldrT="[Text]"/>
+      <dgm:spPr/>
+      <dgm:t>
+        <a:bodyPr/>
+        <a:lstStyle/>
+        <a:p>
+          <a:r>
+            <a:rPr lang="en-GB" dirty="0"/>
+            <a:t>Plan to produce</a:t>
+          </a:r>
+          <a:endParaRPr lang="en-US" dirty="0"/>
+        </a:p>
+      </dgm:t>
+    </dgm:pt>
+    <dgm:pt modelId="{43177715-7B5A-4B06-ABBA-EB5B9DA084E8}" type="parTrans" cxnId="{EF4961D9-4582-4D90-B791-C5525CC01C38}">
+      <dgm:prSet/>
+      <dgm:spPr/>
+      <dgm:t>
+        <a:bodyPr/>
+        <a:lstStyle/>
+        <a:p>
+          <a:endParaRPr lang="en-US"/>
+        </a:p>
+      </dgm:t>
+    </dgm:pt>
+    <dgm:pt modelId="{5B079F3E-C900-4132-B3D2-A0FAB08AFF98}" type="sibTrans" cxnId="{EF4961D9-4582-4D90-B791-C5525CC01C38}">
+      <dgm:prSet/>
+      <dgm:spPr/>
+      <dgm:t>
+        <a:bodyPr/>
+        <a:lstStyle/>
+        <a:p>
+          <a:endParaRPr lang="en-US"/>
+        </a:p>
+      </dgm:t>
+    </dgm:pt>
+    <dgm:pt modelId="{7FBED8F5-7E0E-4D20-AFDE-F7D5B0FC887F}">
+      <dgm:prSet phldrT="[Text]"/>
+      <dgm:spPr/>
+      <dgm:t>
+        <a:bodyPr/>
+        <a:lstStyle/>
+        <a:p>
+          <a:r>
+            <a:rPr lang="en-GB" dirty="0"/>
+            <a:t>Procure to pay</a:t>
+          </a:r>
+          <a:endParaRPr lang="en-US" dirty="0"/>
+        </a:p>
+      </dgm:t>
+    </dgm:pt>
+    <dgm:pt modelId="{5561A37F-B1ED-402C-A0B8-75FB0020BEB5}" type="parTrans" cxnId="{2FE96A57-E9A3-45D3-B546-BAEADDCB98B6}">
+      <dgm:prSet/>
+      <dgm:spPr/>
+      <dgm:t>
+        <a:bodyPr/>
+        <a:lstStyle/>
+        <a:p>
+          <a:endParaRPr lang="en-US"/>
+        </a:p>
+      </dgm:t>
+    </dgm:pt>
+    <dgm:pt modelId="{420E476C-3888-4C62-A300-E932378FCA4A}" type="sibTrans" cxnId="{2FE96A57-E9A3-45D3-B546-BAEADDCB98B6}">
+      <dgm:prSet/>
+      <dgm:spPr/>
+      <dgm:t>
+        <a:bodyPr/>
+        <a:lstStyle/>
+        <a:p>
+          <a:endParaRPr lang="en-US"/>
+        </a:p>
+      </dgm:t>
+    </dgm:pt>
+    <dgm:pt modelId="{8E648BE3-F7D8-4360-9E54-114F8312C2E6}">
+      <dgm:prSet phldrT="[Text]"/>
+      <dgm:spPr/>
+      <dgm:t>
+        <a:bodyPr/>
+        <a:lstStyle/>
+        <a:p>
+          <a:r>
+            <a:rPr lang="en-GB" dirty="0"/>
+            <a:t>Project to profit</a:t>
+          </a:r>
+          <a:endParaRPr lang="en-US" dirty="0"/>
+        </a:p>
+      </dgm:t>
+    </dgm:pt>
+    <dgm:pt modelId="{DB25467A-3053-4A85-B566-D49E741D6BCA}" type="parTrans" cxnId="{ED339282-F22F-4E10-842F-C42ABA51CB88}">
+      <dgm:prSet/>
+      <dgm:spPr/>
+      <dgm:t>
+        <a:bodyPr/>
+        <a:lstStyle/>
+        <a:p>
+          <a:endParaRPr lang="en-US"/>
+        </a:p>
+      </dgm:t>
+    </dgm:pt>
+    <dgm:pt modelId="{538B92D8-E160-4D99-B72B-EED5EBDCC494}" type="sibTrans" cxnId="{ED339282-F22F-4E10-842F-C42ABA51CB88}">
+      <dgm:prSet/>
+      <dgm:spPr/>
+      <dgm:t>
+        <a:bodyPr/>
+        <a:lstStyle/>
+        <a:p>
+          <a:endParaRPr lang="en-US"/>
+        </a:p>
+      </dgm:t>
+    </dgm:pt>
+    <dgm:pt modelId="{891F86B4-46CD-4BDC-AE9E-64261FA07924}">
+      <dgm:prSet phldrT="[Text]"/>
+      <dgm:spPr/>
+      <dgm:t>
+        <a:bodyPr/>
+        <a:lstStyle/>
+        <a:p>
+          <a:r>
+            <a:rPr lang="en-GB" dirty="0"/>
+            <a:t>Case to resolution</a:t>
+          </a:r>
+          <a:endParaRPr lang="en-US" dirty="0"/>
+        </a:p>
+      </dgm:t>
+    </dgm:pt>
+    <dgm:pt modelId="{80CA92B1-F88A-408D-9BAC-01606E51213E}" type="parTrans" cxnId="{9FA175E1-C209-4FE1-93F5-ECB66435E633}">
+      <dgm:prSet/>
+      <dgm:spPr/>
+      <dgm:t>
+        <a:bodyPr/>
+        <a:lstStyle/>
+        <a:p>
+          <a:endParaRPr lang="en-US"/>
+        </a:p>
+      </dgm:t>
+    </dgm:pt>
+    <dgm:pt modelId="{FB4466A4-BB48-4ADD-A0BD-902C53CB907E}" type="sibTrans" cxnId="{9FA175E1-C209-4FE1-93F5-ECB66435E633}">
+      <dgm:prSet/>
+      <dgm:spPr/>
+      <dgm:t>
+        <a:bodyPr/>
+        <a:lstStyle/>
+        <a:p>
+          <a:endParaRPr lang="en-US"/>
+        </a:p>
+      </dgm:t>
+    </dgm:pt>
+    <dgm:pt modelId="{57FEE8A5-B34D-46F9-960E-445BA08529CF}" type="pres">
+      <dgm:prSet presAssocID="{A81C761A-044C-47BD-8882-94E30422536B}" presName="Name0" presStyleCnt="0">
+        <dgm:presLayoutVars>
+          <dgm:dir/>
+          <dgm:resizeHandles val="exact"/>
+        </dgm:presLayoutVars>
+      </dgm:prSet>
+      <dgm:spPr/>
+    </dgm:pt>
+    <dgm:pt modelId="{113A4EB9-8AE3-4671-A0D5-96E2159158DB}" type="pres">
+      <dgm:prSet presAssocID="{A81C761A-044C-47BD-8882-94E30422536B}" presName="vNodes" presStyleCnt="0"/>
+      <dgm:spPr/>
+    </dgm:pt>
+    <dgm:pt modelId="{E8D90B54-1D12-4C8B-87C6-75E02781D13C}" type="pres">
+      <dgm:prSet presAssocID="{5BC83DA9-8761-47DE-B55C-E096AFE36E52}" presName="node" presStyleLbl="node1" presStyleIdx="0" presStyleCnt="3">
+        <dgm:presLayoutVars>
+          <dgm:bulletEnabled val="1"/>
+        </dgm:presLayoutVars>
+      </dgm:prSet>
+      <dgm:spPr/>
+    </dgm:pt>
+    <dgm:pt modelId="{D23F0F51-8FA0-4937-A542-95CA820E9070}" type="pres">
+      <dgm:prSet presAssocID="{AC9BE0CD-E38B-476B-8EB3-2C7CA85AA867}" presName="spacerT" presStyleCnt="0"/>
+      <dgm:spPr/>
+    </dgm:pt>
+    <dgm:pt modelId="{C44CAC67-DCCF-4857-9388-8F857A194D20}" type="pres">
+      <dgm:prSet presAssocID="{AC9BE0CD-E38B-476B-8EB3-2C7CA85AA867}" presName="sibTrans" presStyleLbl="sibTrans2D1" presStyleIdx="0" presStyleCnt="2"/>
+      <dgm:spPr/>
+    </dgm:pt>
+    <dgm:pt modelId="{06C77F22-67C2-4A79-B901-E295164EFD55}" type="pres">
+      <dgm:prSet presAssocID="{AC9BE0CD-E38B-476B-8EB3-2C7CA85AA867}" presName="spacerB" presStyleCnt="0"/>
+      <dgm:spPr/>
+    </dgm:pt>
+    <dgm:pt modelId="{48BA7BA9-85C2-41BB-AA3D-9F2A6B82FC5D}" type="pres">
+      <dgm:prSet presAssocID="{BFDF2CD4-D8F0-4907-92DA-ECD124400B79}" presName="node" presStyleLbl="node1" presStyleIdx="1" presStyleCnt="3">
+        <dgm:presLayoutVars>
+          <dgm:bulletEnabled val="1"/>
+        </dgm:presLayoutVars>
+      </dgm:prSet>
+      <dgm:spPr/>
+    </dgm:pt>
+    <dgm:pt modelId="{0CC20377-83F9-4D84-84B0-0A88F9D6FCE6}" type="pres">
+      <dgm:prSet presAssocID="{A81C761A-044C-47BD-8882-94E30422536B}" presName="sibTransLast" presStyleLbl="sibTrans2D1" presStyleIdx="1" presStyleCnt="2"/>
+      <dgm:spPr/>
+    </dgm:pt>
+    <dgm:pt modelId="{5F7473A8-F365-462E-BE71-00708AABCBD0}" type="pres">
+      <dgm:prSet presAssocID="{A81C761A-044C-47BD-8882-94E30422536B}" presName="connectorText" presStyleLbl="sibTrans2D1" presStyleIdx="1" presStyleCnt="2"/>
+      <dgm:spPr/>
+    </dgm:pt>
+    <dgm:pt modelId="{090A9751-F138-430C-84C1-6FAE36D3FEFF}" type="pres">
+      <dgm:prSet presAssocID="{A81C761A-044C-47BD-8882-94E30422536B}" presName="lastNode" presStyleLbl="node1" presStyleIdx="2" presStyleCnt="3">
+        <dgm:presLayoutVars>
+          <dgm:bulletEnabled val="1"/>
+        </dgm:presLayoutVars>
+      </dgm:prSet>
+      <dgm:spPr/>
+    </dgm:pt>
+  </dgm:ptLst>
+  <dgm:cxnLst>
+    <dgm:cxn modelId="{C37E6E14-C4D2-43AA-A36D-60AB4889D790}" srcId="{BFDF2CD4-D8F0-4907-92DA-ECD124400B79}" destId="{44FEF4D4-88C6-459F-9A5E-930B835F18AF}" srcOrd="3" destOrd="0" parTransId="{AE604F1C-AE92-4670-BF70-50B10B33C5AD}" sibTransId="{4849072A-1382-44AD-8639-A80DD19C469B}"/>
+    <dgm:cxn modelId="{6525981E-8554-48BA-9088-A1DD91754FF5}" type="presOf" srcId="{A3CC1957-FB9B-4448-87DA-77EEFDC80260}" destId="{48BA7BA9-85C2-41BB-AA3D-9F2A6B82FC5D}" srcOrd="0" destOrd="1" presId="urn:microsoft.com/office/officeart/2005/8/layout/equation2"/>
+    <dgm:cxn modelId="{5DFD501F-67BA-4451-9889-9E84D80E1DE3}" type="presOf" srcId="{BFDF2CD4-D8F0-4907-92DA-ECD124400B79}" destId="{48BA7BA9-85C2-41BB-AA3D-9F2A6B82FC5D}" srcOrd="0" destOrd="0" presId="urn:microsoft.com/office/officeart/2005/8/layout/equation2"/>
+    <dgm:cxn modelId="{6EB88826-1BB5-4017-BD28-FE7980E14A8C}" type="presOf" srcId="{76B612A0-595B-446F-9BD1-5BE5E874AA0E}" destId="{E8D90B54-1D12-4C8B-87C6-75E02781D13C}" srcOrd="0" destOrd="2" presId="urn:microsoft.com/office/officeart/2005/8/layout/equation2"/>
+    <dgm:cxn modelId="{E63CB82F-4C98-4B2A-A91A-01D3B225038E}" type="presOf" srcId="{5BC83DA9-8761-47DE-B55C-E096AFE36E52}" destId="{E8D90B54-1D12-4C8B-87C6-75E02781D13C}" srcOrd="0" destOrd="0" presId="urn:microsoft.com/office/officeart/2005/8/layout/equation2"/>
+    <dgm:cxn modelId="{D1C31C31-B475-4CE9-BAC1-706CB1D7F879}" type="presOf" srcId="{E9B659FE-0DA2-4CE9-A620-10912E8C0233}" destId="{E8D90B54-1D12-4C8B-87C6-75E02781D13C}" srcOrd="0" destOrd="4" presId="urn:microsoft.com/office/officeart/2005/8/layout/equation2"/>
+    <dgm:cxn modelId="{2AF94938-9A3E-465D-8B0C-8965128D504F}" srcId="{A81C761A-044C-47BD-8882-94E30422536B}" destId="{5BC83DA9-8761-47DE-B55C-E096AFE36E52}" srcOrd="0" destOrd="0" parTransId="{D841FD11-CDC5-40B3-8F9B-4A3822054E8C}" sibTransId="{AC9BE0CD-E38B-476B-8EB3-2C7CA85AA867}"/>
+    <dgm:cxn modelId="{3C83BF44-2500-4183-9BF9-D19571ED771E}" srcId="{A81C761A-044C-47BD-8882-94E30422536B}" destId="{BFDF2CD4-D8F0-4907-92DA-ECD124400B79}" srcOrd="1" destOrd="0" parTransId="{2C9A1F8C-5CF8-432F-889E-9BBEBBFF6D3C}" sibTransId="{AD81266B-9249-4926-959F-E1280B446531}"/>
+    <dgm:cxn modelId="{98134A67-F76E-4839-8F34-1E39C6566EB5}" srcId="{AF8DFDBA-DE4F-4EA8-95E3-FD903C94715B}" destId="{D650EA44-D2F4-49CD-8B3F-9BD71F4C736F}" srcOrd="0" destOrd="0" parTransId="{7E57A665-12BE-4B18-B9F7-EBB9542C908B}" sibTransId="{12B64E16-E734-4329-B5CA-442400C798D4}"/>
+    <dgm:cxn modelId="{4F827867-EEB1-45AB-9482-6F0E00A503C4}" type="presOf" srcId="{7FBED8F5-7E0E-4D20-AFDE-F7D5B0FC887F}" destId="{090A9751-F138-430C-84C1-6FAE36D3FEFF}" srcOrd="0" destOrd="4" presId="urn:microsoft.com/office/officeart/2005/8/layout/equation2"/>
+    <dgm:cxn modelId="{E121E849-3787-42D7-8D5C-2794507C3B1C}" type="presOf" srcId="{D3FA6494-C19E-4A53-977A-BB36210D326C}" destId="{48BA7BA9-85C2-41BB-AA3D-9F2A6B82FC5D}" srcOrd="0" destOrd="3" presId="urn:microsoft.com/office/officeart/2005/8/layout/equation2"/>
+    <dgm:cxn modelId="{2FE96A57-E9A3-45D3-B546-BAEADDCB98B6}" srcId="{AF8DFDBA-DE4F-4EA8-95E3-FD903C94715B}" destId="{7FBED8F5-7E0E-4D20-AFDE-F7D5B0FC887F}" srcOrd="3" destOrd="0" parTransId="{5561A37F-B1ED-402C-A0B8-75FB0020BEB5}" sibTransId="{420E476C-3888-4C62-A300-E932378FCA4A}"/>
+    <dgm:cxn modelId="{ED339282-F22F-4E10-842F-C42ABA51CB88}" srcId="{AF8DFDBA-DE4F-4EA8-95E3-FD903C94715B}" destId="{8E648BE3-F7D8-4360-9E54-114F8312C2E6}" srcOrd="4" destOrd="0" parTransId="{DB25467A-3053-4A85-B566-D49E741D6BCA}" sibTransId="{538B92D8-E160-4D99-B72B-EED5EBDCC494}"/>
+    <dgm:cxn modelId="{91FC418F-71DA-4FA0-AB17-05E74CC3750F}" srcId="{BFDF2CD4-D8F0-4907-92DA-ECD124400B79}" destId="{279A8423-32F4-41D8-B94B-F152D8C996D5}" srcOrd="1" destOrd="0" parTransId="{5801EDC2-DFC9-48B7-B7AE-1636DE3CBFD6}" sibTransId="{72AD3995-4FBC-47C2-9C47-15D215426B58}"/>
+    <dgm:cxn modelId="{A9092A94-FC60-4F74-A5A8-5149A54EAF92}" type="presOf" srcId="{891F86B4-46CD-4BDC-AE9E-64261FA07924}" destId="{090A9751-F138-430C-84C1-6FAE36D3FEFF}" srcOrd="0" destOrd="6" presId="urn:microsoft.com/office/officeart/2005/8/layout/equation2"/>
+    <dgm:cxn modelId="{A37CAE97-CD87-43E1-932E-F50073F59C58}" type="presOf" srcId="{AD81266B-9249-4926-959F-E1280B446531}" destId="{5F7473A8-F365-462E-BE71-00708AABCBD0}" srcOrd="1" destOrd="0" presId="urn:microsoft.com/office/officeart/2005/8/layout/equation2"/>
+    <dgm:cxn modelId="{E1F149A0-FACC-4F75-8E8E-6271EE885925}" srcId="{BFDF2CD4-D8F0-4907-92DA-ECD124400B79}" destId="{D3FA6494-C19E-4A53-977A-BB36210D326C}" srcOrd="2" destOrd="0" parTransId="{8EC4BECA-6D77-43B4-BD7E-8F8712A88FCC}" sibTransId="{6979AB0C-A0AD-4F10-95F8-6CD34EB748CF}"/>
+    <dgm:cxn modelId="{3BFDC7A1-914A-4736-8E59-D75CF083A539}" srcId="{5BC83DA9-8761-47DE-B55C-E096AFE36E52}" destId="{76B612A0-595B-446F-9BD1-5BE5E874AA0E}" srcOrd="1" destOrd="0" parTransId="{1AA5E15B-1AA3-4F7A-9DDA-F74C2EF4ED26}" sibTransId="{B9268EBB-7DB1-4D2C-B539-C9D6684F99C1}"/>
+    <dgm:cxn modelId="{C79C26A5-60F3-47AD-87D4-DD624D48A4DF}" type="presOf" srcId="{279A8423-32F4-41D8-B94B-F152D8C996D5}" destId="{48BA7BA9-85C2-41BB-AA3D-9F2A6B82FC5D}" srcOrd="0" destOrd="2" presId="urn:microsoft.com/office/officeart/2005/8/layout/equation2"/>
+    <dgm:cxn modelId="{1AA091AA-C3F9-4AE8-9B5B-9FC2B1678A71}" type="presOf" srcId="{63A2FAAD-1E57-425D-BC96-4D6C21FF0B29}" destId="{090A9751-F138-430C-84C1-6FAE36D3FEFF}" srcOrd="0" destOrd="3" presId="urn:microsoft.com/office/officeart/2005/8/layout/equation2"/>
+    <dgm:cxn modelId="{546B0AB3-AB26-46CD-864A-66D1D92F6ECE}" type="presOf" srcId="{A81C761A-044C-47BD-8882-94E30422536B}" destId="{57FEE8A5-B34D-46F9-960E-445BA08529CF}" srcOrd="0" destOrd="0" presId="urn:microsoft.com/office/officeart/2005/8/layout/equation2"/>
+    <dgm:cxn modelId="{693834B3-8A0D-49D2-B051-64426C40E113}" type="presOf" srcId="{87022866-5B27-4D74-8BA4-FA5CEA99CFB7}" destId="{090A9751-F138-430C-84C1-6FAE36D3FEFF}" srcOrd="0" destOrd="2" presId="urn:microsoft.com/office/officeart/2005/8/layout/equation2"/>
+    <dgm:cxn modelId="{0D0D57B3-42CE-4425-96CA-1229312B5AC5}" srcId="{5BC83DA9-8761-47DE-B55C-E096AFE36E52}" destId="{9C589CBD-CB91-440E-97B2-B37F0A77E423}" srcOrd="0" destOrd="0" parTransId="{FD13B45C-56E8-4B27-9338-9CD51B50030F}" sibTransId="{ACE09CC3-110F-47ED-9433-B4A448DAB73F}"/>
+    <dgm:cxn modelId="{E3D701B5-05E5-43C1-8D6B-51D3AFCA70BD}" type="presOf" srcId="{8E648BE3-F7D8-4360-9E54-114F8312C2E6}" destId="{090A9751-F138-430C-84C1-6FAE36D3FEFF}" srcOrd="0" destOrd="5" presId="urn:microsoft.com/office/officeart/2005/8/layout/equation2"/>
+    <dgm:cxn modelId="{AE6F90B5-DDFB-42AE-BFBF-9BAEC921D286}" type="presOf" srcId="{44FEF4D4-88C6-459F-9A5E-930B835F18AF}" destId="{48BA7BA9-85C2-41BB-AA3D-9F2A6B82FC5D}" srcOrd="0" destOrd="4" presId="urn:microsoft.com/office/officeart/2005/8/layout/equation2"/>
+    <dgm:cxn modelId="{EA9343C9-B02B-4BDC-B823-9788FF2E6847}" srcId="{BFDF2CD4-D8F0-4907-92DA-ECD124400B79}" destId="{A3CC1957-FB9B-4448-87DA-77EEFDC80260}" srcOrd="0" destOrd="0" parTransId="{F8B71C0C-6ECF-4BA2-B932-C183A51948CB}" sibTransId="{F6BC08F6-E35E-4524-B02D-0FC5DACFD6C2}"/>
+    <dgm:cxn modelId="{C8A1D2CA-CFE2-4776-B890-626EEEFA2D08}" type="presOf" srcId="{AC9BE0CD-E38B-476B-8EB3-2C7CA85AA867}" destId="{C44CAC67-DCCF-4857-9388-8F857A194D20}" srcOrd="0" destOrd="0" presId="urn:microsoft.com/office/officeart/2005/8/layout/equation2"/>
+    <dgm:cxn modelId="{245AF2D3-0E6C-478F-9EBE-CBC9165DF775}" srcId="{5BC83DA9-8761-47DE-B55C-E096AFE36E52}" destId="{F0DF8605-7900-47F5-BB5C-32DE85DEEFE9}" srcOrd="2" destOrd="0" parTransId="{64870FF5-013C-4E07-9EF1-08892BF93305}" sibTransId="{AF14E75B-8E1F-4732-BA61-AC765FFF8B51}"/>
+    <dgm:cxn modelId="{009304D8-1EB0-4237-957A-C58128D7C704}" type="presOf" srcId="{AF8DFDBA-DE4F-4EA8-95E3-FD903C94715B}" destId="{090A9751-F138-430C-84C1-6FAE36D3FEFF}" srcOrd="0" destOrd="0" presId="urn:microsoft.com/office/officeart/2005/8/layout/equation2"/>
+    <dgm:cxn modelId="{4DFC2AD9-195E-4502-AB6C-DA3F39EC50D3}" srcId="{AF8DFDBA-DE4F-4EA8-95E3-FD903C94715B}" destId="{87022866-5B27-4D74-8BA4-FA5CEA99CFB7}" srcOrd="1" destOrd="0" parTransId="{D09DE1E8-521B-4424-896A-FB63BDBA01FA}" sibTransId="{441C8C66-5E41-4825-BE3B-43069F8ECBC7}"/>
+    <dgm:cxn modelId="{EF4961D9-4582-4D90-B791-C5525CC01C38}" srcId="{AF8DFDBA-DE4F-4EA8-95E3-FD903C94715B}" destId="{63A2FAAD-1E57-425D-BC96-4D6C21FF0B29}" srcOrd="2" destOrd="0" parTransId="{43177715-7B5A-4B06-ABBA-EB5B9DA084E8}" sibTransId="{5B079F3E-C900-4132-B3D2-A0FAB08AFF98}"/>
+    <dgm:cxn modelId="{9D0146DC-A985-4D91-9C7C-7EEFACBE2CEA}" type="presOf" srcId="{D650EA44-D2F4-49CD-8B3F-9BD71F4C736F}" destId="{090A9751-F138-430C-84C1-6FAE36D3FEFF}" srcOrd="0" destOrd="1" presId="urn:microsoft.com/office/officeart/2005/8/layout/equation2"/>
+    <dgm:cxn modelId="{1577CFDD-24D3-44EA-8966-1999FD71896B}" srcId="{A81C761A-044C-47BD-8882-94E30422536B}" destId="{AF8DFDBA-DE4F-4EA8-95E3-FD903C94715B}" srcOrd="2" destOrd="0" parTransId="{C8F4CAD5-9248-474B-A2BB-A1597AD364AC}" sibTransId="{6EFD57F8-E062-4AE2-8EEB-7BA087D4B99B}"/>
+    <dgm:cxn modelId="{9FA175E1-C209-4FE1-93F5-ECB66435E633}" srcId="{AF8DFDBA-DE4F-4EA8-95E3-FD903C94715B}" destId="{891F86B4-46CD-4BDC-AE9E-64261FA07924}" srcOrd="5" destOrd="0" parTransId="{80CA92B1-F88A-408D-9BAC-01606E51213E}" sibTransId="{FB4466A4-BB48-4ADD-A0BD-902C53CB907E}"/>
+    <dgm:cxn modelId="{6D96B1EA-C5C9-4F4D-B3FA-B018D0E64481}" type="presOf" srcId="{AD81266B-9249-4926-959F-E1280B446531}" destId="{0CC20377-83F9-4D84-84B0-0A88F9D6FCE6}" srcOrd="0" destOrd="0" presId="urn:microsoft.com/office/officeart/2005/8/layout/equation2"/>
+    <dgm:cxn modelId="{9FEE13F7-94E7-4C4F-8528-33C2506E8C15}" type="presOf" srcId="{9C589CBD-CB91-440E-97B2-B37F0A77E423}" destId="{E8D90B54-1D12-4C8B-87C6-75E02781D13C}" srcOrd="0" destOrd="1" presId="urn:microsoft.com/office/officeart/2005/8/layout/equation2"/>
+    <dgm:cxn modelId="{A85F4FFA-2308-4204-9EE0-89FAC412C168}" srcId="{5BC83DA9-8761-47DE-B55C-E096AFE36E52}" destId="{E9B659FE-0DA2-4CE9-A620-10912E8C0233}" srcOrd="3" destOrd="0" parTransId="{B2902C67-8232-4386-AC37-B14C258B7EF4}" sibTransId="{05545350-389B-4CFD-A494-398373ABA138}"/>
+    <dgm:cxn modelId="{A89920FB-E3A4-44CF-80BB-B9CBEC74676C}" type="presOf" srcId="{F0DF8605-7900-47F5-BB5C-32DE85DEEFE9}" destId="{E8D90B54-1D12-4C8B-87C6-75E02781D13C}" srcOrd="0" destOrd="3" presId="urn:microsoft.com/office/officeart/2005/8/layout/equation2"/>
+    <dgm:cxn modelId="{8C0C6760-8438-4BD8-A607-5CB10B5381B5}" type="presParOf" srcId="{57FEE8A5-B34D-46F9-960E-445BA08529CF}" destId="{113A4EB9-8AE3-4671-A0D5-96E2159158DB}" srcOrd="0" destOrd="0" presId="urn:microsoft.com/office/officeart/2005/8/layout/equation2"/>
+    <dgm:cxn modelId="{F6D41D90-C341-4E57-B5F9-4D5BCA0DC59E}" type="presParOf" srcId="{113A4EB9-8AE3-4671-A0D5-96E2159158DB}" destId="{E8D90B54-1D12-4C8B-87C6-75E02781D13C}" srcOrd="0" destOrd="0" presId="urn:microsoft.com/office/officeart/2005/8/layout/equation2"/>
+    <dgm:cxn modelId="{629F8CC7-6512-4CB0-B2B3-FFB1E83F80D0}" type="presParOf" srcId="{113A4EB9-8AE3-4671-A0D5-96E2159158DB}" destId="{D23F0F51-8FA0-4937-A542-95CA820E9070}" srcOrd="1" destOrd="0" presId="urn:microsoft.com/office/officeart/2005/8/layout/equation2"/>
+    <dgm:cxn modelId="{E2E7DAE1-AF81-495D-976D-35A6F1B751E0}" type="presParOf" srcId="{113A4EB9-8AE3-4671-A0D5-96E2159158DB}" destId="{C44CAC67-DCCF-4857-9388-8F857A194D20}" srcOrd="2" destOrd="0" presId="urn:microsoft.com/office/officeart/2005/8/layout/equation2"/>
+    <dgm:cxn modelId="{95212380-89A4-4BE1-B88C-BFE8555F91C2}" type="presParOf" srcId="{113A4EB9-8AE3-4671-A0D5-96E2159158DB}" destId="{06C77F22-67C2-4A79-B901-E295164EFD55}" srcOrd="3" destOrd="0" presId="urn:microsoft.com/office/officeart/2005/8/layout/equation2"/>
+    <dgm:cxn modelId="{DB7A1B8E-44A1-4ABE-AA5F-1DD9271A0BC7}" type="presParOf" srcId="{113A4EB9-8AE3-4671-A0D5-96E2159158DB}" destId="{48BA7BA9-85C2-41BB-AA3D-9F2A6B82FC5D}" srcOrd="4" destOrd="0" presId="urn:microsoft.com/office/officeart/2005/8/layout/equation2"/>
+    <dgm:cxn modelId="{10AAD470-5CA3-4524-B829-4F0C1B81CB11}" type="presParOf" srcId="{57FEE8A5-B34D-46F9-960E-445BA08529CF}" destId="{0CC20377-83F9-4D84-84B0-0A88F9D6FCE6}" srcOrd="1" destOrd="0" presId="urn:microsoft.com/office/officeart/2005/8/layout/equation2"/>
+    <dgm:cxn modelId="{5AC4AD17-0362-4844-9EC7-C24231BF7FA4}" type="presParOf" srcId="{0CC20377-83F9-4D84-84B0-0A88F9D6FCE6}" destId="{5F7473A8-F365-462E-BE71-00708AABCBD0}" srcOrd="0" destOrd="0" presId="urn:microsoft.com/office/officeart/2005/8/layout/equation2"/>
+    <dgm:cxn modelId="{2B2D31AB-1BF1-45E4-AD7B-AD1FA2EF32FC}" type="presParOf" srcId="{57FEE8A5-B34D-46F9-960E-445BA08529CF}" destId="{090A9751-F138-430C-84C1-6FAE36D3FEFF}" srcOrd="2" destOrd="0" presId="urn:microsoft.com/office/officeart/2005/8/layout/equation2"/>
+  </dgm:cxnLst>
+  <dgm:bg/>
+  <dgm:whole/>
+  <dgm:extLst>
+    <a:ext uri="http://schemas.microsoft.com/office/drawing/2008/diagram">
+      <dsp:dataModelExt xmlns:dsp="http://schemas.microsoft.com/office/drawing/2008/diagram" relId="rId6" minVer="http://schemas.openxmlformats.org/drawingml/2006/diagram"/>
+    </a:ext>
+  </dgm:extLst>
+</dgm:dataModel>
+</file>
+
+<file path=ppt/diagrams/data7.xml><?xml version="1.0" encoding="utf-8"?>
+<dgm:dataModel xmlns:dgm="http://schemas.openxmlformats.org/drawingml/2006/diagram" xmlns:a="http://schemas.openxmlformats.org/drawingml/2006/main">
+  <dgm:ptLst>
     <dgm:pt modelId="{BB4AA250-336B-4BCD-ADBF-B8CCD2D691E2}" type="doc">
       <dgm:prSet loTypeId="urn:microsoft.com/office/officeart/2005/8/layout/orgChart1" loCatId="hierarchy" qsTypeId="urn:microsoft.com/office/officeart/2005/8/quickstyle/simple3" qsCatId="simple" csTypeId="urn:microsoft.com/office/officeart/2005/8/colors/colorful3" csCatId="colorful" phldr="1"/>
       <dgm:spPr/>
@@ -19764,6 +22533,1189 @@
 </file>
 
 <file path=ppt/diagrams/drawing5.xml><?xml version="1.0" encoding="utf-8"?>
+<dsp:drawing xmlns:dgm="http://schemas.openxmlformats.org/drawingml/2006/diagram" xmlns:dsp="http://schemas.microsoft.com/office/drawing/2008/diagram" xmlns:a="http://schemas.openxmlformats.org/drawingml/2006/main">
+  <dsp:spTree>
+    <dsp:nvGrpSpPr>
+      <dsp:cNvPr id="0" name=""/>
+      <dsp:cNvGrpSpPr/>
+    </dsp:nvGrpSpPr>
+    <dsp:grpSpPr/>
+    <dsp:sp modelId="{BBC30FE9-9184-4162-A6F1-47E8E476C20D}">
+      <dsp:nvSpPr>
+        <dsp:cNvPr id="0" name=""/>
+        <dsp:cNvSpPr/>
+      </dsp:nvSpPr>
+      <dsp:spPr>
+        <a:xfrm>
+          <a:off x="4489" y="747484"/>
+          <a:ext cx="1670149" cy="668059"/>
+        </a:xfrm>
+        <a:prstGeom prst="chevron">
+          <a:avLst/>
+        </a:prstGeom>
+        <a:solidFill>
+          <a:schemeClr val="lt1">
+            <a:hueOff val="0"/>
+            <a:satOff val="0"/>
+            <a:lumOff val="0"/>
+            <a:alphaOff val="0"/>
+          </a:schemeClr>
+        </a:solidFill>
+        <a:ln w="12700" cap="flat" cmpd="sng" algn="ctr">
+          <a:solidFill>
+            <a:schemeClr val="accent1">
+              <a:shade val="80000"/>
+              <a:hueOff val="0"/>
+              <a:satOff val="0"/>
+              <a:lumOff val="0"/>
+              <a:alphaOff val="0"/>
+            </a:schemeClr>
+          </a:solidFill>
+          <a:prstDash val="solid"/>
+          <a:miter lim="800000"/>
+        </a:ln>
+        <a:effectLst/>
+      </dsp:spPr>
+      <dsp:style>
+        <a:lnRef idx="2">
+          <a:scrgbClr r="0" g="0" b="0"/>
+        </a:lnRef>
+        <a:fillRef idx="1">
+          <a:scrgbClr r="0" g="0" b="0"/>
+        </a:fillRef>
+        <a:effectRef idx="0">
+          <a:scrgbClr r="0" g="0" b="0"/>
+        </a:effectRef>
+        <a:fontRef idx="minor">
+          <a:schemeClr val="lt1"/>
+        </a:fontRef>
+      </dsp:style>
+      <dsp:txBody>
+        <a:bodyPr spcFirstLastPara="0" vert="horz" wrap="square" lIns="48006" tIns="16002" rIns="16002" bIns="16002" numCol="1" spcCol="1270" anchor="ctr" anchorCtr="0">
+          <a:noAutofit/>
+        </a:bodyPr>
+        <a:lstStyle/>
+        <a:p>
+          <a:pPr marL="0" lvl="0" indent="0" algn="ctr" defTabSz="533400">
+            <a:lnSpc>
+              <a:spcPct val="90000"/>
+            </a:lnSpc>
+            <a:spcBef>
+              <a:spcPct val="0"/>
+            </a:spcBef>
+            <a:spcAft>
+              <a:spcPct val="35000"/>
+            </a:spcAft>
+            <a:buNone/>
+          </a:pPr>
+          <a:r>
+            <a:rPr lang="en-GB" sz="1200" kern="1200" dirty="0">
+              <a:latin typeface="Segoe UI Semilight" panose="020B0402040204020203" pitchFamily="34" charset="0"/>
+              <a:cs typeface="Segoe UI Semilight" panose="020B0402040204020203" pitchFamily="34" charset="0"/>
+            </a:rPr>
+            <a:t>Prospect to quote</a:t>
+          </a:r>
+          <a:endParaRPr lang="en-US" sz="1200" kern="1200" dirty="0">
+            <a:latin typeface="Segoe UI Semilight" panose="020B0402040204020203" pitchFamily="34" charset="0"/>
+            <a:cs typeface="Segoe UI Semilight" panose="020B0402040204020203" pitchFamily="34" charset="0"/>
+          </a:endParaRPr>
+        </a:p>
+      </dsp:txBody>
+      <dsp:txXfrm>
+        <a:off x="338519" y="747484"/>
+        <a:ext cx="1002090" cy="668059"/>
+      </dsp:txXfrm>
+    </dsp:sp>
+    <dsp:sp modelId="{5E5E7C29-0332-42DB-B0A1-2D8643834342}">
+      <dsp:nvSpPr>
+        <dsp:cNvPr id="0" name=""/>
+        <dsp:cNvSpPr/>
+      </dsp:nvSpPr>
+      <dsp:spPr>
+        <a:xfrm>
+          <a:off x="1507624" y="747484"/>
+          <a:ext cx="1670149" cy="668059"/>
+        </a:xfrm>
+        <a:prstGeom prst="chevron">
+          <a:avLst/>
+        </a:prstGeom>
+        <a:solidFill>
+          <a:schemeClr val="lt1">
+            <a:hueOff val="0"/>
+            <a:satOff val="0"/>
+            <a:lumOff val="0"/>
+            <a:alphaOff val="0"/>
+          </a:schemeClr>
+        </a:solidFill>
+        <a:ln w="12700" cap="flat" cmpd="sng" algn="ctr">
+          <a:solidFill>
+            <a:schemeClr val="accent1">
+              <a:shade val="80000"/>
+              <a:hueOff val="0"/>
+              <a:satOff val="0"/>
+              <a:lumOff val="0"/>
+              <a:alphaOff val="0"/>
+            </a:schemeClr>
+          </a:solidFill>
+          <a:prstDash val="solid"/>
+          <a:miter lim="800000"/>
+        </a:ln>
+        <a:effectLst/>
+      </dsp:spPr>
+      <dsp:style>
+        <a:lnRef idx="2">
+          <a:scrgbClr r="0" g="0" b="0"/>
+        </a:lnRef>
+        <a:fillRef idx="1">
+          <a:scrgbClr r="0" g="0" b="0"/>
+        </a:fillRef>
+        <a:effectRef idx="0">
+          <a:scrgbClr r="0" g="0" b="0"/>
+        </a:effectRef>
+        <a:fontRef idx="minor">
+          <a:schemeClr val="lt1"/>
+        </a:fontRef>
+      </dsp:style>
+      <dsp:txBody>
+        <a:bodyPr spcFirstLastPara="0" vert="horz" wrap="square" lIns="48006" tIns="16002" rIns="16002" bIns="16002" numCol="1" spcCol="1270" anchor="ctr" anchorCtr="0">
+          <a:noAutofit/>
+        </a:bodyPr>
+        <a:lstStyle/>
+        <a:p>
+          <a:pPr marL="0" lvl="0" indent="0" algn="ctr" defTabSz="533400">
+            <a:lnSpc>
+              <a:spcPct val="90000"/>
+            </a:lnSpc>
+            <a:spcBef>
+              <a:spcPct val="0"/>
+            </a:spcBef>
+            <a:spcAft>
+              <a:spcPct val="35000"/>
+            </a:spcAft>
+            <a:buNone/>
+          </a:pPr>
+          <a:r>
+            <a:rPr lang="en-GB" sz="1200" kern="1200" dirty="0">
+              <a:latin typeface="Segoe UI Semilight" panose="020B0402040204020203" pitchFamily="34" charset="0"/>
+              <a:cs typeface="Segoe UI Semilight" panose="020B0402040204020203" pitchFamily="34" charset="0"/>
+            </a:rPr>
+            <a:t>Order to cash / Service to cash</a:t>
+          </a:r>
+          <a:endParaRPr lang="en-US" sz="1200" kern="1200" dirty="0">
+            <a:latin typeface="Segoe UI Semilight" panose="020B0402040204020203" pitchFamily="34" charset="0"/>
+            <a:cs typeface="Segoe UI Semilight" panose="020B0402040204020203" pitchFamily="34" charset="0"/>
+          </a:endParaRPr>
+        </a:p>
+      </dsp:txBody>
+      <dsp:txXfrm>
+        <a:off x="1841654" y="747484"/>
+        <a:ext cx="1002090" cy="668059"/>
+      </dsp:txXfrm>
+    </dsp:sp>
+    <dsp:sp modelId="{2410A1A4-787E-4EE0-B9D2-33EED8D8FCCD}">
+      <dsp:nvSpPr>
+        <dsp:cNvPr id="0" name=""/>
+        <dsp:cNvSpPr/>
+      </dsp:nvSpPr>
+      <dsp:spPr>
+        <a:xfrm>
+          <a:off x="3010759" y="747484"/>
+          <a:ext cx="1670149" cy="668059"/>
+        </a:xfrm>
+        <a:prstGeom prst="chevron">
+          <a:avLst/>
+        </a:prstGeom>
+        <a:solidFill>
+          <a:schemeClr val="lt1">
+            <a:hueOff val="0"/>
+            <a:satOff val="0"/>
+            <a:lumOff val="0"/>
+            <a:alphaOff val="0"/>
+          </a:schemeClr>
+        </a:solidFill>
+        <a:ln w="12700" cap="flat" cmpd="sng" algn="ctr">
+          <a:solidFill>
+            <a:schemeClr val="accent1">
+              <a:shade val="80000"/>
+              <a:hueOff val="0"/>
+              <a:satOff val="0"/>
+              <a:lumOff val="0"/>
+              <a:alphaOff val="0"/>
+            </a:schemeClr>
+          </a:solidFill>
+          <a:prstDash val="solid"/>
+          <a:miter lim="800000"/>
+        </a:ln>
+        <a:effectLst/>
+      </dsp:spPr>
+      <dsp:style>
+        <a:lnRef idx="2">
+          <a:scrgbClr r="0" g="0" b="0"/>
+        </a:lnRef>
+        <a:fillRef idx="1">
+          <a:scrgbClr r="0" g="0" b="0"/>
+        </a:fillRef>
+        <a:effectRef idx="0">
+          <a:scrgbClr r="0" g="0" b="0"/>
+        </a:effectRef>
+        <a:fontRef idx="minor">
+          <a:schemeClr val="lt1"/>
+        </a:fontRef>
+      </dsp:style>
+      <dsp:txBody>
+        <a:bodyPr spcFirstLastPara="0" vert="horz" wrap="square" lIns="48006" tIns="16002" rIns="16002" bIns="16002" numCol="1" spcCol="1270" anchor="ctr" anchorCtr="0">
+          <a:noAutofit/>
+        </a:bodyPr>
+        <a:lstStyle/>
+        <a:p>
+          <a:pPr marL="0" lvl="0" indent="0" algn="ctr" defTabSz="533400">
+            <a:lnSpc>
+              <a:spcPct val="90000"/>
+            </a:lnSpc>
+            <a:spcBef>
+              <a:spcPct val="0"/>
+            </a:spcBef>
+            <a:spcAft>
+              <a:spcPct val="35000"/>
+            </a:spcAft>
+            <a:buNone/>
+          </a:pPr>
+          <a:r>
+            <a:rPr lang="en-GB" sz="1200" kern="1200" dirty="0">
+              <a:latin typeface="Segoe UI Semilight" panose="020B0402040204020203" pitchFamily="34" charset="0"/>
+              <a:cs typeface="Segoe UI Semilight" panose="020B0402040204020203" pitchFamily="34" charset="0"/>
+            </a:rPr>
+            <a:t>Plan to produce</a:t>
+          </a:r>
+          <a:endParaRPr lang="en-US" sz="1200" kern="1200" dirty="0">
+            <a:latin typeface="Segoe UI Semilight" panose="020B0402040204020203" pitchFamily="34" charset="0"/>
+            <a:cs typeface="Segoe UI Semilight" panose="020B0402040204020203" pitchFamily="34" charset="0"/>
+          </a:endParaRPr>
+        </a:p>
+      </dsp:txBody>
+      <dsp:txXfrm>
+        <a:off x="3344789" y="747484"/>
+        <a:ext cx="1002090" cy="668059"/>
+      </dsp:txXfrm>
+    </dsp:sp>
+    <dsp:sp modelId="{40A4EA07-026D-4CBB-AE9C-D4D2991401E2}">
+      <dsp:nvSpPr>
+        <dsp:cNvPr id="0" name=""/>
+        <dsp:cNvSpPr/>
+      </dsp:nvSpPr>
+      <dsp:spPr>
+        <a:xfrm>
+          <a:off x="4513894" y="747484"/>
+          <a:ext cx="1670149" cy="668059"/>
+        </a:xfrm>
+        <a:prstGeom prst="chevron">
+          <a:avLst/>
+        </a:prstGeom>
+        <a:solidFill>
+          <a:schemeClr val="lt1">
+            <a:hueOff val="0"/>
+            <a:satOff val="0"/>
+            <a:lumOff val="0"/>
+            <a:alphaOff val="0"/>
+          </a:schemeClr>
+        </a:solidFill>
+        <a:ln w="12700" cap="flat" cmpd="sng" algn="ctr">
+          <a:solidFill>
+            <a:schemeClr val="accent1">
+              <a:shade val="80000"/>
+              <a:hueOff val="0"/>
+              <a:satOff val="0"/>
+              <a:lumOff val="0"/>
+              <a:alphaOff val="0"/>
+            </a:schemeClr>
+          </a:solidFill>
+          <a:prstDash val="solid"/>
+          <a:miter lim="800000"/>
+        </a:ln>
+        <a:effectLst/>
+      </dsp:spPr>
+      <dsp:style>
+        <a:lnRef idx="2">
+          <a:scrgbClr r="0" g="0" b="0"/>
+        </a:lnRef>
+        <a:fillRef idx="1">
+          <a:scrgbClr r="0" g="0" b="0"/>
+        </a:fillRef>
+        <a:effectRef idx="0">
+          <a:scrgbClr r="0" g="0" b="0"/>
+        </a:effectRef>
+        <a:fontRef idx="minor">
+          <a:schemeClr val="lt1"/>
+        </a:fontRef>
+      </dsp:style>
+      <dsp:txBody>
+        <a:bodyPr spcFirstLastPara="0" vert="horz" wrap="square" lIns="48006" tIns="16002" rIns="16002" bIns="16002" numCol="1" spcCol="1270" anchor="ctr" anchorCtr="0">
+          <a:noAutofit/>
+        </a:bodyPr>
+        <a:lstStyle/>
+        <a:p>
+          <a:pPr marL="0" lvl="0" indent="0" algn="ctr" defTabSz="533400">
+            <a:lnSpc>
+              <a:spcPct val="90000"/>
+            </a:lnSpc>
+            <a:spcBef>
+              <a:spcPct val="0"/>
+            </a:spcBef>
+            <a:spcAft>
+              <a:spcPct val="35000"/>
+            </a:spcAft>
+            <a:buNone/>
+          </a:pPr>
+          <a:r>
+            <a:rPr lang="en-GB" sz="1200" kern="1200" dirty="0">
+              <a:latin typeface="Segoe UI Semilight" panose="020B0402040204020203" pitchFamily="34" charset="0"/>
+              <a:cs typeface="Segoe UI Semilight" panose="020B0402040204020203" pitchFamily="34" charset="0"/>
+            </a:rPr>
+            <a:t>Procure to pay</a:t>
+          </a:r>
+          <a:endParaRPr lang="en-US" sz="1200" kern="1200" dirty="0">
+            <a:latin typeface="Segoe UI Semilight" panose="020B0402040204020203" pitchFamily="34" charset="0"/>
+            <a:cs typeface="Segoe UI Semilight" panose="020B0402040204020203" pitchFamily="34" charset="0"/>
+          </a:endParaRPr>
+        </a:p>
+      </dsp:txBody>
+      <dsp:txXfrm>
+        <a:off x="4847924" y="747484"/>
+        <a:ext cx="1002090" cy="668059"/>
+      </dsp:txXfrm>
+    </dsp:sp>
+    <dsp:sp modelId="{20094531-F5EC-4819-8519-5414DB345D68}">
+      <dsp:nvSpPr>
+        <dsp:cNvPr id="0" name=""/>
+        <dsp:cNvSpPr/>
+      </dsp:nvSpPr>
+      <dsp:spPr>
+        <a:xfrm>
+          <a:off x="6017028" y="747484"/>
+          <a:ext cx="1670149" cy="668059"/>
+        </a:xfrm>
+        <a:prstGeom prst="chevron">
+          <a:avLst/>
+        </a:prstGeom>
+        <a:solidFill>
+          <a:schemeClr val="lt1">
+            <a:hueOff val="0"/>
+            <a:satOff val="0"/>
+            <a:lumOff val="0"/>
+            <a:alphaOff val="0"/>
+          </a:schemeClr>
+        </a:solidFill>
+        <a:ln w="12700" cap="flat" cmpd="sng" algn="ctr">
+          <a:solidFill>
+            <a:schemeClr val="accent1">
+              <a:shade val="80000"/>
+              <a:hueOff val="0"/>
+              <a:satOff val="0"/>
+              <a:lumOff val="0"/>
+              <a:alphaOff val="0"/>
+            </a:schemeClr>
+          </a:solidFill>
+          <a:prstDash val="solid"/>
+          <a:miter lim="800000"/>
+        </a:ln>
+        <a:effectLst/>
+      </dsp:spPr>
+      <dsp:style>
+        <a:lnRef idx="2">
+          <a:scrgbClr r="0" g="0" b="0"/>
+        </a:lnRef>
+        <a:fillRef idx="1">
+          <a:scrgbClr r="0" g="0" b="0"/>
+        </a:fillRef>
+        <a:effectRef idx="0">
+          <a:scrgbClr r="0" g="0" b="0"/>
+        </a:effectRef>
+        <a:fontRef idx="minor">
+          <a:schemeClr val="lt1"/>
+        </a:fontRef>
+      </dsp:style>
+      <dsp:txBody>
+        <a:bodyPr spcFirstLastPara="0" vert="horz" wrap="square" lIns="48006" tIns="16002" rIns="16002" bIns="16002" numCol="1" spcCol="1270" anchor="ctr" anchorCtr="0">
+          <a:noAutofit/>
+        </a:bodyPr>
+        <a:lstStyle/>
+        <a:p>
+          <a:pPr marL="0" lvl="0" indent="0" algn="ctr" defTabSz="533400">
+            <a:lnSpc>
+              <a:spcPct val="90000"/>
+            </a:lnSpc>
+            <a:spcBef>
+              <a:spcPct val="0"/>
+            </a:spcBef>
+            <a:spcAft>
+              <a:spcPct val="35000"/>
+            </a:spcAft>
+            <a:buNone/>
+          </a:pPr>
+          <a:r>
+            <a:rPr lang="en-GB" sz="1200" kern="1200" dirty="0">
+              <a:latin typeface="Segoe UI Semilight" panose="020B0402040204020203" pitchFamily="34" charset="0"/>
+              <a:cs typeface="Segoe UI Semilight" panose="020B0402040204020203" pitchFamily="34" charset="0"/>
+            </a:rPr>
+            <a:t>Project to profit</a:t>
+          </a:r>
+          <a:endParaRPr lang="en-US" sz="1200" kern="1200" dirty="0">
+            <a:latin typeface="Segoe UI Semilight" panose="020B0402040204020203" pitchFamily="34" charset="0"/>
+            <a:cs typeface="Segoe UI Semilight" panose="020B0402040204020203" pitchFamily="34" charset="0"/>
+          </a:endParaRPr>
+        </a:p>
+      </dsp:txBody>
+      <dsp:txXfrm>
+        <a:off x="6351058" y="747484"/>
+        <a:ext cx="1002090" cy="668059"/>
+      </dsp:txXfrm>
+    </dsp:sp>
+    <dsp:sp modelId="{9B08C765-7695-4E20-9C2E-7A0E4B95863B}">
+      <dsp:nvSpPr>
+        <dsp:cNvPr id="0" name=""/>
+        <dsp:cNvSpPr/>
+      </dsp:nvSpPr>
+      <dsp:spPr>
+        <a:xfrm>
+          <a:off x="7520163" y="747484"/>
+          <a:ext cx="1670149" cy="668059"/>
+        </a:xfrm>
+        <a:prstGeom prst="chevron">
+          <a:avLst/>
+        </a:prstGeom>
+        <a:solidFill>
+          <a:schemeClr val="lt1">
+            <a:hueOff val="0"/>
+            <a:satOff val="0"/>
+            <a:lumOff val="0"/>
+            <a:alphaOff val="0"/>
+          </a:schemeClr>
+        </a:solidFill>
+        <a:ln w="12700" cap="flat" cmpd="sng" algn="ctr">
+          <a:solidFill>
+            <a:schemeClr val="accent1">
+              <a:shade val="80000"/>
+              <a:hueOff val="0"/>
+              <a:satOff val="0"/>
+              <a:lumOff val="0"/>
+              <a:alphaOff val="0"/>
+            </a:schemeClr>
+          </a:solidFill>
+          <a:prstDash val="solid"/>
+          <a:miter lim="800000"/>
+        </a:ln>
+        <a:effectLst/>
+      </dsp:spPr>
+      <dsp:style>
+        <a:lnRef idx="2">
+          <a:scrgbClr r="0" g="0" b="0"/>
+        </a:lnRef>
+        <a:fillRef idx="1">
+          <a:scrgbClr r="0" g="0" b="0"/>
+        </a:fillRef>
+        <a:effectRef idx="0">
+          <a:scrgbClr r="0" g="0" b="0"/>
+        </a:effectRef>
+        <a:fontRef idx="minor">
+          <a:schemeClr val="lt1"/>
+        </a:fontRef>
+      </dsp:style>
+      <dsp:txBody>
+        <a:bodyPr spcFirstLastPara="0" vert="horz" wrap="square" lIns="48006" tIns="16002" rIns="16002" bIns="16002" numCol="1" spcCol="1270" anchor="ctr" anchorCtr="0">
+          <a:noAutofit/>
+        </a:bodyPr>
+        <a:lstStyle/>
+        <a:p>
+          <a:pPr marL="0" lvl="0" indent="0" algn="ctr" defTabSz="533400">
+            <a:lnSpc>
+              <a:spcPct val="90000"/>
+            </a:lnSpc>
+            <a:spcBef>
+              <a:spcPct val="0"/>
+            </a:spcBef>
+            <a:spcAft>
+              <a:spcPct val="35000"/>
+            </a:spcAft>
+            <a:buNone/>
+          </a:pPr>
+          <a:r>
+            <a:rPr lang="en-GB" sz="1200" kern="1200" dirty="0">
+              <a:latin typeface="Segoe UI Semilight" panose="020B0402040204020203" pitchFamily="34" charset="0"/>
+              <a:cs typeface="Segoe UI Semilight" panose="020B0402040204020203" pitchFamily="34" charset="0"/>
+            </a:rPr>
+            <a:t>Case to resolution</a:t>
+          </a:r>
+          <a:endParaRPr lang="en-US" sz="1200" kern="1200" dirty="0">
+            <a:latin typeface="Segoe UI Semilight" panose="020B0402040204020203" pitchFamily="34" charset="0"/>
+            <a:cs typeface="Segoe UI Semilight" panose="020B0402040204020203" pitchFamily="34" charset="0"/>
+          </a:endParaRPr>
+        </a:p>
+      </dsp:txBody>
+      <dsp:txXfrm>
+        <a:off x="7854193" y="747484"/>
+        <a:ext cx="1002090" cy="668059"/>
+      </dsp:txXfrm>
+    </dsp:sp>
+  </dsp:spTree>
+</dsp:drawing>
+</file>
+
+<file path=ppt/diagrams/drawing6.xml><?xml version="1.0" encoding="utf-8"?>
+<dsp:drawing xmlns:dgm="http://schemas.openxmlformats.org/drawingml/2006/diagram" xmlns:dsp="http://schemas.microsoft.com/office/drawing/2008/diagram" xmlns:a="http://schemas.openxmlformats.org/drawingml/2006/main">
+  <dsp:spTree>
+    <dsp:nvGrpSpPr>
+      <dsp:cNvPr id="0" name=""/>
+      <dsp:cNvGrpSpPr/>
+    </dsp:nvGrpSpPr>
+    <dsp:grpSpPr/>
+    <dsp:sp modelId="{E8D90B54-1D12-4C8B-87C6-75E02781D13C}">
+      <dsp:nvSpPr>
+        <dsp:cNvPr id="0" name=""/>
+        <dsp:cNvSpPr/>
+      </dsp:nvSpPr>
+      <dsp:spPr>
+        <a:xfrm>
+          <a:off x="509984" y="1963"/>
+          <a:ext cx="1974453" cy="1974453"/>
+        </a:xfrm>
+        <a:prstGeom prst="ellipse">
+          <a:avLst/>
+        </a:prstGeom>
+        <a:solidFill>
+          <a:schemeClr val="lt1">
+            <a:hueOff val="0"/>
+            <a:satOff val="0"/>
+            <a:lumOff val="0"/>
+            <a:alphaOff val="0"/>
+          </a:schemeClr>
+        </a:solidFill>
+        <a:ln w="19050" cap="flat" cmpd="sng" algn="ctr">
+          <a:solidFill>
+            <a:schemeClr val="accent5">
+              <a:shade val="80000"/>
+              <a:hueOff val="0"/>
+              <a:satOff val="0"/>
+              <a:lumOff val="0"/>
+              <a:alphaOff val="0"/>
+            </a:schemeClr>
+          </a:solidFill>
+          <a:prstDash val="solid"/>
+          <a:miter lim="800000"/>
+        </a:ln>
+        <a:effectLst/>
+      </dsp:spPr>
+      <dsp:style>
+        <a:lnRef idx="3">
+          <a:scrgbClr r="0" g="0" b="0"/>
+        </a:lnRef>
+        <a:fillRef idx="1">
+          <a:scrgbClr r="0" g="0" b="0"/>
+        </a:fillRef>
+        <a:effectRef idx="1">
+          <a:scrgbClr r="0" g="0" b="0"/>
+        </a:effectRef>
+        <a:fontRef idx="minor">
+          <a:schemeClr val="lt1"/>
+        </a:fontRef>
+      </dsp:style>
+      <dsp:txBody>
+        <a:bodyPr spcFirstLastPara="0" vert="horz" wrap="square" lIns="17780" tIns="17780" rIns="17780" bIns="17780" numCol="1" spcCol="1270" anchor="ctr" anchorCtr="0">
+          <a:noAutofit/>
+        </a:bodyPr>
+        <a:lstStyle/>
+        <a:p>
+          <a:pPr marL="0" lvl="0" indent="0" algn="l" defTabSz="622300">
+            <a:lnSpc>
+              <a:spcPct val="90000"/>
+            </a:lnSpc>
+            <a:spcBef>
+              <a:spcPct val="0"/>
+            </a:spcBef>
+            <a:spcAft>
+              <a:spcPct val="35000"/>
+            </a:spcAft>
+            <a:buNone/>
+          </a:pPr>
+          <a:r>
+            <a:rPr lang="en-GB" sz="1400" kern="1200" dirty="0"/>
+            <a:t>Manage the business </a:t>
+          </a:r>
+          <a:endParaRPr lang="en-US" sz="1400" kern="1200" dirty="0"/>
+        </a:p>
+        <a:p>
+          <a:pPr marL="57150" lvl="1" indent="-57150" algn="l" defTabSz="488950">
+            <a:lnSpc>
+              <a:spcPct val="90000"/>
+            </a:lnSpc>
+            <a:spcBef>
+              <a:spcPct val="0"/>
+            </a:spcBef>
+            <a:spcAft>
+              <a:spcPct val="15000"/>
+            </a:spcAft>
+            <a:buChar char="•"/>
+          </a:pPr>
+          <a:r>
+            <a:rPr lang="en-GB" sz="1100" kern="1200" dirty="0"/>
+            <a:t>Acquire to dispose</a:t>
+          </a:r>
+          <a:endParaRPr lang="en-US" sz="1100" kern="1200" dirty="0"/>
+        </a:p>
+        <a:p>
+          <a:pPr marL="57150" lvl="1" indent="-57150" algn="l" defTabSz="488950">
+            <a:lnSpc>
+              <a:spcPct val="90000"/>
+            </a:lnSpc>
+            <a:spcBef>
+              <a:spcPct val="0"/>
+            </a:spcBef>
+            <a:spcAft>
+              <a:spcPct val="15000"/>
+            </a:spcAft>
+            <a:buChar char="•"/>
+          </a:pPr>
+          <a:r>
+            <a:rPr lang="en-GB" sz="1100" kern="1200" dirty="0"/>
+            <a:t>Concept to market</a:t>
+          </a:r>
+          <a:endParaRPr lang="en-US" sz="1100" kern="1200" dirty="0"/>
+        </a:p>
+        <a:p>
+          <a:pPr marL="57150" lvl="1" indent="-57150" algn="l" defTabSz="488950">
+            <a:lnSpc>
+              <a:spcPct val="90000"/>
+            </a:lnSpc>
+            <a:spcBef>
+              <a:spcPct val="0"/>
+            </a:spcBef>
+            <a:spcAft>
+              <a:spcPct val="15000"/>
+            </a:spcAft>
+            <a:buChar char="•"/>
+          </a:pPr>
+          <a:r>
+            <a:rPr lang="en-GB" sz="1100" kern="1200" dirty="0"/>
+            <a:t>Design to retire</a:t>
+          </a:r>
+          <a:endParaRPr lang="en-US" sz="1100" kern="1200" dirty="0"/>
+        </a:p>
+        <a:p>
+          <a:pPr marL="57150" lvl="1" indent="-57150" algn="l" defTabSz="488950">
+            <a:lnSpc>
+              <a:spcPct val="90000"/>
+            </a:lnSpc>
+            <a:spcBef>
+              <a:spcPct val="0"/>
+            </a:spcBef>
+            <a:spcAft>
+              <a:spcPct val="15000"/>
+            </a:spcAft>
+            <a:buChar char="•"/>
+          </a:pPr>
+          <a:r>
+            <a:rPr lang="en-GB" sz="1100" kern="1200" dirty="0"/>
+            <a:t>Forecast to plan</a:t>
+          </a:r>
+          <a:endParaRPr lang="en-US" sz="1100" kern="1200" dirty="0"/>
+        </a:p>
+      </dsp:txBody>
+      <dsp:txXfrm>
+        <a:off x="799136" y="291115"/>
+        <a:ext cx="1396149" cy="1396149"/>
+      </dsp:txXfrm>
+    </dsp:sp>
+    <dsp:sp modelId="{C44CAC67-DCCF-4857-9388-8F857A194D20}">
+      <dsp:nvSpPr>
+        <dsp:cNvPr id="0" name=""/>
+        <dsp:cNvSpPr/>
+      </dsp:nvSpPr>
+      <dsp:spPr>
+        <a:xfrm>
+          <a:off x="924619" y="2136742"/>
+          <a:ext cx="1145182" cy="1145182"/>
+        </a:xfrm>
+        <a:prstGeom prst="mathPlus">
+          <a:avLst/>
+        </a:prstGeom>
+        <a:solidFill>
+          <a:schemeClr val="accent5">
+            <a:tint val="60000"/>
+            <a:hueOff val="0"/>
+            <a:satOff val="0"/>
+            <a:lumOff val="0"/>
+            <a:alphaOff val="0"/>
+          </a:schemeClr>
+        </a:solidFill>
+        <a:ln>
+          <a:noFill/>
+        </a:ln>
+        <a:effectLst/>
+      </dsp:spPr>
+      <dsp:style>
+        <a:lnRef idx="0">
+          <a:scrgbClr r="0" g="0" b="0"/>
+        </a:lnRef>
+        <a:fillRef idx="1">
+          <a:scrgbClr r="0" g="0" b="0"/>
+        </a:fillRef>
+        <a:effectRef idx="1">
+          <a:scrgbClr r="0" g="0" b="0"/>
+        </a:effectRef>
+        <a:fontRef idx="minor">
+          <a:schemeClr val="lt1"/>
+        </a:fontRef>
+      </dsp:style>
+      <dsp:txBody>
+        <a:bodyPr spcFirstLastPara="0" vert="horz" wrap="square" lIns="0" tIns="0" rIns="0" bIns="0" numCol="1" spcCol="1270" anchor="ctr" anchorCtr="0">
+          <a:noAutofit/>
+        </a:bodyPr>
+        <a:lstStyle/>
+        <a:p>
+          <a:pPr marL="0" lvl="0" indent="0" algn="ctr" defTabSz="488950">
+            <a:lnSpc>
+              <a:spcPct val="90000"/>
+            </a:lnSpc>
+            <a:spcBef>
+              <a:spcPct val="0"/>
+            </a:spcBef>
+            <a:spcAft>
+              <a:spcPct val="35000"/>
+            </a:spcAft>
+            <a:buNone/>
+          </a:pPr>
+          <a:endParaRPr lang="en-US" sz="1100" kern="1200"/>
+        </a:p>
+      </dsp:txBody>
+      <dsp:txXfrm>
+        <a:off x="1076413" y="2574660"/>
+        <a:ext cx="841594" cy="269346"/>
+      </dsp:txXfrm>
+    </dsp:sp>
+    <dsp:sp modelId="{48BA7BA9-85C2-41BB-AA3D-9F2A6B82FC5D}">
+      <dsp:nvSpPr>
+        <dsp:cNvPr id="0" name=""/>
+        <dsp:cNvSpPr/>
+      </dsp:nvSpPr>
+      <dsp:spPr>
+        <a:xfrm>
+          <a:off x="509984" y="3442250"/>
+          <a:ext cx="1974453" cy="1974453"/>
+        </a:xfrm>
+        <a:prstGeom prst="ellipse">
+          <a:avLst/>
+        </a:prstGeom>
+        <a:solidFill>
+          <a:schemeClr val="lt1">
+            <a:hueOff val="0"/>
+            <a:satOff val="0"/>
+            <a:lumOff val="0"/>
+            <a:alphaOff val="0"/>
+          </a:schemeClr>
+        </a:solidFill>
+        <a:ln w="19050" cap="flat" cmpd="sng" algn="ctr">
+          <a:solidFill>
+            <a:schemeClr val="accent5">
+              <a:shade val="80000"/>
+              <a:hueOff val="0"/>
+              <a:satOff val="0"/>
+              <a:lumOff val="0"/>
+              <a:alphaOff val="0"/>
+            </a:schemeClr>
+          </a:solidFill>
+          <a:prstDash val="solid"/>
+          <a:miter lim="800000"/>
+        </a:ln>
+        <a:effectLst/>
+      </dsp:spPr>
+      <dsp:style>
+        <a:lnRef idx="3">
+          <a:scrgbClr r="0" g="0" b="0"/>
+        </a:lnRef>
+        <a:fillRef idx="1">
+          <a:scrgbClr r="0" g="0" b="0"/>
+        </a:fillRef>
+        <a:effectRef idx="1">
+          <a:scrgbClr r="0" g="0" b="0"/>
+        </a:effectRef>
+        <a:fontRef idx="minor">
+          <a:schemeClr val="lt1"/>
+        </a:fontRef>
+      </dsp:style>
+      <dsp:txBody>
+        <a:bodyPr spcFirstLastPara="0" vert="horz" wrap="square" lIns="17780" tIns="17780" rIns="17780" bIns="17780" numCol="1" spcCol="1270" anchor="ctr" anchorCtr="0">
+          <a:noAutofit/>
+        </a:bodyPr>
+        <a:lstStyle/>
+        <a:p>
+          <a:pPr marL="0" lvl="0" indent="0" algn="l" defTabSz="622300">
+            <a:lnSpc>
+              <a:spcPct val="90000"/>
+            </a:lnSpc>
+            <a:spcBef>
+              <a:spcPct val="0"/>
+            </a:spcBef>
+            <a:spcAft>
+              <a:spcPct val="35000"/>
+            </a:spcAft>
+            <a:buNone/>
+          </a:pPr>
+          <a:r>
+            <a:rPr lang="en-GB" sz="1400" kern="1200" dirty="0"/>
+            <a:t>Support the business</a:t>
+          </a:r>
+          <a:endParaRPr lang="en-US" sz="1400" kern="1200" dirty="0"/>
+        </a:p>
+        <a:p>
+          <a:pPr marL="57150" lvl="1" indent="-57150" algn="l" defTabSz="488950">
+            <a:lnSpc>
+              <a:spcPct val="90000"/>
+            </a:lnSpc>
+            <a:spcBef>
+              <a:spcPct val="0"/>
+            </a:spcBef>
+            <a:spcAft>
+              <a:spcPct val="15000"/>
+            </a:spcAft>
+            <a:buChar char="•"/>
+          </a:pPr>
+          <a:r>
+            <a:rPr lang="en-GB" sz="1100" kern="1200" dirty="0"/>
+            <a:t>Inventory to deliver</a:t>
+          </a:r>
+          <a:endParaRPr lang="en-US" sz="1100" kern="1200" dirty="0"/>
+        </a:p>
+        <a:p>
+          <a:pPr marL="57150" lvl="1" indent="-57150" algn="l" defTabSz="488950">
+            <a:lnSpc>
+              <a:spcPct val="90000"/>
+            </a:lnSpc>
+            <a:spcBef>
+              <a:spcPct val="0"/>
+            </a:spcBef>
+            <a:spcAft>
+              <a:spcPct val="15000"/>
+            </a:spcAft>
+            <a:buChar char="•"/>
+          </a:pPr>
+          <a:r>
+            <a:rPr lang="en-GB" sz="1100" kern="1200" dirty="0"/>
+            <a:t>Record to report</a:t>
+          </a:r>
+          <a:endParaRPr lang="en-US" sz="1100" kern="1200" dirty="0"/>
+        </a:p>
+        <a:p>
+          <a:pPr marL="57150" lvl="1" indent="-57150" algn="l" defTabSz="488950">
+            <a:lnSpc>
+              <a:spcPct val="90000"/>
+            </a:lnSpc>
+            <a:spcBef>
+              <a:spcPct val="0"/>
+            </a:spcBef>
+            <a:spcAft>
+              <a:spcPct val="15000"/>
+            </a:spcAft>
+            <a:buChar char="•"/>
+          </a:pPr>
+          <a:r>
+            <a:rPr lang="en-GB" sz="1100" kern="1200" dirty="0"/>
+            <a:t>Hire to retire</a:t>
+          </a:r>
+          <a:endParaRPr lang="en-US" sz="1100" kern="1200" dirty="0"/>
+        </a:p>
+        <a:p>
+          <a:pPr marL="57150" lvl="1" indent="-57150" algn="l" defTabSz="488950">
+            <a:lnSpc>
+              <a:spcPct val="90000"/>
+            </a:lnSpc>
+            <a:spcBef>
+              <a:spcPct val="0"/>
+            </a:spcBef>
+            <a:spcAft>
+              <a:spcPct val="15000"/>
+            </a:spcAft>
+            <a:buChar char="•"/>
+          </a:pPr>
+          <a:r>
+            <a:rPr lang="en-GB" sz="1100" kern="1200" dirty="0"/>
+            <a:t>Administer to operate</a:t>
+          </a:r>
+          <a:endParaRPr lang="en-US" sz="1100" kern="1200" dirty="0"/>
+        </a:p>
+      </dsp:txBody>
+      <dsp:txXfrm>
+        <a:off x="799136" y="3731402"/>
+        <a:ext cx="1396149" cy="1396149"/>
+      </dsp:txXfrm>
+    </dsp:sp>
+    <dsp:sp modelId="{0CC20377-83F9-4D84-84B0-0A88F9D6FCE6}">
+      <dsp:nvSpPr>
+        <dsp:cNvPr id="0" name=""/>
+        <dsp:cNvSpPr/>
+      </dsp:nvSpPr>
+      <dsp:spPr>
+        <a:xfrm>
+          <a:off x="2780605" y="2342085"/>
+          <a:ext cx="627876" cy="734496"/>
+        </a:xfrm>
+        <a:prstGeom prst="rightArrow">
+          <a:avLst>
+            <a:gd name="adj1" fmla="val 60000"/>
+            <a:gd name="adj2" fmla="val 50000"/>
+          </a:avLst>
+        </a:prstGeom>
+        <a:solidFill>
+          <a:schemeClr val="accent5">
+            <a:tint val="60000"/>
+            <a:hueOff val="0"/>
+            <a:satOff val="0"/>
+            <a:lumOff val="0"/>
+            <a:alphaOff val="0"/>
+          </a:schemeClr>
+        </a:solidFill>
+        <a:ln>
+          <a:noFill/>
+        </a:ln>
+        <a:effectLst/>
+      </dsp:spPr>
+      <dsp:style>
+        <a:lnRef idx="0">
+          <a:scrgbClr r="0" g="0" b="0"/>
+        </a:lnRef>
+        <a:fillRef idx="1">
+          <a:scrgbClr r="0" g="0" b="0"/>
+        </a:fillRef>
+        <a:effectRef idx="1">
+          <a:scrgbClr r="0" g="0" b="0"/>
+        </a:effectRef>
+        <a:fontRef idx="minor">
+          <a:schemeClr val="lt1"/>
+        </a:fontRef>
+      </dsp:style>
+      <dsp:txBody>
+        <a:bodyPr spcFirstLastPara="0" vert="horz" wrap="square" lIns="0" tIns="0" rIns="0" bIns="0" numCol="1" spcCol="1270" anchor="ctr" anchorCtr="0">
+          <a:noAutofit/>
+        </a:bodyPr>
+        <a:lstStyle/>
+        <a:p>
+          <a:pPr marL="0" lvl="0" indent="0" algn="ctr" defTabSz="488950">
+            <a:lnSpc>
+              <a:spcPct val="90000"/>
+            </a:lnSpc>
+            <a:spcBef>
+              <a:spcPct val="0"/>
+            </a:spcBef>
+            <a:spcAft>
+              <a:spcPct val="35000"/>
+            </a:spcAft>
+            <a:buNone/>
+          </a:pPr>
+          <a:endParaRPr lang="en-US" sz="1100" kern="1200"/>
+        </a:p>
+      </dsp:txBody>
+      <dsp:txXfrm>
+        <a:off x="2780605" y="2488984"/>
+        <a:ext cx="439513" cy="440698"/>
+      </dsp:txXfrm>
+    </dsp:sp>
+    <dsp:sp modelId="{090A9751-F138-430C-84C1-6FAE36D3FEFF}">
+      <dsp:nvSpPr>
+        <dsp:cNvPr id="0" name=""/>
+        <dsp:cNvSpPr/>
+      </dsp:nvSpPr>
+      <dsp:spPr>
+        <a:xfrm>
+          <a:off x="3669109" y="734880"/>
+          <a:ext cx="3948906" cy="3948906"/>
+        </a:xfrm>
+        <a:prstGeom prst="ellipse">
+          <a:avLst/>
+        </a:prstGeom>
+        <a:solidFill>
+          <a:schemeClr val="lt1">
+            <a:hueOff val="0"/>
+            <a:satOff val="0"/>
+            <a:lumOff val="0"/>
+            <a:alphaOff val="0"/>
+          </a:schemeClr>
+        </a:solidFill>
+        <a:ln w="19050" cap="flat" cmpd="sng" algn="ctr">
+          <a:solidFill>
+            <a:schemeClr val="accent5">
+              <a:shade val="80000"/>
+              <a:hueOff val="0"/>
+              <a:satOff val="0"/>
+              <a:lumOff val="0"/>
+              <a:alphaOff val="0"/>
+            </a:schemeClr>
+          </a:solidFill>
+          <a:prstDash val="solid"/>
+          <a:miter lim="800000"/>
+        </a:ln>
+        <a:effectLst/>
+      </dsp:spPr>
+      <dsp:style>
+        <a:lnRef idx="3">
+          <a:scrgbClr r="0" g="0" b="0"/>
+        </a:lnRef>
+        <a:fillRef idx="1">
+          <a:scrgbClr r="0" g="0" b="0"/>
+        </a:fillRef>
+        <a:effectRef idx="1">
+          <a:scrgbClr r="0" g="0" b="0"/>
+        </a:effectRef>
+        <a:fontRef idx="minor">
+          <a:schemeClr val="lt1"/>
+        </a:fontRef>
+      </dsp:style>
+      <dsp:txBody>
+        <a:bodyPr spcFirstLastPara="0" vert="horz" wrap="square" lIns="33020" tIns="33020" rIns="33020" bIns="33020" numCol="1" spcCol="1270" anchor="ctr" anchorCtr="0">
+          <a:noAutofit/>
+        </a:bodyPr>
+        <a:lstStyle/>
+        <a:p>
+          <a:pPr marL="0" lvl="0" indent="0" algn="l" defTabSz="1155700">
+            <a:lnSpc>
+              <a:spcPct val="90000"/>
+            </a:lnSpc>
+            <a:spcBef>
+              <a:spcPct val="0"/>
+            </a:spcBef>
+            <a:spcAft>
+              <a:spcPct val="35000"/>
+            </a:spcAft>
+            <a:buNone/>
+          </a:pPr>
+          <a:r>
+            <a:rPr lang="en-GB" sz="2600" kern="1200" dirty="0"/>
+            <a:t>Run the business</a:t>
+          </a:r>
+          <a:endParaRPr lang="en-US" sz="2600" kern="1200" dirty="0"/>
+        </a:p>
+        <a:p>
+          <a:pPr marL="228600" lvl="1" indent="-228600" algn="l" defTabSz="889000">
+            <a:lnSpc>
+              <a:spcPct val="90000"/>
+            </a:lnSpc>
+            <a:spcBef>
+              <a:spcPct val="0"/>
+            </a:spcBef>
+            <a:spcAft>
+              <a:spcPct val="15000"/>
+            </a:spcAft>
+            <a:buChar char="•"/>
+          </a:pPr>
+          <a:r>
+            <a:rPr lang="en-GB" sz="2000" kern="1200" dirty="0"/>
+            <a:t>Prospect to quote</a:t>
+          </a:r>
+          <a:endParaRPr lang="en-US" sz="2000" kern="1200" dirty="0"/>
+        </a:p>
+        <a:p>
+          <a:pPr marL="228600" lvl="1" indent="-228600" algn="l" defTabSz="889000">
+            <a:lnSpc>
+              <a:spcPct val="90000"/>
+            </a:lnSpc>
+            <a:spcBef>
+              <a:spcPct val="0"/>
+            </a:spcBef>
+            <a:spcAft>
+              <a:spcPct val="15000"/>
+            </a:spcAft>
+            <a:buChar char="•"/>
+          </a:pPr>
+          <a:r>
+            <a:rPr lang="en-GB" sz="2000" kern="1200" dirty="0"/>
+            <a:t>Order to cash / Service to cash</a:t>
+          </a:r>
+          <a:endParaRPr lang="en-US" sz="2000" kern="1200" dirty="0"/>
+        </a:p>
+        <a:p>
+          <a:pPr marL="228600" lvl="1" indent="-228600" algn="l" defTabSz="889000">
+            <a:lnSpc>
+              <a:spcPct val="90000"/>
+            </a:lnSpc>
+            <a:spcBef>
+              <a:spcPct val="0"/>
+            </a:spcBef>
+            <a:spcAft>
+              <a:spcPct val="15000"/>
+            </a:spcAft>
+            <a:buChar char="•"/>
+          </a:pPr>
+          <a:r>
+            <a:rPr lang="en-GB" sz="2000" kern="1200" dirty="0"/>
+            <a:t>Plan to produce</a:t>
+          </a:r>
+          <a:endParaRPr lang="en-US" sz="2000" kern="1200" dirty="0"/>
+        </a:p>
+        <a:p>
+          <a:pPr marL="228600" lvl="1" indent="-228600" algn="l" defTabSz="889000">
+            <a:lnSpc>
+              <a:spcPct val="90000"/>
+            </a:lnSpc>
+            <a:spcBef>
+              <a:spcPct val="0"/>
+            </a:spcBef>
+            <a:spcAft>
+              <a:spcPct val="15000"/>
+            </a:spcAft>
+            <a:buChar char="•"/>
+          </a:pPr>
+          <a:r>
+            <a:rPr lang="en-GB" sz="2000" kern="1200" dirty="0"/>
+            <a:t>Procure to pay</a:t>
+          </a:r>
+          <a:endParaRPr lang="en-US" sz="2000" kern="1200" dirty="0"/>
+        </a:p>
+        <a:p>
+          <a:pPr marL="228600" lvl="1" indent="-228600" algn="l" defTabSz="889000">
+            <a:lnSpc>
+              <a:spcPct val="90000"/>
+            </a:lnSpc>
+            <a:spcBef>
+              <a:spcPct val="0"/>
+            </a:spcBef>
+            <a:spcAft>
+              <a:spcPct val="15000"/>
+            </a:spcAft>
+            <a:buChar char="•"/>
+          </a:pPr>
+          <a:r>
+            <a:rPr lang="en-GB" sz="2000" kern="1200" dirty="0"/>
+            <a:t>Project to profit</a:t>
+          </a:r>
+          <a:endParaRPr lang="en-US" sz="2000" kern="1200" dirty="0"/>
+        </a:p>
+        <a:p>
+          <a:pPr marL="228600" lvl="1" indent="-228600" algn="l" defTabSz="889000">
+            <a:lnSpc>
+              <a:spcPct val="90000"/>
+            </a:lnSpc>
+            <a:spcBef>
+              <a:spcPct val="0"/>
+            </a:spcBef>
+            <a:spcAft>
+              <a:spcPct val="15000"/>
+            </a:spcAft>
+            <a:buChar char="•"/>
+          </a:pPr>
+          <a:r>
+            <a:rPr lang="en-GB" sz="2000" kern="1200" dirty="0"/>
+            <a:t>Case to resolution</a:t>
+          </a:r>
+          <a:endParaRPr lang="en-US" sz="2000" kern="1200" dirty="0"/>
+        </a:p>
+      </dsp:txBody>
+      <dsp:txXfrm>
+        <a:off x="4247413" y="1313184"/>
+        <a:ext cx="2792298" cy="2792298"/>
+      </dsp:txXfrm>
+    </dsp:sp>
+  </dsp:spTree>
+</dsp:drawing>
+</file>
+
+<file path=ppt/diagrams/drawing7.xml><?xml version="1.0" encoding="utf-8"?>
 <dsp:drawing xmlns:dgm="http://schemas.openxmlformats.org/drawingml/2006/diagram" xmlns:dsp="http://schemas.microsoft.com/office/drawing/2008/diagram" xmlns:a="http://schemas.openxmlformats.org/drawingml/2006/main">
   <dsp:spTree>
     <dsp:nvGrpSpPr>
@@ -26790,6 +30742,554 @@
 </file>
 
 <file path=ppt/diagrams/layout5.xml><?xml version="1.0" encoding="utf-8"?>
+<dgm:layoutDef xmlns:dgm="http://schemas.openxmlformats.org/drawingml/2006/diagram" xmlns:a="http://schemas.openxmlformats.org/drawingml/2006/main" uniqueId="urn:microsoft.com/office/officeart/2005/8/layout/chevron1">
+  <dgm:title val=""/>
+  <dgm:desc val=""/>
+  <dgm:catLst>
+    <dgm:cat type="process" pri="9000"/>
+  </dgm:catLst>
+  <dgm:sampData useDef="1">
+    <dgm:dataModel>
+      <dgm:ptLst/>
+      <dgm:bg/>
+      <dgm:whole/>
+    </dgm:dataModel>
+  </dgm:sampData>
+  <dgm:styleData>
+    <dgm:dataModel>
+      <dgm:ptLst>
+        <dgm:pt modelId="0" type="doc"/>
+        <dgm:pt modelId="1"/>
+        <dgm:pt modelId="2"/>
+      </dgm:ptLst>
+      <dgm:cxnLst>
+        <dgm:cxn modelId="3" srcId="0" destId="1" srcOrd="0" destOrd="0"/>
+        <dgm:cxn modelId="4" srcId="0" destId="2" srcOrd="1" destOrd="0"/>
+      </dgm:cxnLst>
+      <dgm:bg/>
+      <dgm:whole/>
+    </dgm:dataModel>
+  </dgm:styleData>
+  <dgm:clrData>
+    <dgm:dataModel>
+      <dgm:ptLst>
+        <dgm:pt modelId="0" type="doc"/>
+        <dgm:pt modelId="1"/>
+        <dgm:pt modelId="2"/>
+        <dgm:pt modelId="3"/>
+        <dgm:pt modelId="4"/>
+      </dgm:ptLst>
+      <dgm:cxnLst>
+        <dgm:cxn modelId="5" srcId="0" destId="1" srcOrd="0" destOrd="0"/>
+        <dgm:cxn modelId="6" srcId="0" destId="2" srcOrd="1" destOrd="0"/>
+        <dgm:cxn modelId="7" srcId="0" destId="3" srcOrd="2" destOrd="0"/>
+        <dgm:cxn modelId="8" srcId="0" destId="4" srcOrd="3" destOrd="0"/>
+      </dgm:cxnLst>
+      <dgm:bg/>
+      <dgm:whole/>
+    </dgm:dataModel>
+  </dgm:clrData>
+  <dgm:layoutNode name="Name0">
+    <dgm:varLst>
+      <dgm:dir/>
+      <dgm:animLvl val="lvl"/>
+      <dgm:resizeHandles val="exact"/>
+    </dgm:varLst>
+    <dgm:choose name="Name1">
+      <dgm:if name="Name2" func="var" arg="dir" op="equ" val="norm">
+        <dgm:alg type="lin"/>
+      </dgm:if>
+      <dgm:else name="Name3">
+        <dgm:alg type="lin">
+          <dgm:param type="linDir" val="fromR"/>
+        </dgm:alg>
+      </dgm:else>
+    </dgm:choose>
+    <dgm:shape xmlns:r="http://schemas.openxmlformats.org/officeDocument/2006/relationships" r:blip="">
+      <dgm:adjLst/>
+    </dgm:shape>
+    <dgm:presOf/>
+    <dgm:choose name="Name4">
+      <dgm:if name="Name5" axis="des" func="maxDepth" op="gte" val="2">
+        <dgm:constrLst>
+          <dgm:constr type="h" for="ch" forName="composite" refType="h"/>
+          <dgm:constr type="w" for="ch" forName="composite" refType="w"/>
+          <dgm:constr type="w" for="des" forName="parTx"/>
+          <dgm:constr type="h" for="des" forName="parTx" op="equ"/>
+          <dgm:constr type="w" for="des" forName="desTx"/>
+          <dgm:constr type="h" for="des" forName="desTx" op="equ"/>
+          <dgm:constr type="primFontSz" for="des" forName="parTx" val="65"/>
+          <dgm:constr type="secFontSz" for="des" forName="desTx" refType="primFontSz" refFor="des" refForName="parTx" op="equ"/>
+          <dgm:constr type="h" for="des" forName="parTx" refType="primFontSz" refFor="des" refForName="parTx" fact="1.5"/>
+          <dgm:constr type="h" for="des" forName="desTx" refType="primFontSz" refFor="des" refForName="parTx" fact="0.5"/>
+          <dgm:constr type="w" for="ch" forName="space" op="equ" val="-6"/>
+        </dgm:constrLst>
+        <dgm:ruleLst>
+          <dgm:rule type="w" for="ch" forName="composite" val="0" fact="NaN" max="NaN"/>
+          <dgm:rule type="primFontSz" for="des" forName="parTx" val="5" fact="NaN" max="NaN"/>
+        </dgm:ruleLst>
+        <dgm:forEach name="Name6" axis="ch" ptType="node">
+          <dgm:layoutNode name="composite">
+            <dgm:alg type="composite"/>
+            <dgm:shape xmlns:r="http://schemas.openxmlformats.org/officeDocument/2006/relationships" r:blip="">
+              <dgm:adjLst/>
+            </dgm:shape>
+            <dgm:presOf/>
+            <dgm:choose name="Name7">
+              <dgm:if name="Name8" func="var" arg="dir" op="equ" val="norm">
+                <dgm:constrLst>
+                  <dgm:constr type="l" for="ch" forName="parTx"/>
+                  <dgm:constr type="w" for="ch" forName="parTx" refType="w"/>
+                  <dgm:constr type="t" for="ch" forName="parTx"/>
+                  <dgm:constr type="l" for="ch" forName="desTx"/>
+                  <dgm:constr type="w" for="ch" forName="desTx" refType="w" refFor="ch" refForName="parTx" fact="0.8"/>
+                  <dgm:constr type="t" for="ch" forName="desTx" refType="h" refFor="ch" refForName="parTx" fact="1.125"/>
+                </dgm:constrLst>
+              </dgm:if>
+              <dgm:else name="Name9">
+                <dgm:constrLst>
+                  <dgm:constr type="l" for="ch" forName="parTx"/>
+                  <dgm:constr type="w" for="ch" forName="parTx" refType="w"/>
+                  <dgm:constr type="t" for="ch" forName="parTx"/>
+                  <dgm:constr type="l" for="ch" forName="desTx" refType="w" fact="0.2"/>
+                  <dgm:constr type="w" for="ch" forName="desTx" refType="w" refFor="ch" refForName="parTx" fact="0.8"/>
+                  <dgm:constr type="t" for="ch" forName="desTx" refType="h" refFor="ch" refForName="parTx" fact="1.125"/>
+                </dgm:constrLst>
+              </dgm:else>
+            </dgm:choose>
+            <dgm:ruleLst>
+              <dgm:rule type="h" val="INF" fact="NaN" max="NaN"/>
+            </dgm:ruleLst>
+            <dgm:layoutNode name="parTx">
+              <dgm:varLst>
+                <dgm:chMax val="0"/>
+                <dgm:chPref val="0"/>
+                <dgm:bulletEnabled val="1"/>
+              </dgm:varLst>
+              <dgm:alg type="tx"/>
+              <dgm:choose name="Name10">
+                <dgm:if name="Name11" func="var" arg="dir" op="equ" val="norm">
+                  <dgm:shape xmlns:r="http://schemas.openxmlformats.org/officeDocument/2006/relationships" type="chevron" r:blip="">
+                    <dgm:adjLst/>
+                  </dgm:shape>
+                </dgm:if>
+                <dgm:else name="Name12">
+                  <dgm:shape xmlns:r="http://schemas.openxmlformats.org/officeDocument/2006/relationships" rot="180" type="chevron" r:blip="">
+                    <dgm:adjLst/>
+                  </dgm:shape>
+                </dgm:else>
+              </dgm:choose>
+              <dgm:presOf axis="self" ptType="node"/>
+              <dgm:choose name="Name13">
+                <dgm:if name="Name14" func="var" arg="dir" op="equ" val="norm">
+                  <dgm:constrLst>
+                    <dgm:constr type="h" refType="w" op="lte" fact="0.4"/>
+                    <dgm:constr type="h"/>
+                    <dgm:constr type="tMarg" refType="primFontSz" fact="0.105"/>
+                    <dgm:constr type="bMarg" refType="primFontSz" fact="0.105"/>
+                    <dgm:constr type="lMarg" refType="primFontSz" fact="0.315"/>
+                    <dgm:constr type="rMarg" refType="primFontSz" fact="0.105"/>
+                  </dgm:constrLst>
+                </dgm:if>
+                <dgm:else name="Name15">
+                  <dgm:constrLst>
+                    <dgm:constr type="h" refType="w" op="lte" fact="0.4"/>
+                    <dgm:constr type="h"/>
+                    <dgm:constr type="tMarg" refType="primFontSz" fact="0.105"/>
+                    <dgm:constr type="bMarg" refType="primFontSz" fact="0.105"/>
+                    <dgm:constr type="lMarg" refType="primFontSz" fact="0.105"/>
+                    <dgm:constr type="rMarg" refType="primFontSz" fact="0.315"/>
+                  </dgm:constrLst>
+                </dgm:else>
+              </dgm:choose>
+              <dgm:ruleLst>
+                <dgm:rule type="h" val="INF" fact="NaN" max="NaN"/>
+              </dgm:ruleLst>
+            </dgm:layoutNode>
+            <dgm:layoutNode name="desTx" styleLbl="revTx">
+              <dgm:varLst>
+                <dgm:bulletEnabled val="1"/>
+              </dgm:varLst>
+              <dgm:alg type="tx">
+                <dgm:param type="stBulletLvl" val="1"/>
+              </dgm:alg>
+              <dgm:choose name="Name16">
+                <dgm:if name="Name17" axis="ch" ptType="node" func="cnt" op="gte" val="1">
+                  <dgm:shape xmlns:r="http://schemas.openxmlformats.org/officeDocument/2006/relationships" type="rect" r:blip="">
+                    <dgm:adjLst/>
+                  </dgm:shape>
+                </dgm:if>
+                <dgm:else name="Name18">
+                  <dgm:shape xmlns:r="http://schemas.openxmlformats.org/officeDocument/2006/relationships" type="rect" r:blip="" hideGeom="1">
+                    <dgm:adjLst/>
+                  </dgm:shape>
+                </dgm:else>
+              </dgm:choose>
+              <dgm:presOf axis="des" ptType="node"/>
+              <dgm:constrLst>
+                <dgm:constr type="secFontSz" val="65"/>
+                <dgm:constr type="primFontSz" refType="secFontSz"/>
+                <dgm:constr type="h"/>
+                <dgm:constr type="tMarg"/>
+                <dgm:constr type="bMarg"/>
+                <dgm:constr type="rMarg"/>
+                <dgm:constr type="lMarg"/>
+              </dgm:constrLst>
+              <dgm:ruleLst>
+                <dgm:rule type="h" val="INF" fact="NaN" max="NaN"/>
+              </dgm:ruleLst>
+            </dgm:layoutNode>
+          </dgm:layoutNode>
+          <dgm:forEach name="Name19" axis="followSib" ptType="sibTrans" cnt="1">
+            <dgm:layoutNode name="space">
+              <dgm:alg type="sp"/>
+              <dgm:shape xmlns:r="http://schemas.openxmlformats.org/officeDocument/2006/relationships" r:blip="">
+                <dgm:adjLst/>
+              </dgm:shape>
+              <dgm:presOf/>
+              <dgm:constrLst/>
+              <dgm:ruleLst/>
+            </dgm:layoutNode>
+          </dgm:forEach>
+        </dgm:forEach>
+      </dgm:if>
+      <dgm:else name="Name20">
+        <dgm:constrLst>
+          <dgm:constr type="w" for="ch" forName="parTxOnly" refType="w"/>
+          <dgm:constr type="h" for="des" forName="parTxOnly" op="equ"/>
+          <dgm:constr type="primFontSz" for="des" forName="parTxOnly" op="equ" val="65"/>
+          <dgm:constr type="w" for="ch" forName="parTxOnlySpace" refType="w" refFor="ch" refForName="parTxOnly" fact="-0.1"/>
+        </dgm:constrLst>
+        <dgm:ruleLst/>
+        <dgm:forEach name="Name21" axis="ch" ptType="node">
+          <dgm:layoutNode name="parTxOnly">
+            <dgm:varLst>
+              <dgm:chMax val="0"/>
+              <dgm:chPref val="0"/>
+              <dgm:bulletEnabled val="1"/>
+            </dgm:varLst>
+            <dgm:alg type="tx"/>
+            <dgm:choose name="Name22">
+              <dgm:if name="Name23" func="var" arg="dir" op="equ" val="norm">
+                <dgm:shape xmlns:r="http://schemas.openxmlformats.org/officeDocument/2006/relationships" type="chevron" r:blip="">
+                  <dgm:adjLst/>
+                </dgm:shape>
+              </dgm:if>
+              <dgm:else name="Name24">
+                <dgm:shape xmlns:r="http://schemas.openxmlformats.org/officeDocument/2006/relationships" rot="180" type="chevron" r:blip="">
+                  <dgm:adjLst/>
+                </dgm:shape>
+              </dgm:else>
+            </dgm:choose>
+            <dgm:presOf axis="self" ptType="node"/>
+            <dgm:choose name="Name25">
+              <dgm:if name="Name26" func="var" arg="dir" op="equ" val="norm">
+                <dgm:constrLst>
+                  <dgm:constr type="h" refType="w" op="equ" fact="0.4"/>
+                  <dgm:constr type="tMarg" refType="primFontSz" fact="0.105"/>
+                  <dgm:constr type="bMarg" refType="primFontSz" fact="0.105"/>
+                  <dgm:constr type="lMarg" refType="primFontSz" fact="0.315"/>
+                  <dgm:constr type="rMarg" refType="primFontSz" fact="0.105"/>
+                </dgm:constrLst>
+              </dgm:if>
+              <dgm:else name="Name27">
+                <dgm:constrLst>
+                  <dgm:constr type="h" refType="w" op="equ" fact="0.4"/>
+                  <dgm:constr type="tMarg" refType="primFontSz" fact="0.105"/>
+                  <dgm:constr type="bMarg" refType="primFontSz" fact="0.105"/>
+                  <dgm:constr type="lMarg" refType="primFontSz" fact="0.105"/>
+                  <dgm:constr type="rMarg" refType="primFontSz" fact="0.315"/>
+                </dgm:constrLst>
+              </dgm:else>
+            </dgm:choose>
+            <dgm:ruleLst>
+              <dgm:rule type="primFontSz" val="5" fact="NaN" max="NaN"/>
+            </dgm:ruleLst>
+          </dgm:layoutNode>
+          <dgm:forEach name="Name28" axis="followSib" ptType="sibTrans" cnt="1">
+            <dgm:layoutNode name="parTxOnlySpace">
+              <dgm:alg type="sp"/>
+              <dgm:shape xmlns:r="http://schemas.openxmlformats.org/officeDocument/2006/relationships" r:blip="">
+                <dgm:adjLst/>
+              </dgm:shape>
+              <dgm:presOf/>
+              <dgm:constrLst/>
+              <dgm:ruleLst/>
+            </dgm:layoutNode>
+          </dgm:forEach>
+        </dgm:forEach>
+      </dgm:else>
+    </dgm:choose>
+  </dgm:layoutNode>
+</dgm:layoutDef>
+</file>
+
+<file path=ppt/diagrams/layout6.xml><?xml version="1.0" encoding="utf-8"?>
+<dgm:layoutDef xmlns:dgm="http://schemas.openxmlformats.org/drawingml/2006/diagram" xmlns:a="http://schemas.openxmlformats.org/drawingml/2006/main" uniqueId="urn:microsoft.com/office/officeart/2005/8/layout/equation2">
+  <dgm:title val=""/>
+  <dgm:desc val=""/>
+  <dgm:catLst>
+    <dgm:cat type="relationship" pri="18000"/>
+    <dgm:cat type="process" pri="26000"/>
+  </dgm:catLst>
+  <dgm:sampData useDef="1">
+    <dgm:dataModel>
+      <dgm:ptLst/>
+      <dgm:bg/>
+      <dgm:whole/>
+    </dgm:dataModel>
+  </dgm:sampData>
+  <dgm:styleData>
+    <dgm:dataModel>
+      <dgm:ptLst>
+        <dgm:pt modelId="0" type="doc"/>
+        <dgm:pt modelId="1"/>
+        <dgm:pt modelId="2"/>
+      </dgm:ptLst>
+      <dgm:cxnLst>
+        <dgm:cxn modelId="3" srcId="0" destId="1" srcOrd="0" destOrd="0"/>
+        <dgm:cxn modelId="4" srcId="0" destId="2" srcOrd="1" destOrd="0"/>
+      </dgm:cxnLst>
+      <dgm:bg/>
+      <dgm:whole/>
+    </dgm:dataModel>
+  </dgm:styleData>
+  <dgm:clrData>
+    <dgm:dataModel>
+      <dgm:ptLst>
+        <dgm:pt modelId="0" type="doc"/>
+        <dgm:pt modelId="1"/>
+        <dgm:pt modelId="2"/>
+        <dgm:pt modelId="3"/>
+        <dgm:pt modelId="4"/>
+      </dgm:ptLst>
+      <dgm:cxnLst>
+        <dgm:cxn modelId="5" srcId="0" destId="1" srcOrd="0" destOrd="0"/>
+        <dgm:cxn modelId="6" srcId="0" destId="2" srcOrd="1" destOrd="0"/>
+        <dgm:cxn modelId="7" srcId="0" destId="3" srcOrd="2" destOrd="0"/>
+        <dgm:cxn modelId="8" srcId="0" destId="4" srcOrd="3" destOrd="0"/>
+      </dgm:cxnLst>
+      <dgm:bg/>
+      <dgm:whole/>
+    </dgm:dataModel>
+  </dgm:clrData>
+  <dgm:layoutNode name="Name0">
+    <dgm:varLst>
+      <dgm:dir/>
+      <dgm:resizeHandles val="exact"/>
+    </dgm:varLst>
+    <dgm:choose name="Name1">
+      <dgm:if name="Name2" func="var" arg="dir" op="equ" val="norm">
+        <dgm:alg type="lin">
+          <dgm:param type="linDir" val="fromL"/>
+          <dgm:param type="fallback" val="2D"/>
+        </dgm:alg>
+      </dgm:if>
+      <dgm:else name="Name3">
+        <dgm:alg type="lin">
+          <dgm:param type="linDir" val="fromR"/>
+          <dgm:param type="fallback" val="2D"/>
+        </dgm:alg>
+      </dgm:else>
+    </dgm:choose>
+    <dgm:shape xmlns:r="http://schemas.openxmlformats.org/officeDocument/2006/relationships" r:blip="">
+      <dgm:adjLst/>
+    </dgm:shape>
+    <dgm:presOf/>
+    <dgm:choose name="Name4">
+      <dgm:if name="Name5" axis="ch" ptType="node" func="cnt" op="gte" val="3">
+        <dgm:constrLst>
+          <dgm:constr type="h" for="des" forName="node" refType="w" fact="0.5"/>
+          <dgm:constr type="w" for="ch" forName="lastNode" refType="w"/>
+          <dgm:constr type="w" for="des" forName="node" refType="h" refFor="des" refForName="node"/>
+          <dgm:constr type="w" for="ch" forName="sibTransLast" refType="h" refFor="des" refForName="node" fact="0.6"/>
+          <dgm:constr type="h" for="des" forName="sibTrans" refType="h" refFor="des" refForName="node" op="equ" fact="0.58"/>
+          <dgm:constr type="w" for="des" forName="sibTrans" refType="h" refFor="des" refForName="sibTrans" op="equ"/>
+          <dgm:constr type="primFontSz" for="ch" forName="lastNode" op="equ" val="65"/>
+          <dgm:constr type="primFontSz" for="des" forName="node" op="equ" val="65"/>
+          <dgm:constr type="primFontSz" for="des" forName="sibTrans" val="55"/>
+          <dgm:constr type="primFontSz" for="des" forName="sibTrans" refType="primFontSz" refFor="des" refForName="node" op="lte" fact="0.8"/>
+          <dgm:constr type="primFontSz" for="des" forName="connectorText" refType="primFontSz" refFor="des" refForName="node" op="lte" fact="0.8"/>
+          <dgm:constr type="primFontSz" for="des" forName="connectorText" refType="primFontSz" refFor="des" refForName="sibTrans" op="equ"/>
+          <dgm:constr type="h" for="des" forName="spacerT" refType="h" refFor="des" refForName="sibTrans" fact="0.14"/>
+          <dgm:constr type="h" for="des" forName="spacerB" refType="h" refFor="des" refForName="sibTrans" fact="0.14"/>
+        </dgm:constrLst>
+      </dgm:if>
+      <dgm:else name="Name6">
+        <dgm:constrLst>
+          <dgm:constr type="h" for="des" forName="node" refType="w"/>
+          <dgm:constr type="w" for="ch" forName="lastNode" refType="w"/>
+          <dgm:constr type="w" for="des" forName="node" refType="h" refFor="des" refForName="node"/>
+          <dgm:constr type="w" for="ch" forName="sibTransLast" refType="h" refFor="des" refForName="node" fact="0.6"/>
+          <dgm:constr type="h" for="des" forName="sibTrans" refType="h" refFor="des" refForName="node" op="equ" fact="0.58"/>
+          <dgm:constr type="w" for="des" forName="sibTrans" refType="h" refFor="des" refForName="sibTrans" op="equ"/>
+          <dgm:constr type="primFontSz" for="des" forName="node" val="65"/>
+          <dgm:constr type="primFontSz" for="ch" forName="lastNode" refType="primFontSz" refFor="des" refForName="node" op="equ"/>
+          <dgm:constr type="primFontSz" for="des" forName="sibTrans" val="55"/>
+          <dgm:constr type="primFontSz" for="des" forName="connectorText" refType="primFontSz" refFor="des" refForName="node" op="lte" fact="0.8"/>
+          <dgm:constr type="primFontSz" for="des" forName="connectorText" refType="primFontSz" refFor="des" refForName="sibTrans" op="equ"/>
+          <dgm:constr type="h" for="des" forName="spacerT" refType="h" refFor="des" refForName="sibTrans" fact="0.14"/>
+          <dgm:constr type="h" for="des" forName="spacerB" refType="h" refFor="des" refForName="sibTrans" fact="0.14"/>
+        </dgm:constrLst>
+      </dgm:else>
+    </dgm:choose>
+    <dgm:ruleLst/>
+    <dgm:choose name="Name7">
+      <dgm:if name="Name8" axis="ch" ptType="node" func="cnt" op="gte" val="1">
+        <dgm:layoutNode name="vNodes">
+          <dgm:alg type="lin">
+            <dgm:param type="linDir" val="fromT"/>
+            <dgm:param type="fallback" val="2D"/>
+          </dgm:alg>
+          <dgm:shape xmlns:r="http://schemas.openxmlformats.org/officeDocument/2006/relationships" r:blip="">
+            <dgm:adjLst/>
+          </dgm:shape>
+          <dgm:presOf/>
+          <dgm:constrLst/>
+          <dgm:ruleLst/>
+          <dgm:forEach name="Name9" axis="ch" ptType="node">
+            <dgm:choose name="Name10">
+              <dgm:if name="Name11" axis="self" func="revPos" op="neq" val="1">
+                <dgm:layoutNode name="node">
+                  <dgm:varLst>
+                    <dgm:bulletEnabled val="1"/>
+                  </dgm:varLst>
+                  <dgm:alg type="tx">
+                    <dgm:param type="txAnchorVertCh" val="mid"/>
+                  </dgm:alg>
+                  <dgm:shape xmlns:r="http://schemas.openxmlformats.org/officeDocument/2006/relationships" type="ellipse" r:blip="">
+                    <dgm:adjLst/>
+                  </dgm:shape>
+                  <dgm:presOf axis="desOrSelf" ptType="node"/>
+                  <dgm:constrLst>
+                    <dgm:constr type="tMarg" refType="primFontSz" fact="0.1"/>
+                    <dgm:constr type="bMarg" refType="primFontSz" fact="0.1"/>
+                    <dgm:constr type="lMarg" refType="primFontSz" fact="0.1"/>
+                    <dgm:constr type="rMarg" refType="primFontSz" fact="0.1"/>
+                  </dgm:constrLst>
+                  <dgm:ruleLst>
+                    <dgm:rule type="primFontSz" val="5" fact="NaN" max="NaN"/>
+                  </dgm:ruleLst>
+                </dgm:layoutNode>
+                <dgm:choose name="Name12">
+                  <dgm:if name="Name13" axis="self" ptType="node" func="revPos" op="gt" val="2">
+                    <dgm:forEach name="sibTransForEach" axis="followSib" ptType="sibTrans" cnt="1">
+                      <dgm:layoutNode name="spacerT">
+                        <dgm:alg type="sp"/>
+                        <dgm:shape xmlns:r="http://schemas.openxmlformats.org/officeDocument/2006/relationships" r:blip="">
+                          <dgm:adjLst/>
+                        </dgm:shape>
+                        <dgm:presOf axis="self"/>
+                        <dgm:constrLst/>
+                        <dgm:ruleLst/>
+                      </dgm:layoutNode>
+                      <dgm:layoutNode name="sibTrans">
+                        <dgm:alg type="tx"/>
+                        <dgm:shape xmlns:r="http://schemas.openxmlformats.org/officeDocument/2006/relationships" type="mathPlus" r:blip="">
+                          <dgm:adjLst/>
+                        </dgm:shape>
+                        <dgm:presOf axis="self"/>
+                        <dgm:constrLst>
+                          <dgm:constr type="h" refType="w"/>
+                          <dgm:constr type="lMarg"/>
+                          <dgm:constr type="rMarg"/>
+                          <dgm:constr type="tMarg"/>
+                          <dgm:constr type="bMarg"/>
+                        </dgm:constrLst>
+                        <dgm:ruleLst>
+                          <dgm:rule type="primFontSz" val="5" fact="NaN" max="NaN"/>
+                        </dgm:ruleLst>
+                      </dgm:layoutNode>
+                      <dgm:layoutNode name="spacerB">
+                        <dgm:alg type="sp"/>
+                        <dgm:shape xmlns:r="http://schemas.openxmlformats.org/officeDocument/2006/relationships" r:blip="">
+                          <dgm:adjLst/>
+                        </dgm:shape>
+                        <dgm:presOf axis="self"/>
+                        <dgm:constrLst/>
+                        <dgm:ruleLst/>
+                      </dgm:layoutNode>
+                    </dgm:forEach>
+                  </dgm:if>
+                  <dgm:else name="Name14"/>
+                </dgm:choose>
+              </dgm:if>
+              <dgm:else name="Name15"/>
+            </dgm:choose>
+          </dgm:forEach>
+        </dgm:layoutNode>
+        <dgm:choose name="Name16">
+          <dgm:if name="Name17" axis="ch" ptType="node" func="cnt" op="gt" val="1">
+            <dgm:layoutNode name="sibTransLast">
+              <dgm:alg type="conn">
+                <dgm:param type="begPts" val="auto"/>
+                <dgm:param type="endPts" val="auto"/>
+                <dgm:param type="srcNode" val="vNodes"/>
+                <dgm:param type="dstNode" val="lastNode"/>
+              </dgm:alg>
+              <dgm:shape xmlns:r="http://schemas.openxmlformats.org/officeDocument/2006/relationships" type="conn" r:blip="">
+                <dgm:adjLst/>
+              </dgm:shape>
+              <dgm:presOf axis="ch" ptType="sibTrans" st="-1" cnt="1"/>
+              <dgm:constrLst>
+                <dgm:constr type="h" refType="w" fact="0.62"/>
+                <dgm:constr type="connDist"/>
+                <dgm:constr type="begPad" refType="connDist" fact="0.25"/>
+                <dgm:constr type="endPad" refType="connDist" fact="0.22"/>
+              </dgm:constrLst>
+              <dgm:ruleLst/>
+              <dgm:layoutNode name="connectorText">
+                <dgm:alg type="tx">
+                  <dgm:param type="autoTxRot" val="grav"/>
+                </dgm:alg>
+                <dgm:shape xmlns:r="http://schemas.openxmlformats.org/officeDocument/2006/relationships" type="conn" r:blip="" hideGeom="1">
+                  <dgm:adjLst/>
+                </dgm:shape>
+                <dgm:presOf axis="ch desOrSelf" ptType="sibTrans sibTrans" st="-1 1" cnt="1 0"/>
+                <dgm:constrLst>
+                  <dgm:constr type="lMarg"/>
+                  <dgm:constr type="rMarg"/>
+                  <dgm:constr type="tMarg"/>
+                  <dgm:constr type="bMarg"/>
+                </dgm:constrLst>
+                <dgm:ruleLst>
+                  <dgm:rule type="primFontSz" val="5" fact="NaN" max="NaN"/>
+                </dgm:ruleLst>
+              </dgm:layoutNode>
+            </dgm:layoutNode>
+          </dgm:if>
+          <dgm:else name="Name18"/>
+        </dgm:choose>
+        <dgm:layoutNode name="lastNode">
+          <dgm:varLst>
+            <dgm:bulletEnabled val="1"/>
+          </dgm:varLst>
+          <dgm:alg type="tx">
+            <dgm:param type="txAnchorVertCh" val="mid"/>
+          </dgm:alg>
+          <dgm:shape xmlns:r="http://schemas.openxmlformats.org/officeDocument/2006/relationships" type="ellipse" r:blip="">
+            <dgm:adjLst/>
+          </dgm:shape>
+          <dgm:presOf axis="ch desOrSelf" ptType="node node" st="-1 1" cnt="1 0"/>
+          <dgm:constrLst>
+            <dgm:constr type="h" refType="w"/>
+            <dgm:constr type="tMarg" refType="primFontSz" fact="0.1"/>
+            <dgm:constr type="bMarg" refType="primFontSz" fact="0.1"/>
+            <dgm:constr type="lMarg" refType="primFontSz" fact="0.1"/>
+            <dgm:constr type="rMarg" refType="primFontSz" fact="0.1"/>
+          </dgm:constrLst>
+          <dgm:ruleLst>
+            <dgm:rule type="primFontSz" val="5" fact="NaN" max="NaN"/>
+          </dgm:ruleLst>
+        </dgm:layoutNode>
+      </dgm:if>
+      <dgm:else name="Name19"/>
+    </dgm:choose>
+  </dgm:layoutNode>
+</dgm:layoutDef>
+</file>
+
+<file path=ppt/diagrams/layout7.xml><?xml version="1.0" encoding="utf-8"?>
 <dgm:layoutDef xmlns:dgm="http://schemas.openxmlformats.org/drawingml/2006/diagram" xmlns:a="http://schemas.openxmlformats.org/drawingml/2006/main" uniqueId="urn:microsoft.com/office/officeart/2005/8/layout/orgChart1">
   <dgm:title val=""/>
   <dgm:desc val=""/>
@@ -32150,6 +36650,2074 @@
 </file>
 
 <file path=ppt/diagrams/quickStyle5.xml><?xml version="1.0" encoding="utf-8"?>
+<dgm:styleDef xmlns:dgm="http://schemas.openxmlformats.org/drawingml/2006/diagram" xmlns:a="http://schemas.openxmlformats.org/drawingml/2006/main" uniqueId="urn:microsoft.com/office/officeart/2005/8/quickstyle/simple1">
+  <dgm:title val=""/>
+  <dgm:desc val=""/>
+  <dgm:catLst>
+    <dgm:cat type="simple" pri="10100"/>
+  </dgm:catLst>
+  <dgm:scene3d>
+    <a:camera prst="orthographicFront"/>
+    <a:lightRig rig="threePt" dir="t"/>
+  </dgm:scene3d>
+  <dgm:styleLbl name="node0">
+    <dgm:scene3d>
+      <a:camera prst="orthographicFront"/>
+      <a:lightRig rig="threePt" dir="t"/>
+    </dgm:scene3d>
+    <dgm:sp3d/>
+    <dgm:txPr/>
+    <dgm:style>
+      <a:lnRef idx="2">
+        <a:scrgbClr r="0" g="0" b="0"/>
+      </a:lnRef>
+      <a:fillRef idx="1">
+        <a:scrgbClr r="0" g="0" b="0"/>
+      </a:fillRef>
+      <a:effectRef idx="0">
+        <a:scrgbClr r="0" g="0" b="0"/>
+      </a:effectRef>
+      <a:fontRef idx="minor">
+        <a:schemeClr val="lt1"/>
+      </a:fontRef>
+    </dgm:style>
+  </dgm:styleLbl>
+  <dgm:styleLbl name="lnNode1">
+    <dgm:scene3d>
+      <a:camera prst="orthographicFront"/>
+      <a:lightRig rig="threePt" dir="t"/>
+    </dgm:scene3d>
+    <dgm:sp3d/>
+    <dgm:txPr/>
+    <dgm:style>
+      <a:lnRef idx="2">
+        <a:scrgbClr r="0" g="0" b="0"/>
+      </a:lnRef>
+      <a:fillRef idx="1">
+        <a:scrgbClr r="0" g="0" b="0"/>
+      </a:fillRef>
+      <a:effectRef idx="0">
+        <a:scrgbClr r="0" g="0" b="0"/>
+      </a:effectRef>
+      <a:fontRef idx="minor">
+        <a:schemeClr val="lt1"/>
+      </a:fontRef>
+    </dgm:style>
+  </dgm:styleLbl>
+  <dgm:styleLbl name="vennNode1">
+    <dgm:scene3d>
+      <a:camera prst="orthographicFront"/>
+      <a:lightRig rig="threePt" dir="t"/>
+    </dgm:scene3d>
+    <dgm:sp3d/>
+    <dgm:txPr/>
+    <dgm:style>
+      <a:lnRef idx="2">
+        <a:scrgbClr r="0" g="0" b="0"/>
+      </a:lnRef>
+      <a:fillRef idx="1">
+        <a:scrgbClr r="0" g="0" b="0"/>
+      </a:fillRef>
+      <a:effectRef idx="0">
+        <a:scrgbClr r="0" g="0" b="0"/>
+      </a:effectRef>
+      <a:fontRef idx="minor">
+        <a:schemeClr val="tx1"/>
+      </a:fontRef>
+    </dgm:style>
+  </dgm:styleLbl>
+  <dgm:styleLbl name="alignNode1">
+    <dgm:scene3d>
+      <a:camera prst="orthographicFront"/>
+      <a:lightRig rig="threePt" dir="t"/>
+    </dgm:scene3d>
+    <dgm:sp3d/>
+    <dgm:txPr/>
+    <dgm:style>
+      <a:lnRef idx="2">
+        <a:scrgbClr r="0" g="0" b="0"/>
+      </a:lnRef>
+      <a:fillRef idx="1">
+        <a:scrgbClr r="0" g="0" b="0"/>
+      </a:fillRef>
+      <a:effectRef idx="0">
+        <a:scrgbClr r="0" g="0" b="0"/>
+      </a:effectRef>
+      <a:fontRef idx="minor">
+        <a:schemeClr val="lt1"/>
+      </a:fontRef>
+    </dgm:style>
+  </dgm:styleLbl>
+  <dgm:styleLbl name="node1">
+    <dgm:scene3d>
+      <a:camera prst="orthographicFront"/>
+      <a:lightRig rig="threePt" dir="t"/>
+    </dgm:scene3d>
+    <dgm:sp3d/>
+    <dgm:txPr/>
+    <dgm:style>
+      <a:lnRef idx="2">
+        <a:scrgbClr r="0" g="0" b="0"/>
+      </a:lnRef>
+      <a:fillRef idx="1">
+        <a:scrgbClr r="0" g="0" b="0"/>
+      </a:fillRef>
+      <a:effectRef idx="0">
+        <a:scrgbClr r="0" g="0" b="0"/>
+      </a:effectRef>
+      <a:fontRef idx="minor">
+        <a:schemeClr val="lt1"/>
+      </a:fontRef>
+    </dgm:style>
+  </dgm:styleLbl>
+  <dgm:styleLbl name="node2">
+    <dgm:scene3d>
+      <a:camera prst="orthographicFront"/>
+      <a:lightRig rig="threePt" dir="t"/>
+    </dgm:scene3d>
+    <dgm:sp3d/>
+    <dgm:txPr/>
+    <dgm:style>
+      <a:lnRef idx="2">
+        <a:scrgbClr r="0" g="0" b="0"/>
+      </a:lnRef>
+      <a:fillRef idx="1">
+        <a:scrgbClr r="0" g="0" b="0"/>
+      </a:fillRef>
+      <a:effectRef idx="0">
+        <a:scrgbClr r="0" g="0" b="0"/>
+      </a:effectRef>
+      <a:fontRef idx="minor">
+        <a:schemeClr val="lt1"/>
+      </a:fontRef>
+    </dgm:style>
+  </dgm:styleLbl>
+  <dgm:styleLbl name="node3">
+    <dgm:scene3d>
+      <a:camera prst="orthographicFront"/>
+      <a:lightRig rig="threePt" dir="t"/>
+    </dgm:scene3d>
+    <dgm:sp3d/>
+    <dgm:txPr/>
+    <dgm:style>
+      <a:lnRef idx="2">
+        <a:scrgbClr r="0" g="0" b="0"/>
+      </a:lnRef>
+      <a:fillRef idx="1">
+        <a:scrgbClr r="0" g="0" b="0"/>
+      </a:fillRef>
+      <a:effectRef idx="0">
+        <a:scrgbClr r="0" g="0" b="0"/>
+      </a:effectRef>
+      <a:fontRef idx="minor">
+        <a:schemeClr val="lt1"/>
+      </a:fontRef>
+    </dgm:style>
+  </dgm:styleLbl>
+  <dgm:styleLbl name="node4">
+    <dgm:scene3d>
+      <a:camera prst="orthographicFront"/>
+      <a:lightRig rig="threePt" dir="t"/>
+    </dgm:scene3d>
+    <dgm:sp3d/>
+    <dgm:txPr/>
+    <dgm:style>
+      <a:lnRef idx="2">
+        <a:scrgbClr r="0" g="0" b="0"/>
+      </a:lnRef>
+      <a:fillRef idx="1">
+        <a:scrgbClr r="0" g="0" b="0"/>
+      </a:fillRef>
+      <a:effectRef idx="0">
+        <a:scrgbClr r="0" g="0" b="0"/>
+      </a:effectRef>
+      <a:fontRef idx="minor">
+        <a:schemeClr val="lt1"/>
+      </a:fontRef>
+    </dgm:style>
+  </dgm:styleLbl>
+  <dgm:styleLbl name="fgImgPlace1">
+    <dgm:scene3d>
+      <a:camera prst="orthographicFront"/>
+      <a:lightRig rig="threePt" dir="t"/>
+    </dgm:scene3d>
+    <dgm:sp3d/>
+    <dgm:txPr/>
+    <dgm:style>
+      <a:lnRef idx="2">
+        <a:scrgbClr r="0" g="0" b="0"/>
+      </a:lnRef>
+      <a:fillRef idx="1">
+        <a:scrgbClr r="0" g="0" b="0"/>
+      </a:fillRef>
+      <a:effectRef idx="0">
+        <a:scrgbClr r="0" g="0" b="0"/>
+      </a:effectRef>
+      <a:fontRef idx="minor"/>
+    </dgm:style>
+  </dgm:styleLbl>
+  <dgm:styleLbl name="alignImgPlace1">
+    <dgm:scene3d>
+      <a:camera prst="orthographicFront"/>
+      <a:lightRig rig="threePt" dir="t"/>
+    </dgm:scene3d>
+    <dgm:sp3d/>
+    <dgm:txPr/>
+    <dgm:style>
+      <a:lnRef idx="2">
+        <a:scrgbClr r="0" g="0" b="0"/>
+      </a:lnRef>
+      <a:fillRef idx="1">
+        <a:scrgbClr r="0" g="0" b="0"/>
+      </a:fillRef>
+      <a:effectRef idx="0">
+        <a:scrgbClr r="0" g="0" b="0"/>
+      </a:effectRef>
+      <a:fontRef idx="minor"/>
+    </dgm:style>
+  </dgm:styleLbl>
+  <dgm:styleLbl name="bgImgPlace1">
+    <dgm:scene3d>
+      <a:camera prst="orthographicFront"/>
+      <a:lightRig rig="threePt" dir="t"/>
+    </dgm:scene3d>
+    <dgm:sp3d/>
+    <dgm:txPr/>
+    <dgm:style>
+      <a:lnRef idx="2">
+        <a:scrgbClr r="0" g="0" b="0"/>
+      </a:lnRef>
+      <a:fillRef idx="1">
+        <a:scrgbClr r="0" g="0" b="0"/>
+      </a:fillRef>
+      <a:effectRef idx="0">
+        <a:scrgbClr r="0" g="0" b="0"/>
+      </a:effectRef>
+      <a:fontRef idx="minor"/>
+    </dgm:style>
+  </dgm:styleLbl>
+  <dgm:styleLbl name="sibTrans2D1">
+    <dgm:scene3d>
+      <a:camera prst="orthographicFront"/>
+      <a:lightRig rig="threePt" dir="t"/>
+    </dgm:scene3d>
+    <dgm:sp3d/>
+    <dgm:txPr/>
+    <dgm:style>
+      <a:lnRef idx="0">
+        <a:scrgbClr r="0" g="0" b="0"/>
+      </a:lnRef>
+      <a:fillRef idx="1">
+        <a:scrgbClr r="0" g="0" b="0"/>
+      </a:fillRef>
+      <a:effectRef idx="0">
+        <a:scrgbClr r="0" g="0" b="0"/>
+      </a:effectRef>
+      <a:fontRef idx="minor">
+        <a:schemeClr val="lt1"/>
+      </a:fontRef>
+    </dgm:style>
+  </dgm:styleLbl>
+  <dgm:styleLbl name="fgSibTrans2D1">
+    <dgm:scene3d>
+      <a:camera prst="orthographicFront"/>
+      <a:lightRig rig="threePt" dir="t"/>
+    </dgm:scene3d>
+    <dgm:sp3d/>
+    <dgm:txPr/>
+    <dgm:style>
+      <a:lnRef idx="0">
+        <a:scrgbClr r="0" g="0" b="0"/>
+      </a:lnRef>
+      <a:fillRef idx="1">
+        <a:scrgbClr r="0" g="0" b="0"/>
+      </a:fillRef>
+      <a:effectRef idx="0">
+        <a:scrgbClr r="0" g="0" b="0"/>
+      </a:effectRef>
+      <a:fontRef idx="minor">
+        <a:schemeClr val="lt1"/>
+      </a:fontRef>
+    </dgm:style>
+  </dgm:styleLbl>
+  <dgm:styleLbl name="bgSibTrans2D1">
+    <dgm:scene3d>
+      <a:camera prst="orthographicFront"/>
+      <a:lightRig rig="threePt" dir="t"/>
+    </dgm:scene3d>
+    <dgm:sp3d/>
+    <dgm:txPr/>
+    <dgm:style>
+      <a:lnRef idx="0">
+        <a:scrgbClr r="0" g="0" b="0"/>
+      </a:lnRef>
+      <a:fillRef idx="1">
+        <a:scrgbClr r="0" g="0" b="0"/>
+      </a:fillRef>
+      <a:effectRef idx="0">
+        <a:scrgbClr r="0" g="0" b="0"/>
+      </a:effectRef>
+      <a:fontRef idx="minor">
+        <a:schemeClr val="lt1"/>
+      </a:fontRef>
+    </dgm:style>
+  </dgm:styleLbl>
+  <dgm:styleLbl name="sibTrans1D1">
+    <dgm:scene3d>
+      <a:camera prst="orthographicFront"/>
+      <a:lightRig rig="threePt" dir="t"/>
+    </dgm:scene3d>
+    <dgm:sp3d/>
+    <dgm:txPr/>
+    <dgm:style>
+      <a:lnRef idx="1">
+        <a:scrgbClr r="0" g="0" b="0"/>
+      </a:lnRef>
+      <a:fillRef idx="0">
+        <a:scrgbClr r="0" g="0" b="0"/>
+      </a:fillRef>
+      <a:effectRef idx="0">
+        <a:scrgbClr r="0" g="0" b="0"/>
+      </a:effectRef>
+      <a:fontRef idx="minor"/>
+    </dgm:style>
+  </dgm:styleLbl>
+  <dgm:styleLbl name="callout">
+    <dgm:scene3d>
+      <a:camera prst="orthographicFront"/>
+      <a:lightRig rig="threePt" dir="t"/>
+    </dgm:scene3d>
+    <dgm:sp3d/>
+    <dgm:txPr/>
+    <dgm:style>
+      <a:lnRef idx="2">
+        <a:scrgbClr r="0" g="0" b="0"/>
+      </a:lnRef>
+      <a:fillRef idx="1">
+        <a:scrgbClr r="0" g="0" b="0"/>
+      </a:fillRef>
+      <a:effectRef idx="0">
+        <a:scrgbClr r="0" g="0" b="0"/>
+      </a:effectRef>
+      <a:fontRef idx="minor"/>
+    </dgm:style>
+  </dgm:styleLbl>
+  <dgm:styleLbl name="asst0">
+    <dgm:scene3d>
+      <a:camera prst="orthographicFront"/>
+      <a:lightRig rig="threePt" dir="t"/>
+    </dgm:scene3d>
+    <dgm:sp3d/>
+    <dgm:txPr/>
+    <dgm:style>
+      <a:lnRef idx="2">
+        <a:scrgbClr r="0" g="0" b="0"/>
+      </a:lnRef>
+      <a:fillRef idx="1">
+        <a:scrgbClr r="0" g="0" b="0"/>
+      </a:fillRef>
+      <a:effectRef idx="0">
+        <a:scrgbClr r="0" g="0" b="0"/>
+      </a:effectRef>
+      <a:fontRef idx="minor">
+        <a:schemeClr val="lt1"/>
+      </a:fontRef>
+    </dgm:style>
+  </dgm:styleLbl>
+  <dgm:styleLbl name="asst1">
+    <dgm:scene3d>
+      <a:camera prst="orthographicFront"/>
+      <a:lightRig rig="threePt" dir="t"/>
+    </dgm:scene3d>
+    <dgm:sp3d/>
+    <dgm:txPr/>
+    <dgm:style>
+      <a:lnRef idx="2">
+        <a:scrgbClr r="0" g="0" b="0"/>
+      </a:lnRef>
+      <a:fillRef idx="1">
+        <a:scrgbClr r="0" g="0" b="0"/>
+      </a:fillRef>
+      <a:effectRef idx="0">
+        <a:scrgbClr r="0" g="0" b="0"/>
+      </a:effectRef>
+      <a:fontRef idx="minor">
+        <a:schemeClr val="lt1"/>
+      </a:fontRef>
+    </dgm:style>
+  </dgm:styleLbl>
+  <dgm:styleLbl name="asst2">
+    <dgm:scene3d>
+      <a:camera prst="orthographicFront"/>
+      <a:lightRig rig="threePt" dir="t"/>
+    </dgm:scene3d>
+    <dgm:sp3d/>
+    <dgm:txPr/>
+    <dgm:style>
+      <a:lnRef idx="2">
+        <a:scrgbClr r="0" g="0" b="0"/>
+      </a:lnRef>
+      <a:fillRef idx="1">
+        <a:scrgbClr r="0" g="0" b="0"/>
+      </a:fillRef>
+      <a:effectRef idx="0">
+        <a:scrgbClr r="0" g="0" b="0"/>
+      </a:effectRef>
+      <a:fontRef idx="minor">
+        <a:schemeClr val="lt1"/>
+      </a:fontRef>
+    </dgm:style>
+  </dgm:styleLbl>
+  <dgm:styleLbl name="asst3">
+    <dgm:scene3d>
+      <a:camera prst="orthographicFront"/>
+      <a:lightRig rig="threePt" dir="t"/>
+    </dgm:scene3d>
+    <dgm:sp3d/>
+    <dgm:txPr/>
+    <dgm:style>
+      <a:lnRef idx="2">
+        <a:scrgbClr r="0" g="0" b="0"/>
+      </a:lnRef>
+      <a:fillRef idx="1">
+        <a:scrgbClr r="0" g="0" b="0"/>
+      </a:fillRef>
+      <a:effectRef idx="0">
+        <a:scrgbClr r="0" g="0" b="0"/>
+      </a:effectRef>
+      <a:fontRef idx="minor">
+        <a:schemeClr val="lt1"/>
+      </a:fontRef>
+    </dgm:style>
+  </dgm:styleLbl>
+  <dgm:styleLbl name="asst4">
+    <dgm:scene3d>
+      <a:camera prst="orthographicFront"/>
+      <a:lightRig rig="threePt" dir="t"/>
+    </dgm:scene3d>
+    <dgm:sp3d/>
+    <dgm:txPr/>
+    <dgm:style>
+      <a:lnRef idx="2">
+        <a:scrgbClr r="0" g="0" b="0"/>
+      </a:lnRef>
+      <a:fillRef idx="1">
+        <a:scrgbClr r="0" g="0" b="0"/>
+      </a:fillRef>
+      <a:effectRef idx="0">
+        <a:scrgbClr r="0" g="0" b="0"/>
+      </a:effectRef>
+      <a:fontRef idx="minor">
+        <a:schemeClr val="lt1"/>
+      </a:fontRef>
+    </dgm:style>
+  </dgm:styleLbl>
+  <dgm:styleLbl name="parChTrans2D1">
+    <dgm:scene3d>
+      <a:camera prst="orthographicFront"/>
+      <a:lightRig rig="threePt" dir="t"/>
+    </dgm:scene3d>
+    <dgm:sp3d/>
+    <dgm:txPr/>
+    <dgm:style>
+      <a:lnRef idx="2">
+        <a:scrgbClr r="0" g="0" b="0"/>
+      </a:lnRef>
+      <a:fillRef idx="1">
+        <a:scrgbClr r="0" g="0" b="0"/>
+      </a:fillRef>
+      <a:effectRef idx="0">
+        <a:scrgbClr r="0" g="0" b="0"/>
+      </a:effectRef>
+      <a:fontRef idx="minor">
+        <a:schemeClr val="lt1"/>
+      </a:fontRef>
+    </dgm:style>
+  </dgm:styleLbl>
+  <dgm:styleLbl name="parChTrans2D2">
+    <dgm:scene3d>
+      <a:camera prst="orthographicFront"/>
+      <a:lightRig rig="threePt" dir="t"/>
+    </dgm:scene3d>
+    <dgm:sp3d/>
+    <dgm:txPr/>
+    <dgm:style>
+      <a:lnRef idx="2">
+        <a:scrgbClr r="0" g="0" b="0"/>
+      </a:lnRef>
+      <a:fillRef idx="1">
+        <a:scrgbClr r="0" g="0" b="0"/>
+      </a:fillRef>
+      <a:effectRef idx="0">
+        <a:scrgbClr r="0" g="0" b="0"/>
+      </a:effectRef>
+      <a:fontRef idx="minor">
+        <a:schemeClr val="lt1"/>
+      </a:fontRef>
+    </dgm:style>
+  </dgm:styleLbl>
+  <dgm:styleLbl name="parChTrans2D3">
+    <dgm:scene3d>
+      <a:camera prst="orthographicFront"/>
+      <a:lightRig rig="threePt" dir="t"/>
+    </dgm:scene3d>
+    <dgm:sp3d/>
+    <dgm:txPr/>
+    <dgm:style>
+      <a:lnRef idx="2">
+        <a:scrgbClr r="0" g="0" b="0"/>
+      </a:lnRef>
+      <a:fillRef idx="1">
+        <a:scrgbClr r="0" g="0" b="0"/>
+      </a:fillRef>
+      <a:effectRef idx="0">
+        <a:scrgbClr r="0" g="0" b="0"/>
+      </a:effectRef>
+      <a:fontRef idx="minor">
+        <a:schemeClr val="lt1"/>
+      </a:fontRef>
+    </dgm:style>
+  </dgm:styleLbl>
+  <dgm:styleLbl name="parChTrans2D4">
+    <dgm:scene3d>
+      <a:camera prst="orthographicFront"/>
+      <a:lightRig rig="threePt" dir="t"/>
+    </dgm:scene3d>
+    <dgm:sp3d/>
+    <dgm:txPr/>
+    <dgm:style>
+      <a:lnRef idx="2">
+        <a:scrgbClr r="0" g="0" b="0"/>
+      </a:lnRef>
+      <a:fillRef idx="1">
+        <a:scrgbClr r="0" g="0" b="0"/>
+      </a:fillRef>
+      <a:effectRef idx="0">
+        <a:scrgbClr r="0" g="0" b="0"/>
+      </a:effectRef>
+      <a:fontRef idx="minor">
+        <a:schemeClr val="lt1"/>
+      </a:fontRef>
+    </dgm:style>
+  </dgm:styleLbl>
+  <dgm:styleLbl name="parChTrans1D1">
+    <dgm:scene3d>
+      <a:camera prst="orthographicFront"/>
+      <a:lightRig rig="threePt" dir="t"/>
+    </dgm:scene3d>
+    <dgm:sp3d/>
+    <dgm:txPr/>
+    <dgm:style>
+      <a:lnRef idx="2">
+        <a:scrgbClr r="0" g="0" b="0"/>
+      </a:lnRef>
+      <a:fillRef idx="0">
+        <a:scrgbClr r="0" g="0" b="0"/>
+      </a:fillRef>
+      <a:effectRef idx="0">
+        <a:scrgbClr r="0" g="0" b="0"/>
+      </a:effectRef>
+      <a:fontRef idx="minor"/>
+    </dgm:style>
+  </dgm:styleLbl>
+  <dgm:styleLbl name="parChTrans1D2">
+    <dgm:scene3d>
+      <a:camera prst="orthographicFront"/>
+      <a:lightRig rig="threePt" dir="t"/>
+    </dgm:scene3d>
+    <dgm:sp3d/>
+    <dgm:txPr/>
+    <dgm:style>
+      <a:lnRef idx="2">
+        <a:scrgbClr r="0" g="0" b="0"/>
+      </a:lnRef>
+      <a:fillRef idx="0">
+        <a:scrgbClr r="0" g="0" b="0"/>
+      </a:fillRef>
+      <a:effectRef idx="0">
+        <a:scrgbClr r="0" g="0" b="0"/>
+      </a:effectRef>
+      <a:fontRef idx="minor"/>
+    </dgm:style>
+  </dgm:styleLbl>
+  <dgm:styleLbl name="parChTrans1D3">
+    <dgm:scene3d>
+      <a:camera prst="orthographicFront"/>
+      <a:lightRig rig="threePt" dir="t"/>
+    </dgm:scene3d>
+    <dgm:sp3d/>
+    <dgm:txPr/>
+    <dgm:style>
+      <a:lnRef idx="2">
+        <a:scrgbClr r="0" g="0" b="0"/>
+      </a:lnRef>
+      <a:fillRef idx="0">
+        <a:scrgbClr r="0" g="0" b="0"/>
+      </a:fillRef>
+      <a:effectRef idx="0">
+        <a:scrgbClr r="0" g="0" b="0"/>
+      </a:effectRef>
+      <a:fontRef idx="minor"/>
+    </dgm:style>
+  </dgm:styleLbl>
+  <dgm:styleLbl name="parChTrans1D4">
+    <dgm:scene3d>
+      <a:camera prst="orthographicFront"/>
+      <a:lightRig rig="threePt" dir="t"/>
+    </dgm:scene3d>
+    <dgm:sp3d/>
+    <dgm:txPr/>
+    <dgm:style>
+      <a:lnRef idx="2">
+        <a:scrgbClr r="0" g="0" b="0"/>
+      </a:lnRef>
+      <a:fillRef idx="0">
+        <a:scrgbClr r="0" g="0" b="0"/>
+      </a:fillRef>
+      <a:effectRef idx="0">
+        <a:scrgbClr r="0" g="0" b="0"/>
+      </a:effectRef>
+      <a:fontRef idx="minor"/>
+    </dgm:style>
+  </dgm:styleLbl>
+  <dgm:styleLbl name="fgAcc1">
+    <dgm:scene3d>
+      <a:camera prst="orthographicFront"/>
+      <a:lightRig rig="threePt" dir="t"/>
+    </dgm:scene3d>
+    <dgm:sp3d/>
+    <dgm:txPr/>
+    <dgm:style>
+      <a:lnRef idx="2">
+        <a:scrgbClr r="0" g="0" b="0"/>
+      </a:lnRef>
+      <a:fillRef idx="1">
+        <a:scrgbClr r="0" g="0" b="0"/>
+      </a:fillRef>
+      <a:effectRef idx="0">
+        <a:scrgbClr r="0" g="0" b="0"/>
+      </a:effectRef>
+      <a:fontRef idx="minor"/>
+    </dgm:style>
+  </dgm:styleLbl>
+  <dgm:styleLbl name="conFgAcc1">
+    <dgm:scene3d>
+      <a:camera prst="orthographicFront"/>
+      <a:lightRig rig="threePt" dir="t"/>
+    </dgm:scene3d>
+    <dgm:sp3d/>
+    <dgm:txPr/>
+    <dgm:style>
+      <a:lnRef idx="2">
+        <a:scrgbClr r="0" g="0" b="0"/>
+      </a:lnRef>
+      <a:fillRef idx="1">
+        <a:scrgbClr r="0" g="0" b="0"/>
+      </a:fillRef>
+      <a:effectRef idx="0">
+        <a:scrgbClr r="0" g="0" b="0"/>
+      </a:effectRef>
+      <a:fontRef idx="minor"/>
+    </dgm:style>
+  </dgm:styleLbl>
+  <dgm:styleLbl name="alignAcc1">
+    <dgm:scene3d>
+      <a:camera prst="orthographicFront"/>
+      <a:lightRig rig="threePt" dir="t"/>
+    </dgm:scene3d>
+    <dgm:sp3d/>
+    <dgm:txPr/>
+    <dgm:style>
+      <a:lnRef idx="2">
+        <a:scrgbClr r="0" g="0" b="0"/>
+      </a:lnRef>
+      <a:fillRef idx="1">
+        <a:scrgbClr r="0" g="0" b="0"/>
+      </a:fillRef>
+      <a:effectRef idx="0">
+        <a:scrgbClr r="0" g="0" b="0"/>
+      </a:effectRef>
+      <a:fontRef idx="minor"/>
+    </dgm:style>
+  </dgm:styleLbl>
+  <dgm:styleLbl name="trAlignAcc1">
+    <dgm:scene3d>
+      <a:camera prst="orthographicFront"/>
+      <a:lightRig rig="threePt" dir="t"/>
+    </dgm:scene3d>
+    <dgm:sp3d/>
+    <dgm:txPr/>
+    <dgm:style>
+      <a:lnRef idx="1">
+        <a:scrgbClr r="0" g="0" b="0"/>
+      </a:lnRef>
+      <a:fillRef idx="1">
+        <a:scrgbClr r="0" g="0" b="0"/>
+      </a:fillRef>
+      <a:effectRef idx="0">
+        <a:scrgbClr r="0" g="0" b="0"/>
+      </a:effectRef>
+      <a:fontRef idx="minor"/>
+    </dgm:style>
+  </dgm:styleLbl>
+  <dgm:styleLbl name="bgAcc1">
+    <dgm:scene3d>
+      <a:camera prst="orthographicFront"/>
+      <a:lightRig rig="threePt" dir="t"/>
+    </dgm:scene3d>
+    <dgm:sp3d/>
+    <dgm:txPr/>
+    <dgm:style>
+      <a:lnRef idx="2">
+        <a:scrgbClr r="0" g="0" b="0"/>
+      </a:lnRef>
+      <a:fillRef idx="1">
+        <a:scrgbClr r="0" g="0" b="0"/>
+      </a:fillRef>
+      <a:effectRef idx="0">
+        <a:scrgbClr r="0" g="0" b="0"/>
+      </a:effectRef>
+      <a:fontRef idx="minor"/>
+    </dgm:style>
+  </dgm:styleLbl>
+  <dgm:styleLbl name="solidFgAcc1">
+    <dgm:scene3d>
+      <a:camera prst="orthographicFront"/>
+      <a:lightRig rig="threePt" dir="t"/>
+    </dgm:scene3d>
+    <dgm:sp3d/>
+    <dgm:txPr/>
+    <dgm:style>
+      <a:lnRef idx="2">
+        <a:scrgbClr r="0" g="0" b="0"/>
+      </a:lnRef>
+      <a:fillRef idx="1">
+        <a:scrgbClr r="0" g="0" b="0"/>
+      </a:fillRef>
+      <a:effectRef idx="0">
+        <a:scrgbClr r="0" g="0" b="0"/>
+      </a:effectRef>
+      <a:fontRef idx="minor"/>
+    </dgm:style>
+  </dgm:styleLbl>
+  <dgm:styleLbl name="solidAlignAcc1">
+    <dgm:scene3d>
+      <a:camera prst="orthographicFront"/>
+      <a:lightRig rig="threePt" dir="t"/>
+    </dgm:scene3d>
+    <dgm:sp3d/>
+    <dgm:txPr/>
+    <dgm:style>
+      <a:lnRef idx="2">
+        <a:scrgbClr r="0" g="0" b="0"/>
+      </a:lnRef>
+      <a:fillRef idx="1">
+        <a:scrgbClr r="0" g="0" b="0"/>
+      </a:fillRef>
+      <a:effectRef idx="0">
+        <a:scrgbClr r="0" g="0" b="0"/>
+      </a:effectRef>
+      <a:fontRef idx="minor"/>
+    </dgm:style>
+  </dgm:styleLbl>
+  <dgm:styleLbl name="solidBgAcc1">
+    <dgm:scene3d>
+      <a:camera prst="orthographicFront"/>
+      <a:lightRig rig="threePt" dir="t"/>
+    </dgm:scene3d>
+    <dgm:sp3d/>
+    <dgm:txPr/>
+    <dgm:style>
+      <a:lnRef idx="2">
+        <a:scrgbClr r="0" g="0" b="0"/>
+      </a:lnRef>
+      <a:fillRef idx="1">
+        <a:scrgbClr r="0" g="0" b="0"/>
+      </a:fillRef>
+      <a:effectRef idx="0">
+        <a:scrgbClr r="0" g="0" b="0"/>
+      </a:effectRef>
+      <a:fontRef idx="minor"/>
+    </dgm:style>
+  </dgm:styleLbl>
+  <dgm:styleLbl name="fgAccFollowNode1">
+    <dgm:scene3d>
+      <a:camera prst="orthographicFront"/>
+      <a:lightRig rig="threePt" dir="t"/>
+    </dgm:scene3d>
+    <dgm:sp3d/>
+    <dgm:txPr/>
+    <dgm:style>
+      <a:lnRef idx="2">
+        <a:scrgbClr r="0" g="0" b="0"/>
+      </a:lnRef>
+      <a:fillRef idx="1">
+        <a:scrgbClr r="0" g="0" b="0"/>
+      </a:fillRef>
+      <a:effectRef idx="0">
+        <a:scrgbClr r="0" g="0" b="0"/>
+      </a:effectRef>
+      <a:fontRef idx="minor"/>
+    </dgm:style>
+  </dgm:styleLbl>
+  <dgm:styleLbl name="alignAccFollowNode1">
+    <dgm:scene3d>
+      <a:camera prst="orthographicFront"/>
+      <a:lightRig rig="threePt" dir="t"/>
+    </dgm:scene3d>
+    <dgm:sp3d/>
+    <dgm:txPr/>
+    <dgm:style>
+      <a:lnRef idx="2">
+        <a:scrgbClr r="0" g="0" b="0"/>
+      </a:lnRef>
+      <a:fillRef idx="1">
+        <a:scrgbClr r="0" g="0" b="0"/>
+      </a:fillRef>
+      <a:effectRef idx="0">
+        <a:scrgbClr r="0" g="0" b="0"/>
+      </a:effectRef>
+      <a:fontRef idx="minor"/>
+    </dgm:style>
+  </dgm:styleLbl>
+  <dgm:styleLbl name="bgAccFollowNode1">
+    <dgm:scene3d>
+      <a:camera prst="orthographicFront"/>
+      <a:lightRig rig="threePt" dir="t"/>
+    </dgm:scene3d>
+    <dgm:sp3d/>
+    <dgm:txPr/>
+    <dgm:style>
+      <a:lnRef idx="2">
+        <a:scrgbClr r="0" g="0" b="0"/>
+      </a:lnRef>
+      <a:fillRef idx="1">
+        <a:scrgbClr r="0" g="0" b="0"/>
+      </a:fillRef>
+      <a:effectRef idx="0">
+        <a:scrgbClr r="0" g="0" b="0"/>
+      </a:effectRef>
+      <a:fontRef idx="minor"/>
+    </dgm:style>
+  </dgm:styleLbl>
+  <dgm:styleLbl name="fgAcc0">
+    <dgm:scene3d>
+      <a:camera prst="orthographicFront"/>
+      <a:lightRig rig="threePt" dir="t"/>
+    </dgm:scene3d>
+    <dgm:sp3d/>
+    <dgm:txPr/>
+    <dgm:style>
+      <a:lnRef idx="2">
+        <a:scrgbClr r="0" g="0" b="0"/>
+      </a:lnRef>
+      <a:fillRef idx="1">
+        <a:scrgbClr r="0" g="0" b="0"/>
+      </a:fillRef>
+      <a:effectRef idx="0">
+        <a:scrgbClr r="0" g="0" b="0"/>
+      </a:effectRef>
+      <a:fontRef idx="minor"/>
+    </dgm:style>
+  </dgm:styleLbl>
+  <dgm:styleLbl name="fgAcc2">
+    <dgm:scene3d>
+      <a:camera prst="orthographicFront"/>
+      <a:lightRig rig="threePt" dir="t"/>
+    </dgm:scene3d>
+    <dgm:sp3d/>
+    <dgm:txPr/>
+    <dgm:style>
+      <a:lnRef idx="2">
+        <a:scrgbClr r="0" g="0" b="0"/>
+      </a:lnRef>
+      <a:fillRef idx="1">
+        <a:scrgbClr r="0" g="0" b="0"/>
+      </a:fillRef>
+      <a:effectRef idx="0">
+        <a:scrgbClr r="0" g="0" b="0"/>
+      </a:effectRef>
+      <a:fontRef idx="minor"/>
+    </dgm:style>
+  </dgm:styleLbl>
+  <dgm:styleLbl name="fgAcc3">
+    <dgm:scene3d>
+      <a:camera prst="orthographicFront"/>
+      <a:lightRig rig="threePt" dir="t"/>
+    </dgm:scene3d>
+    <dgm:sp3d/>
+    <dgm:txPr/>
+    <dgm:style>
+      <a:lnRef idx="2">
+        <a:scrgbClr r="0" g="0" b="0"/>
+      </a:lnRef>
+      <a:fillRef idx="1">
+        <a:scrgbClr r="0" g="0" b="0"/>
+      </a:fillRef>
+      <a:effectRef idx="0">
+        <a:scrgbClr r="0" g="0" b="0"/>
+      </a:effectRef>
+      <a:fontRef idx="minor"/>
+    </dgm:style>
+  </dgm:styleLbl>
+  <dgm:styleLbl name="fgAcc4">
+    <dgm:scene3d>
+      <a:camera prst="orthographicFront"/>
+      <a:lightRig rig="threePt" dir="t"/>
+    </dgm:scene3d>
+    <dgm:sp3d/>
+    <dgm:txPr/>
+    <dgm:style>
+      <a:lnRef idx="2">
+        <a:scrgbClr r="0" g="0" b="0"/>
+      </a:lnRef>
+      <a:fillRef idx="1">
+        <a:scrgbClr r="0" g="0" b="0"/>
+      </a:fillRef>
+      <a:effectRef idx="0">
+        <a:scrgbClr r="0" g="0" b="0"/>
+      </a:effectRef>
+      <a:fontRef idx="minor"/>
+    </dgm:style>
+  </dgm:styleLbl>
+  <dgm:styleLbl name="bgShp">
+    <dgm:scene3d>
+      <a:camera prst="orthographicFront"/>
+      <a:lightRig rig="threePt" dir="t"/>
+    </dgm:scene3d>
+    <dgm:sp3d/>
+    <dgm:txPr/>
+    <dgm:style>
+      <a:lnRef idx="0">
+        <a:scrgbClr r="0" g="0" b="0"/>
+      </a:lnRef>
+      <a:fillRef idx="1">
+        <a:scrgbClr r="0" g="0" b="0"/>
+      </a:fillRef>
+      <a:effectRef idx="0">
+        <a:scrgbClr r="0" g="0" b="0"/>
+      </a:effectRef>
+      <a:fontRef idx="minor"/>
+    </dgm:style>
+  </dgm:styleLbl>
+  <dgm:styleLbl name="dkBgShp">
+    <dgm:scene3d>
+      <a:camera prst="orthographicFront"/>
+      <a:lightRig rig="threePt" dir="t"/>
+    </dgm:scene3d>
+    <dgm:sp3d/>
+    <dgm:txPr/>
+    <dgm:style>
+      <a:lnRef idx="0">
+        <a:scrgbClr r="0" g="0" b="0"/>
+      </a:lnRef>
+      <a:fillRef idx="1">
+        <a:scrgbClr r="0" g="0" b="0"/>
+      </a:fillRef>
+      <a:effectRef idx="0">
+        <a:scrgbClr r="0" g="0" b="0"/>
+      </a:effectRef>
+      <a:fontRef idx="minor"/>
+    </dgm:style>
+  </dgm:styleLbl>
+  <dgm:styleLbl name="trBgShp">
+    <dgm:scene3d>
+      <a:camera prst="orthographicFront"/>
+      <a:lightRig rig="threePt" dir="t"/>
+    </dgm:scene3d>
+    <dgm:sp3d/>
+    <dgm:txPr/>
+    <dgm:style>
+      <a:lnRef idx="0">
+        <a:scrgbClr r="0" g="0" b="0"/>
+      </a:lnRef>
+      <a:fillRef idx="1">
+        <a:scrgbClr r="0" g="0" b="0"/>
+      </a:fillRef>
+      <a:effectRef idx="0">
+        <a:scrgbClr r="0" g="0" b="0"/>
+      </a:effectRef>
+      <a:fontRef idx="minor"/>
+    </dgm:style>
+  </dgm:styleLbl>
+  <dgm:styleLbl name="fgShp">
+    <dgm:scene3d>
+      <a:camera prst="orthographicFront"/>
+      <a:lightRig rig="threePt" dir="t"/>
+    </dgm:scene3d>
+    <dgm:sp3d/>
+    <dgm:txPr/>
+    <dgm:style>
+      <a:lnRef idx="2">
+        <a:scrgbClr r="0" g="0" b="0"/>
+      </a:lnRef>
+      <a:fillRef idx="1">
+        <a:scrgbClr r="0" g="0" b="0"/>
+      </a:fillRef>
+      <a:effectRef idx="0">
+        <a:scrgbClr r="0" g="0" b="0"/>
+      </a:effectRef>
+      <a:fontRef idx="minor"/>
+    </dgm:style>
+  </dgm:styleLbl>
+  <dgm:styleLbl name="revTx">
+    <dgm:scene3d>
+      <a:camera prst="orthographicFront"/>
+      <a:lightRig rig="threePt" dir="t"/>
+    </dgm:scene3d>
+    <dgm:sp3d/>
+    <dgm:txPr/>
+    <dgm:style>
+      <a:lnRef idx="0">
+        <a:scrgbClr r="0" g="0" b="0"/>
+      </a:lnRef>
+      <a:fillRef idx="0">
+        <a:scrgbClr r="0" g="0" b="0"/>
+      </a:fillRef>
+      <a:effectRef idx="0">
+        <a:scrgbClr r="0" g="0" b="0"/>
+      </a:effectRef>
+      <a:fontRef idx="minor"/>
+    </dgm:style>
+  </dgm:styleLbl>
+</dgm:styleDef>
+</file>
+
+<file path=ppt/diagrams/quickStyle6.xml><?xml version="1.0" encoding="utf-8"?>
+<dgm:styleDef xmlns:dgm="http://schemas.openxmlformats.org/drawingml/2006/diagram" xmlns:a="http://schemas.openxmlformats.org/drawingml/2006/main" uniqueId="urn:microsoft.com/office/officeart/2005/8/quickstyle/simple2">
+  <dgm:title val=""/>
+  <dgm:desc val=""/>
+  <dgm:catLst>
+    <dgm:cat type="simple" pri="10200"/>
+  </dgm:catLst>
+  <dgm:scene3d>
+    <a:camera prst="orthographicFront"/>
+    <a:lightRig rig="threePt" dir="t"/>
+  </dgm:scene3d>
+  <dgm:styleLbl name="node0">
+    <dgm:scene3d>
+      <a:camera prst="orthographicFront"/>
+      <a:lightRig rig="threePt" dir="t"/>
+    </dgm:scene3d>
+    <dgm:sp3d/>
+    <dgm:txPr/>
+    <dgm:style>
+      <a:lnRef idx="3">
+        <a:scrgbClr r="0" g="0" b="0"/>
+      </a:lnRef>
+      <a:fillRef idx="1">
+        <a:scrgbClr r="0" g="0" b="0"/>
+      </a:fillRef>
+      <a:effectRef idx="1">
+        <a:scrgbClr r="0" g="0" b="0"/>
+      </a:effectRef>
+      <a:fontRef idx="minor">
+        <a:schemeClr val="lt1"/>
+      </a:fontRef>
+    </dgm:style>
+  </dgm:styleLbl>
+  <dgm:styleLbl name="lnNode1">
+    <dgm:scene3d>
+      <a:camera prst="orthographicFront"/>
+      <a:lightRig rig="threePt" dir="t"/>
+    </dgm:scene3d>
+    <dgm:sp3d/>
+    <dgm:txPr/>
+    <dgm:style>
+      <a:lnRef idx="3">
+        <a:scrgbClr r="0" g="0" b="0"/>
+      </a:lnRef>
+      <a:fillRef idx="1">
+        <a:scrgbClr r="0" g="0" b="0"/>
+      </a:fillRef>
+      <a:effectRef idx="1">
+        <a:scrgbClr r="0" g="0" b="0"/>
+      </a:effectRef>
+      <a:fontRef idx="minor">
+        <a:schemeClr val="lt1"/>
+      </a:fontRef>
+    </dgm:style>
+  </dgm:styleLbl>
+  <dgm:styleLbl name="vennNode1">
+    <dgm:scene3d>
+      <a:camera prst="orthographicFront"/>
+      <a:lightRig rig="threePt" dir="t"/>
+    </dgm:scene3d>
+    <dgm:sp3d/>
+    <dgm:txPr/>
+    <dgm:style>
+      <a:lnRef idx="3">
+        <a:scrgbClr r="0" g="0" b="0"/>
+      </a:lnRef>
+      <a:fillRef idx="1">
+        <a:scrgbClr r="0" g="0" b="0"/>
+      </a:fillRef>
+      <a:effectRef idx="0">
+        <a:scrgbClr r="0" g="0" b="0"/>
+      </a:effectRef>
+      <a:fontRef idx="minor">
+        <a:schemeClr val="tx1"/>
+      </a:fontRef>
+    </dgm:style>
+  </dgm:styleLbl>
+  <dgm:styleLbl name="alignNode1">
+    <dgm:scene3d>
+      <a:camera prst="orthographicFront"/>
+      <a:lightRig rig="threePt" dir="t"/>
+    </dgm:scene3d>
+    <dgm:sp3d/>
+    <dgm:txPr/>
+    <dgm:style>
+      <a:lnRef idx="2">
+        <a:scrgbClr r="0" g="0" b="0"/>
+      </a:lnRef>
+      <a:fillRef idx="1">
+        <a:scrgbClr r="0" g="0" b="0"/>
+      </a:fillRef>
+      <a:effectRef idx="1">
+        <a:scrgbClr r="0" g="0" b="0"/>
+      </a:effectRef>
+      <a:fontRef idx="minor">
+        <a:schemeClr val="lt1"/>
+      </a:fontRef>
+    </dgm:style>
+  </dgm:styleLbl>
+  <dgm:styleLbl name="node1">
+    <dgm:scene3d>
+      <a:camera prst="orthographicFront"/>
+      <a:lightRig rig="threePt" dir="t"/>
+    </dgm:scene3d>
+    <dgm:sp3d/>
+    <dgm:txPr/>
+    <dgm:style>
+      <a:lnRef idx="3">
+        <a:scrgbClr r="0" g="0" b="0"/>
+      </a:lnRef>
+      <a:fillRef idx="1">
+        <a:scrgbClr r="0" g="0" b="0"/>
+      </a:fillRef>
+      <a:effectRef idx="1">
+        <a:scrgbClr r="0" g="0" b="0"/>
+      </a:effectRef>
+      <a:fontRef idx="minor">
+        <a:schemeClr val="lt1"/>
+      </a:fontRef>
+    </dgm:style>
+  </dgm:styleLbl>
+  <dgm:styleLbl name="node2">
+    <dgm:scene3d>
+      <a:camera prst="orthographicFront"/>
+      <a:lightRig rig="threePt" dir="t"/>
+    </dgm:scene3d>
+    <dgm:sp3d/>
+    <dgm:txPr/>
+    <dgm:style>
+      <a:lnRef idx="3">
+        <a:scrgbClr r="0" g="0" b="0"/>
+      </a:lnRef>
+      <a:fillRef idx="1">
+        <a:scrgbClr r="0" g="0" b="0"/>
+      </a:fillRef>
+      <a:effectRef idx="1">
+        <a:scrgbClr r="0" g="0" b="0"/>
+      </a:effectRef>
+      <a:fontRef idx="minor">
+        <a:schemeClr val="lt1"/>
+      </a:fontRef>
+    </dgm:style>
+  </dgm:styleLbl>
+  <dgm:styleLbl name="node3">
+    <dgm:scene3d>
+      <a:camera prst="orthographicFront"/>
+      <a:lightRig rig="threePt" dir="t"/>
+    </dgm:scene3d>
+    <dgm:sp3d/>
+    <dgm:txPr/>
+    <dgm:style>
+      <a:lnRef idx="3">
+        <a:scrgbClr r="0" g="0" b="0"/>
+      </a:lnRef>
+      <a:fillRef idx="1">
+        <a:scrgbClr r="0" g="0" b="0"/>
+      </a:fillRef>
+      <a:effectRef idx="1">
+        <a:scrgbClr r="0" g="0" b="0"/>
+      </a:effectRef>
+      <a:fontRef idx="minor">
+        <a:schemeClr val="lt1"/>
+      </a:fontRef>
+    </dgm:style>
+  </dgm:styleLbl>
+  <dgm:styleLbl name="node4">
+    <dgm:scene3d>
+      <a:camera prst="orthographicFront"/>
+      <a:lightRig rig="threePt" dir="t"/>
+    </dgm:scene3d>
+    <dgm:sp3d/>
+    <dgm:txPr/>
+    <dgm:style>
+      <a:lnRef idx="3">
+        <a:scrgbClr r="0" g="0" b="0"/>
+      </a:lnRef>
+      <a:fillRef idx="1">
+        <a:scrgbClr r="0" g="0" b="0"/>
+      </a:fillRef>
+      <a:effectRef idx="1">
+        <a:scrgbClr r="0" g="0" b="0"/>
+      </a:effectRef>
+      <a:fontRef idx="minor">
+        <a:schemeClr val="lt1"/>
+      </a:fontRef>
+    </dgm:style>
+  </dgm:styleLbl>
+  <dgm:styleLbl name="fgImgPlace1">
+    <dgm:scene3d>
+      <a:camera prst="orthographicFront"/>
+      <a:lightRig rig="threePt" dir="t"/>
+    </dgm:scene3d>
+    <dgm:sp3d/>
+    <dgm:txPr/>
+    <dgm:style>
+      <a:lnRef idx="3">
+        <a:scrgbClr r="0" g="0" b="0"/>
+      </a:lnRef>
+      <a:fillRef idx="1">
+        <a:scrgbClr r="0" g="0" b="0"/>
+      </a:fillRef>
+      <a:effectRef idx="1">
+        <a:scrgbClr r="0" g="0" b="0"/>
+      </a:effectRef>
+      <a:fontRef idx="minor"/>
+    </dgm:style>
+  </dgm:styleLbl>
+  <dgm:styleLbl name="alignImgPlace1">
+    <dgm:scene3d>
+      <a:camera prst="orthographicFront"/>
+      <a:lightRig rig="threePt" dir="t"/>
+    </dgm:scene3d>
+    <dgm:sp3d/>
+    <dgm:txPr/>
+    <dgm:style>
+      <a:lnRef idx="3">
+        <a:scrgbClr r="0" g="0" b="0"/>
+      </a:lnRef>
+      <a:fillRef idx="1">
+        <a:scrgbClr r="0" g="0" b="0"/>
+      </a:fillRef>
+      <a:effectRef idx="1">
+        <a:scrgbClr r="0" g="0" b="0"/>
+      </a:effectRef>
+      <a:fontRef idx="minor"/>
+    </dgm:style>
+  </dgm:styleLbl>
+  <dgm:styleLbl name="bgImgPlace1">
+    <dgm:scene3d>
+      <a:camera prst="orthographicFront"/>
+      <a:lightRig rig="threePt" dir="t"/>
+    </dgm:scene3d>
+    <dgm:sp3d/>
+    <dgm:txPr/>
+    <dgm:style>
+      <a:lnRef idx="3">
+        <a:scrgbClr r="0" g="0" b="0"/>
+      </a:lnRef>
+      <a:fillRef idx="1">
+        <a:scrgbClr r="0" g="0" b="0"/>
+      </a:fillRef>
+      <a:effectRef idx="1">
+        <a:scrgbClr r="0" g="0" b="0"/>
+      </a:effectRef>
+      <a:fontRef idx="minor"/>
+    </dgm:style>
+  </dgm:styleLbl>
+  <dgm:styleLbl name="sibTrans2D1">
+    <dgm:scene3d>
+      <a:camera prst="orthographicFront"/>
+      <a:lightRig rig="threePt" dir="t"/>
+    </dgm:scene3d>
+    <dgm:sp3d/>
+    <dgm:txPr/>
+    <dgm:style>
+      <a:lnRef idx="0">
+        <a:scrgbClr r="0" g="0" b="0"/>
+      </a:lnRef>
+      <a:fillRef idx="1">
+        <a:scrgbClr r="0" g="0" b="0"/>
+      </a:fillRef>
+      <a:effectRef idx="1">
+        <a:scrgbClr r="0" g="0" b="0"/>
+      </a:effectRef>
+      <a:fontRef idx="minor">
+        <a:schemeClr val="lt1"/>
+      </a:fontRef>
+    </dgm:style>
+  </dgm:styleLbl>
+  <dgm:styleLbl name="fgSibTrans2D1">
+    <dgm:scene3d>
+      <a:camera prst="orthographicFront"/>
+      <a:lightRig rig="threePt" dir="t"/>
+    </dgm:scene3d>
+    <dgm:sp3d/>
+    <dgm:txPr/>
+    <dgm:style>
+      <a:lnRef idx="0">
+        <a:scrgbClr r="0" g="0" b="0"/>
+      </a:lnRef>
+      <a:fillRef idx="1">
+        <a:scrgbClr r="0" g="0" b="0"/>
+      </a:fillRef>
+      <a:effectRef idx="1">
+        <a:scrgbClr r="0" g="0" b="0"/>
+      </a:effectRef>
+      <a:fontRef idx="minor">
+        <a:schemeClr val="lt1"/>
+      </a:fontRef>
+    </dgm:style>
+  </dgm:styleLbl>
+  <dgm:styleLbl name="bgSibTrans2D1">
+    <dgm:scene3d>
+      <a:camera prst="orthographicFront"/>
+      <a:lightRig rig="threePt" dir="t"/>
+    </dgm:scene3d>
+    <dgm:sp3d/>
+    <dgm:txPr/>
+    <dgm:style>
+      <a:lnRef idx="0">
+        <a:scrgbClr r="0" g="0" b="0"/>
+      </a:lnRef>
+      <a:fillRef idx="1">
+        <a:scrgbClr r="0" g="0" b="0"/>
+      </a:fillRef>
+      <a:effectRef idx="1">
+        <a:scrgbClr r="0" g="0" b="0"/>
+      </a:effectRef>
+      <a:fontRef idx="minor">
+        <a:schemeClr val="lt1"/>
+      </a:fontRef>
+    </dgm:style>
+  </dgm:styleLbl>
+  <dgm:styleLbl name="sibTrans1D1">
+    <dgm:scene3d>
+      <a:camera prst="orthographicFront"/>
+      <a:lightRig rig="threePt" dir="t"/>
+    </dgm:scene3d>
+    <dgm:sp3d/>
+    <dgm:txPr/>
+    <dgm:style>
+      <a:lnRef idx="1">
+        <a:scrgbClr r="0" g="0" b="0"/>
+      </a:lnRef>
+      <a:fillRef idx="0">
+        <a:scrgbClr r="0" g="0" b="0"/>
+      </a:fillRef>
+      <a:effectRef idx="0">
+        <a:scrgbClr r="0" g="0" b="0"/>
+      </a:effectRef>
+      <a:fontRef idx="minor"/>
+    </dgm:style>
+  </dgm:styleLbl>
+  <dgm:styleLbl name="callout">
+    <dgm:scene3d>
+      <a:camera prst="orthographicFront"/>
+      <a:lightRig rig="threePt" dir="t"/>
+    </dgm:scene3d>
+    <dgm:sp3d/>
+    <dgm:txPr/>
+    <dgm:style>
+      <a:lnRef idx="2">
+        <a:scrgbClr r="0" g="0" b="0"/>
+      </a:lnRef>
+      <a:fillRef idx="1">
+        <a:scrgbClr r="0" g="0" b="0"/>
+      </a:fillRef>
+      <a:effectRef idx="1">
+        <a:scrgbClr r="0" g="0" b="0"/>
+      </a:effectRef>
+      <a:fontRef idx="minor"/>
+    </dgm:style>
+  </dgm:styleLbl>
+  <dgm:styleLbl name="asst0">
+    <dgm:scene3d>
+      <a:camera prst="orthographicFront"/>
+      <a:lightRig rig="threePt" dir="t"/>
+    </dgm:scene3d>
+    <dgm:sp3d/>
+    <dgm:txPr/>
+    <dgm:style>
+      <a:lnRef idx="3">
+        <a:scrgbClr r="0" g="0" b="0"/>
+      </a:lnRef>
+      <a:fillRef idx="1">
+        <a:scrgbClr r="0" g="0" b="0"/>
+      </a:fillRef>
+      <a:effectRef idx="1">
+        <a:scrgbClr r="0" g="0" b="0"/>
+      </a:effectRef>
+      <a:fontRef idx="minor">
+        <a:schemeClr val="lt1"/>
+      </a:fontRef>
+    </dgm:style>
+  </dgm:styleLbl>
+  <dgm:styleLbl name="asst1">
+    <dgm:scene3d>
+      <a:camera prst="orthographicFront"/>
+      <a:lightRig rig="threePt" dir="t"/>
+    </dgm:scene3d>
+    <dgm:sp3d/>
+    <dgm:txPr/>
+    <dgm:style>
+      <a:lnRef idx="3">
+        <a:scrgbClr r="0" g="0" b="0"/>
+      </a:lnRef>
+      <a:fillRef idx="1">
+        <a:scrgbClr r="0" g="0" b="0"/>
+      </a:fillRef>
+      <a:effectRef idx="1">
+        <a:scrgbClr r="0" g="0" b="0"/>
+      </a:effectRef>
+      <a:fontRef idx="minor">
+        <a:schemeClr val="lt1"/>
+      </a:fontRef>
+    </dgm:style>
+  </dgm:styleLbl>
+  <dgm:styleLbl name="asst2">
+    <dgm:scene3d>
+      <a:camera prst="orthographicFront"/>
+      <a:lightRig rig="threePt" dir="t"/>
+    </dgm:scene3d>
+    <dgm:sp3d/>
+    <dgm:txPr/>
+    <dgm:style>
+      <a:lnRef idx="3">
+        <a:scrgbClr r="0" g="0" b="0"/>
+      </a:lnRef>
+      <a:fillRef idx="1">
+        <a:scrgbClr r="0" g="0" b="0"/>
+      </a:fillRef>
+      <a:effectRef idx="1">
+        <a:scrgbClr r="0" g="0" b="0"/>
+      </a:effectRef>
+      <a:fontRef idx="minor">
+        <a:schemeClr val="lt1"/>
+      </a:fontRef>
+    </dgm:style>
+  </dgm:styleLbl>
+  <dgm:styleLbl name="asst3">
+    <dgm:scene3d>
+      <a:camera prst="orthographicFront"/>
+      <a:lightRig rig="threePt" dir="t"/>
+    </dgm:scene3d>
+    <dgm:sp3d/>
+    <dgm:txPr/>
+    <dgm:style>
+      <a:lnRef idx="3">
+        <a:scrgbClr r="0" g="0" b="0"/>
+      </a:lnRef>
+      <a:fillRef idx="1">
+        <a:scrgbClr r="0" g="0" b="0"/>
+      </a:fillRef>
+      <a:effectRef idx="1">
+        <a:scrgbClr r="0" g="0" b="0"/>
+      </a:effectRef>
+      <a:fontRef idx="minor">
+        <a:schemeClr val="lt1"/>
+      </a:fontRef>
+    </dgm:style>
+  </dgm:styleLbl>
+  <dgm:styleLbl name="asst4">
+    <dgm:scene3d>
+      <a:camera prst="orthographicFront"/>
+      <a:lightRig rig="threePt" dir="t"/>
+    </dgm:scene3d>
+    <dgm:sp3d/>
+    <dgm:txPr/>
+    <dgm:style>
+      <a:lnRef idx="3">
+        <a:scrgbClr r="0" g="0" b="0"/>
+      </a:lnRef>
+      <a:fillRef idx="1">
+        <a:scrgbClr r="0" g="0" b="0"/>
+      </a:fillRef>
+      <a:effectRef idx="1">
+        <a:scrgbClr r="0" g="0" b="0"/>
+      </a:effectRef>
+      <a:fontRef idx="minor">
+        <a:schemeClr val="lt1"/>
+      </a:fontRef>
+    </dgm:style>
+  </dgm:styleLbl>
+  <dgm:styleLbl name="parChTrans2D1">
+    <dgm:scene3d>
+      <a:camera prst="orthographicFront"/>
+      <a:lightRig rig="threePt" dir="t"/>
+    </dgm:scene3d>
+    <dgm:sp3d/>
+    <dgm:txPr/>
+    <dgm:style>
+      <a:lnRef idx="3">
+        <a:scrgbClr r="0" g="0" b="0"/>
+      </a:lnRef>
+      <a:fillRef idx="1">
+        <a:scrgbClr r="0" g="0" b="0"/>
+      </a:fillRef>
+      <a:effectRef idx="1">
+        <a:scrgbClr r="0" g="0" b="0"/>
+      </a:effectRef>
+      <a:fontRef idx="minor">
+        <a:schemeClr val="lt1"/>
+      </a:fontRef>
+    </dgm:style>
+  </dgm:styleLbl>
+  <dgm:styleLbl name="parChTrans2D2">
+    <dgm:scene3d>
+      <a:camera prst="orthographicFront"/>
+      <a:lightRig rig="threePt" dir="t"/>
+    </dgm:scene3d>
+    <dgm:sp3d/>
+    <dgm:txPr/>
+    <dgm:style>
+      <a:lnRef idx="3">
+        <a:scrgbClr r="0" g="0" b="0"/>
+      </a:lnRef>
+      <a:fillRef idx="1">
+        <a:scrgbClr r="0" g="0" b="0"/>
+      </a:fillRef>
+      <a:effectRef idx="1">
+        <a:scrgbClr r="0" g="0" b="0"/>
+      </a:effectRef>
+      <a:fontRef idx="minor">
+        <a:schemeClr val="lt1"/>
+      </a:fontRef>
+    </dgm:style>
+  </dgm:styleLbl>
+  <dgm:styleLbl name="parChTrans2D3">
+    <dgm:scene3d>
+      <a:camera prst="orthographicFront"/>
+      <a:lightRig rig="threePt" dir="t"/>
+    </dgm:scene3d>
+    <dgm:sp3d/>
+    <dgm:txPr/>
+    <dgm:style>
+      <a:lnRef idx="3">
+        <a:scrgbClr r="0" g="0" b="0"/>
+      </a:lnRef>
+      <a:fillRef idx="1">
+        <a:scrgbClr r="0" g="0" b="0"/>
+      </a:fillRef>
+      <a:effectRef idx="1">
+        <a:scrgbClr r="0" g="0" b="0"/>
+      </a:effectRef>
+      <a:fontRef idx="minor">
+        <a:schemeClr val="lt1"/>
+      </a:fontRef>
+    </dgm:style>
+  </dgm:styleLbl>
+  <dgm:styleLbl name="parChTrans2D4">
+    <dgm:scene3d>
+      <a:camera prst="orthographicFront"/>
+      <a:lightRig rig="threePt" dir="t"/>
+    </dgm:scene3d>
+    <dgm:sp3d/>
+    <dgm:txPr/>
+    <dgm:style>
+      <a:lnRef idx="3">
+        <a:scrgbClr r="0" g="0" b="0"/>
+      </a:lnRef>
+      <a:fillRef idx="1">
+        <a:scrgbClr r="0" g="0" b="0"/>
+      </a:fillRef>
+      <a:effectRef idx="1">
+        <a:scrgbClr r="0" g="0" b="0"/>
+      </a:effectRef>
+      <a:fontRef idx="minor">
+        <a:schemeClr val="lt1"/>
+      </a:fontRef>
+    </dgm:style>
+  </dgm:styleLbl>
+  <dgm:styleLbl name="parChTrans1D1">
+    <dgm:scene3d>
+      <a:camera prst="orthographicFront"/>
+      <a:lightRig rig="threePt" dir="t"/>
+    </dgm:scene3d>
+    <dgm:sp3d/>
+    <dgm:txPr/>
+    <dgm:style>
+      <a:lnRef idx="2">
+        <a:scrgbClr r="0" g="0" b="0"/>
+      </a:lnRef>
+      <a:fillRef idx="0">
+        <a:scrgbClr r="0" g="0" b="0"/>
+      </a:fillRef>
+      <a:effectRef idx="0">
+        <a:scrgbClr r="0" g="0" b="0"/>
+      </a:effectRef>
+      <a:fontRef idx="minor"/>
+    </dgm:style>
+  </dgm:styleLbl>
+  <dgm:styleLbl name="parChTrans1D2">
+    <dgm:scene3d>
+      <a:camera prst="orthographicFront"/>
+      <a:lightRig rig="threePt" dir="t"/>
+    </dgm:scene3d>
+    <dgm:sp3d/>
+    <dgm:txPr/>
+    <dgm:style>
+      <a:lnRef idx="2">
+        <a:scrgbClr r="0" g="0" b="0"/>
+      </a:lnRef>
+      <a:fillRef idx="0">
+        <a:scrgbClr r="0" g="0" b="0"/>
+      </a:fillRef>
+      <a:effectRef idx="0">
+        <a:scrgbClr r="0" g="0" b="0"/>
+      </a:effectRef>
+      <a:fontRef idx="minor"/>
+    </dgm:style>
+  </dgm:styleLbl>
+  <dgm:styleLbl name="parChTrans1D3">
+    <dgm:scene3d>
+      <a:camera prst="orthographicFront"/>
+      <a:lightRig rig="threePt" dir="t"/>
+    </dgm:scene3d>
+    <dgm:sp3d/>
+    <dgm:txPr/>
+    <dgm:style>
+      <a:lnRef idx="2">
+        <a:scrgbClr r="0" g="0" b="0"/>
+      </a:lnRef>
+      <a:fillRef idx="0">
+        <a:scrgbClr r="0" g="0" b="0"/>
+      </a:fillRef>
+      <a:effectRef idx="0">
+        <a:scrgbClr r="0" g="0" b="0"/>
+      </a:effectRef>
+      <a:fontRef idx="minor"/>
+    </dgm:style>
+  </dgm:styleLbl>
+  <dgm:styleLbl name="parChTrans1D4">
+    <dgm:scene3d>
+      <a:camera prst="orthographicFront"/>
+      <a:lightRig rig="threePt" dir="t"/>
+    </dgm:scene3d>
+    <dgm:sp3d/>
+    <dgm:txPr/>
+    <dgm:style>
+      <a:lnRef idx="2">
+        <a:scrgbClr r="0" g="0" b="0"/>
+      </a:lnRef>
+      <a:fillRef idx="0">
+        <a:scrgbClr r="0" g="0" b="0"/>
+      </a:fillRef>
+      <a:effectRef idx="0">
+        <a:scrgbClr r="0" g="0" b="0"/>
+      </a:effectRef>
+      <a:fontRef idx="minor"/>
+    </dgm:style>
+  </dgm:styleLbl>
+  <dgm:styleLbl name="fgAcc1">
+    <dgm:scene3d>
+      <a:camera prst="orthographicFront"/>
+      <a:lightRig rig="threePt" dir="t"/>
+    </dgm:scene3d>
+    <dgm:sp3d/>
+    <dgm:txPr/>
+    <dgm:style>
+      <a:lnRef idx="2">
+        <a:scrgbClr r="0" g="0" b="0"/>
+      </a:lnRef>
+      <a:fillRef idx="1">
+        <a:scrgbClr r="0" g="0" b="0"/>
+      </a:fillRef>
+      <a:effectRef idx="0">
+        <a:scrgbClr r="0" g="0" b="0"/>
+      </a:effectRef>
+      <a:fontRef idx="minor"/>
+    </dgm:style>
+  </dgm:styleLbl>
+  <dgm:styleLbl name="conFgAcc1">
+    <dgm:scene3d>
+      <a:camera prst="orthographicFront"/>
+      <a:lightRig rig="threePt" dir="t"/>
+    </dgm:scene3d>
+    <dgm:sp3d/>
+    <dgm:txPr/>
+    <dgm:style>
+      <a:lnRef idx="2">
+        <a:scrgbClr r="0" g="0" b="0"/>
+      </a:lnRef>
+      <a:fillRef idx="1">
+        <a:scrgbClr r="0" g="0" b="0"/>
+      </a:fillRef>
+      <a:effectRef idx="0">
+        <a:scrgbClr r="0" g="0" b="0"/>
+      </a:effectRef>
+      <a:fontRef idx="minor"/>
+    </dgm:style>
+  </dgm:styleLbl>
+  <dgm:styleLbl name="alignAcc1">
+    <dgm:scene3d>
+      <a:camera prst="orthographicFront"/>
+      <a:lightRig rig="threePt" dir="t"/>
+    </dgm:scene3d>
+    <dgm:sp3d/>
+    <dgm:txPr/>
+    <dgm:style>
+      <a:lnRef idx="2">
+        <a:scrgbClr r="0" g="0" b="0"/>
+      </a:lnRef>
+      <a:fillRef idx="1">
+        <a:scrgbClr r="0" g="0" b="0"/>
+      </a:fillRef>
+      <a:effectRef idx="0">
+        <a:scrgbClr r="0" g="0" b="0"/>
+      </a:effectRef>
+      <a:fontRef idx="minor"/>
+    </dgm:style>
+  </dgm:styleLbl>
+  <dgm:styleLbl name="trAlignAcc1">
+    <dgm:scene3d>
+      <a:camera prst="orthographicFront"/>
+      <a:lightRig rig="threePt" dir="t"/>
+    </dgm:scene3d>
+    <dgm:sp3d/>
+    <dgm:txPr/>
+    <dgm:style>
+      <a:lnRef idx="1">
+        <a:scrgbClr r="0" g="0" b="0"/>
+      </a:lnRef>
+      <a:fillRef idx="1">
+        <a:scrgbClr r="0" g="0" b="0"/>
+      </a:fillRef>
+      <a:effectRef idx="0">
+        <a:scrgbClr r="0" g="0" b="0"/>
+      </a:effectRef>
+      <a:fontRef idx="minor"/>
+    </dgm:style>
+  </dgm:styleLbl>
+  <dgm:styleLbl name="bgAcc1">
+    <dgm:scene3d>
+      <a:camera prst="orthographicFront"/>
+      <a:lightRig rig="threePt" dir="t"/>
+    </dgm:scene3d>
+    <dgm:sp3d/>
+    <dgm:txPr/>
+    <dgm:style>
+      <a:lnRef idx="2">
+        <a:scrgbClr r="0" g="0" b="0"/>
+      </a:lnRef>
+      <a:fillRef idx="1">
+        <a:scrgbClr r="0" g="0" b="0"/>
+      </a:fillRef>
+      <a:effectRef idx="0">
+        <a:scrgbClr r="0" g="0" b="0"/>
+      </a:effectRef>
+      <a:fontRef idx="minor"/>
+    </dgm:style>
+  </dgm:styleLbl>
+  <dgm:styleLbl name="solidFgAcc1">
+    <dgm:scene3d>
+      <a:camera prst="orthographicFront"/>
+      <a:lightRig rig="threePt" dir="t"/>
+    </dgm:scene3d>
+    <dgm:sp3d/>
+    <dgm:txPr/>
+    <dgm:style>
+      <a:lnRef idx="2">
+        <a:scrgbClr r="0" g="0" b="0"/>
+      </a:lnRef>
+      <a:fillRef idx="1">
+        <a:scrgbClr r="0" g="0" b="0"/>
+      </a:fillRef>
+      <a:effectRef idx="0">
+        <a:scrgbClr r="0" g="0" b="0"/>
+      </a:effectRef>
+      <a:fontRef idx="minor"/>
+    </dgm:style>
+  </dgm:styleLbl>
+  <dgm:styleLbl name="solidAlignAcc1">
+    <dgm:scene3d>
+      <a:camera prst="orthographicFront"/>
+      <a:lightRig rig="threePt" dir="t"/>
+    </dgm:scene3d>
+    <dgm:sp3d/>
+    <dgm:txPr/>
+    <dgm:style>
+      <a:lnRef idx="2">
+        <a:scrgbClr r="0" g="0" b="0"/>
+      </a:lnRef>
+      <a:fillRef idx="1">
+        <a:scrgbClr r="0" g="0" b="0"/>
+      </a:fillRef>
+      <a:effectRef idx="0">
+        <a:scrgbClr r="0" g="0" b="0"/>
+      </a:effectRef>
+      <a:fontRef idx="minor"/>
+    </dgm:style>
+  </dgm:styleLbl>
+  <dgm:styleLbl name="solidBgAcc1">
+    <dgm:scene3d>
+      <a:camera prst="orthographicFront"/>
+      <a:lightRig rig="threePt" dir="t"/>
+    </dgm:scene3d>
+    <dgm:sp3d/>
+    <dgm:txPr/>
+    <dgm:style>
+      <a:lnRef idx="2">
+        <a:scrgbClr r="0" g="0" b="0"/>
+      </a:lnRef>
+      <a:fillRef idx="1">
+        <a:scrgbClr r="0" g="0" b="0"/>
+      </a:fillRef>
+      <a:effectRef idx="0">
+        <a:scrgbClr r="0" g="0" b="0"/>
+      </a:effectRef>
+      <a:fontRef idx="minor"/>
+    </dgm:style>
+  </dgm:styleLbl>
+  <dgm:styleLbl name="fgAccFollowNode1">
+    <dgm:scene3d>
+      <a:camera prst="orthographicFront"/>
+      <a:lightRig rig="threePt" dir="t"/>
+    </dgm:scene3d>
+    <dgm:sp3d/>
+    <dgm:txPr/>
+    <dgm:style>
+      <a:lnRef idx="2">
+        <a:scrgbClr r="0" g="0" b="0"/>
+      </a:lnRef>
+      <a:fillRef idx="1">
+        <a:scrgbClr r="0" g="0" b="0"/>
+      </a:fillRef>
+      <a:effectRef idx="0">
+        <a:scrgbClr r="0" g="0" b="0"/>
+      </a:effectRef>
+      <a:fontRef idx="minor"/>
+    </dgm:style>
+  </dgm:styleLbl>
+  <dgm:styleLbl name="alignAccFollowNode1">
+    <dgm:scene3d>
+      <a:camera prst="orthographicFront"/>
+      <a:lightRig rig="threePt" dir="t"/>
+    </dgm:scene3d>
+    <dgm:sp3d/>
+    <dgm:txPr/>
+    <dgm:style>
+      <a:lnRef idx="2">
+        <a:scrgbClr r="0" g="0" b="0"/>
+      </a:lnRef>
+      <a:fillRef idx="1">
+        <a:scrgbClr r="0" g="0" b="0"/>
+      </a:fillRef>
+      <a:effectRef idx="0">
+        <a:scrgbClr r="0" g="0" b="0"/>
+      </a:effectRef>
+      <a:fontRef idx="minor"/>
+    </dgm:style>
+  </dgm:styleLbl>
+  <dgm:styleLbl name="bgAccFollowNode1">
+    <dgm:scene3d>
+      <a:camera prst="orthographicFront"/>
+      <a:lightRig rig="threePt" dir="t"/>
+    </dgm:scene3d>
+    <dgm:sp3d/>
+    <dgm:txPr/>
+    <dgm:style>
+      <a:lnRef idx="2">
+        <a:scrgbClr r="0" g="0" b="0"/>
+      </a:lnRef>
+      <a:fillRef idx="1">
+        <a:scrgbClr r="0" g="0" b="0"/>
+      </a:fillRef>
+      <a:effectRef idx="0">
+        <a:scrgbClr r="0" g="0" b="0"/>
+      </a:effectRef>
+      <a:fontRef idx="minor"/>
+    </dgm:style>
+  </dgm:styleLbl>
+  <dgm:styleLbl name="fgAcc0">
+    <dgm:scene3d>
+      <a:camera prst="orthographicFront"/>
+      <a:lightRig rig="threePt" dir="t"/>
+    </dgm:scene3d>
+    <dgm:sp3d/>
+    <dgm:txPr/>
+    <dgm:style>
+      <a:lnRef idx="2">
+        <a:scrgbClr r="0" g="0" b="0"/>
+      </a:lnRef>
+      <a:fillRef idx="1">
+        <a:scrgbClr r="0" g="0" b="0"/>
+      </a:fillRef>
+      <a:effectRef idx="0">
+        <a:scrgbClr r="0" g="0" b="0"/>
+      </a:effectRef>
+      <a:fontRef idx="minor"/>
+    </dgm:style>
+  </dgm:styleLbl>
+  <dgm:styleLbl name="fgAcc2">
+    <dgm:scene3d>
+      <a:camera prst="orthographicFront"/>
+      <a:lightRig rig="threePt" dir="t"/>
+    </dgm:scene3d>
+    <dgm:sp3d/>
+    <dgm:txPr/>
+    <dgm:style>
+      <a:lnRef idx="2">
+        <a:scrgbClr r="0" g="0" b="0"/>
+      </a:lnRef>
+      <a:fillRef idx="1">
+        <a:scrgbClr r="0" g="0" b="0"/>
+      </a:fillRef>
+      <a:effectRef idx="0">
+        <a:scrgbClr r="0" g="0" b="0"/>
+      </a:effectRef>
+      <a:fontRef idx="minor"/>
+    </dgm:style>
+  </dgm:styleLbl>
+  <dgm:styleLbl name="fgAcc3">
+    <dgm:scene3d>
+      <a:camera prst="orthographicFront"/>
+      <a:lightRig rig="threePt" dir="t"/>
+    </dgm:scene3d>
+    <dgm:sp3d/>
+    <dgm:txPr/>
+    <dgm:style>
+      <a:lnRef idx="2">
+        <a:scrgbClr r="0" g="0" b="0"/>
+      </a:lnRef>
+      <a:fillRef idx="1">
+        <a:scrgbClr r="0" g="0" b="0"/>
+      </a:fillRef>
+      <a:effectRef idx="0">
+        <a:scrgbClr r="0" g="0" b="0"/>
+      </a:effectRef>
+      <a:fontRef idx="minor"/>
+    </dgm:style>
+  </dgm:styleLbl>
+  <dgm:styleLbl name="fgAcc4">
+    <dgm:scene3d>
+      <a:camera prst="orthographicFront"/>
+      <a:lightRig rig="threePt" dir="t"/>
+    </dgm:scene3d>
+    <dgm:sp3d/>
+    <dgm:txPr/>
+    <dgm:style>
+      <a:lnRef idx="2">
+        <a:scrgbClr r="0" g="0" b="0"/>
+      </a:lnRef>
+      <a:fillRef idx="1">
+        <a:scrgbClr r="0" g="0" b="0"/>
+      </a:fillRef>
+      <a:effectRef idx="0">
+        <a:scrgbClr r="0" g="0" b="0"/>
+      </a:effectRef>
+      <a:fontRef idx="minor"/>
+    </dgm:style>
+  </dgm:styleLbl>
+  <dgm:styleLbl name="bgShp">
+    <dgm:scene3d>
+      <a:camera prst="orthographicFront"/>
+      <a:lightRig rig="threePt" dir="t"/>
+    </dgm:scene3d>
+    <dgm:sp3d/>
+    <dgm:txPr/>
+    <dgm:style>
+      <a:lnRef idx="0">
+        <a:scrgbClr r="0" g="0" b="0"/>
+      </a:lnRef>
+      <a:fillRef idx="1">
+        <a:scrgbClr r="0" g="0" b="0"/>
+      </a:fillRef>
+      <a:effectRef idx="0">
+        <a:scrgbClr r="0" g="0" b="0"/>
+      </a:effectRef>
+      <a:fontRef idx="minor"/>
+    </dgm:style>
+  </dgm:styleLbl>
+  <dgm:styleLbl name="dkBgShp">
+    <dgm:scene3d>
+      <a:camera prst="orthographicFront"/>
+      <a:lightRig rig="threePt" dir="t"/>
+    </dgm:scene3d>
+    <dgm:sp3d/>
+    <dgm:txPr/>
+    <dgm:style>
+      <a:lnRef idx="0">
+        <a:scrgbClr r="0" g="0" b="0"/>
+      </a:lnRef>
+      <a:fillRef idx="1">
+        <a:scrgbClr r="0" g="0" b="0"/>
+      </a:fillRef>
+      <a:effectRef idx="0">
+        <a:scrgbClr r="0" g="0" b="0"/>
+      </a:effectRef>
+      <a:fontRef idx="minor"/>
+    </dgm:style>
+  </dgm:styleLbl>
+  <dgm:styleLbl name="trBgShp">
+    <dgm:scene3d>
+      <a:camera prst="orthographicFront"/>
+      <a:lightRig rig="threePt" dir="t"/>
+    </dgm:scene3d>
+    <dgm:sp3d/>
+    <dgm:txPr/>
+    <dgm:style>
+      <a:lnRef idx="0">
+        <a:scrgbClr r="0" g="0" b="0"/>
+      </a:lnRef>
+      <a:fillRef idx="1">
+        <a:scrgbClr r="0" g="0" b="0"/>
+      </a:fillRef>
+      <a:effectRef idx="0">
+        <a:scrgbClr r="0" g="0" b="0"/>
+      </a:effectRef>
+      <a:fontRef idx="minor"/>
+    </dgm:style>
+  </dgm:styleLbl>
+  <dgm:styleLbl name="fgShp">
+    <dgm:scene3d>
+      <a:camera prst="orthographicFront"/>
+      <a:lightRig rig="threePt" dir="t"/>
+    </dgm:scene3d>
+    <dgm:sp3d/>
+    <dgm:txPr/>
+    <dgm:style>
+      <a:lnRef idx="3">
+        <a:scrgbClr r="0" g="0" b="0"/>
+      </a:lnRef>
+      <a:fillRef idx="1">
+        <a:scrgbClr r="0" g="0" b="0"/>
+      </a:fillRef>
+      <a:effectRef idx="1">
+        <a:scrgbClr r="0" g="0" b="0"/>
+      </a:effectRef>
+      <a:fontRef idx="minor"/>
+    </dgm:style>
+  </dgm:styleLbl>
+  <dgm:styleLbl name="revTx">
+    <dgm:scene3d>
+      <a:camera prst="orthographicFront"/>
+      <a:lightRig rig="threePt" dir="t"/>
+    </dgm:scene3d>
+    <dgm:sp3d/>
+    <dgm:txPr/>
+    <dgm:style>
+      <a:lnRef idx="0">
+        <a:scrgbClr r="0" g="0" b="0"/>
+      </a:lnRef>
+      <a:fillRef idx="0">
+        <a:scrgbClr r="0" g="0" b="0"/>
+      </a:fillRef>
+      <a:effectRef idx="0">
+        <a:scrgbClr r="0" g="0" b="0"/>
+      </a:effectRef>
+      <a:fontRef idx="minor"/>
+    </dgm:style>
+  </dgm:styleLbl>
+</dgm:styleDef>
+</file>
+
+<file path=ppt/diagrams/quickStyle7.xml><?xml version="1.0" encoding="utf-8"?>
 <dgm:styleDef xmlns:dgm="http://schemas.openxmlformats.org/drawingml/2006/diagram" xmlns:a="http://schemas.openxmlformats.org/drawingml/2006/main" uniqueId="urn:microsoft.com/office/officeart/2005/8/quickstyle/simple3">
   <dgm:title val=""/>
   <dgm:desc val=""/>
@@ -33358,7 +39926,7 @@
           <a:p>
             <a:fld id="{904D49A9-ADA7-4370-9052-09D7E5AC09B3}" type="datetimeFigureOut">
               <a:rPr lang="en-DK" smtClean="0"/>
-              <a:t>03/11/2023</a:t>
+              <a:t>08/04/2024</a:t>
             </a:fld>
             <a:endParaRPr lang="en-DK"/>
           </a:p>
@@ -33558,7 +40126,7 @@
           <a:p>
             <a:fld id="{904D49A9-ADA7-4370-9052-09D7E5AC09B3}" type="datetimeFigureOut">
               <a:rPr lang="en-DK" smtClean="0"/>
-              <a:t>03/11/2023</a:t>
+              <a:t>08/04/2024</a:t>
             </a:fld>
             <a:endParaRPr lang="en-DK"/>
           </a:p>
@@ -33768,7 +40336,7 @@
           <a:p>
             <a:fld id="{904D49A9-ADA7-4370-9052-09D7E5AC09B3}" type="datetimeFigureOut">
               <a:rPr lang="en-DK" smtClean="0"/>
-              <a:t>03/11/2023</a:t>
+              <a:t>08/04/2024</a:t>
             </a:fld>
             <a:endParaRPr lang="en-DK"/>
           </a:p>
@@ -33881,7 +40449,7 @@
           <a:p>
             <a:fld id="{938D4F65-00CB-47A6-A36C-DC88716242B1}" type="datetimeFigureOut">
               <a:rPr lang="en-DK" smtClean="0"/>
-              <a:t>03/11/2023</a:t>
+              <a:t>08/04/2024</a:t>
             </a:fld>
             <a:endParaRPr lang="en-DK"/>
           </a:p>
@@ -34081,7 +40649,7 @@
           <a:p>
             <a:fld id="{904D49A9-ADA7-4370-9052-09D7E5AC09B3}" type="datetimeFigureOut">
               <a:rPr lang="en-DK" smtClean="0"/>
-              <a:t>03/11/2023</a:t>
+              <a:t>08/04/2024</a:t>
             </a:fld>
             <a:endParaRPr lang="en-DK"/>
           </a:p>
@@ -34357,7 +40925,7 @@
           <a:p>
             <a:fld id="{904D49A9-ADA7-4370-9052-09D7E5AC09B3}" type="datetimeFigureOut">
               <a:rPr lang="en-DK" smtClean="0"/>
-              <a:t>03/11/2023</a:t>
+              <a:t>08/04/2024</a:t>
             </a:fld>
             <a:endParaRPr lang="en-DK"/>
           </a:p>
@@ -34625,7 +41193,7 @@
           <a:p>
             <a:fld id="{904D49A9-ADA7-4370-9052-09D7E5AC09B3}" type="datetimeFigureOut">
               <a:rPr lang="en-DK" smtClean="0"/>
-              <a:t>03/11/2023</a:t>
+              <a:t>08/04/2024</a:t>
             </a:fld>
             <a:endParaRPr lang="en-DK"/>
           </a:p>
@@ -35040,7 +41608,7 @@
           <a:p>
             <a:fld id="{904D49A9-ADA7-4370-9052-09D7E5AC09B3}" type="datetimeFigureOut">
               <a:rPr lang="en-DK" smtClean="0"/>
-              <a:t>03/11/2023</a:t>
+              <a:t>08/04/2024</a:t>
             </a:fld>
             <a:endParaRPr lang="en-DK"/>
           </a:p>
@@ -35182,7 +41750,7 @@
           <a:p>
             <a:fld id="{904D49A9-ADA7-4370-9052-09D7E5AC09B3}" type="datetimeFigureOut">
               <a:rPr lang="en-DK" smtClean="0"/>
-              <a:t>03/11/2023</a:t>
+              <a:t>08/04/2024</a:t>
             </a:fld>
             <a:endParaRPr lang="en-DK"/>
           </a:p>
@@ -35295,7 +41863,7 @@
           <a:p>
             <a:fld id="{904D49A9-ADA7-4370-9052-09D7E5AC09B3}" type="datetimeFigureOut">
               <a:rPr lang="en-DK" smtClean="0"/>
-              <a:t>03/11/2023</a:t>
+              <a:t>08/04/2024</a:t>
             </a:fld>
             <a:endParaRPr lang="en-DK"/>
           </a:p>
@@ -35608,7 +42176,7 @@
           <a:p>
             <a:fld id="{904D49A9-ADA7-4370-9052-09D7E5AC09B3}" type="datetimeFigureOut">
               <a:rPr lang="en-DK" smtClean="0"/>
-              <a:t>03/11/2023</a:t>
+              <a:t>08/04/2024</a:t>
             </a:fld>
             <a:endParaRPr lang="en-DK"/>
           </a:p>
@@ -35897,7 +42465,7 @@
           <a:p>
             <a:fld id="{904D49A9-ADA7-4370-9052-09D7E5AC09B3}" type="datetimeFigureOut">
               <a:rPr lang="en-DK" smtClean="0"/>
-              <a:t>03/11/2023</a:t>
+              <a:t>08/04/2024</a:t>
             </a:fld>
             <a:endParaRPr lang="en-DK"/>
           </a:p>
@@ -36140,7 +42708,7 @@
           <a:p>
             <a:fld id="{904D49A9-ADA7-4370-9052-09D7E5AC09B3}" type="datetimeFigureOut">
               <a:rPr lang="en-DK" smtClean="0"/>
-              <a:t>03/11/2023</a:t>
+              <a:t>08/04/2024</a:t>
             </a:fld>
             <a:endParaRPr lang="en-DK"/>
           </a:p>
@@ -36710,7 +43278,7 @@
           <a:p>
             <a:fld id="{938D4F65-00CB-47A6-A36C-DC88716242B1}" type="datetimeFigureOut">
               <a:rPr lang="en-DK" smtClean="0"/>
-              <a:t>03/11/2023</a:t>
+              <a:t>08/04/2024</a:t>
             </a:fld>
             <a:endParaRPr lang="en-DK"/>
           </a:p>
@@ -38143,6 +44711,896 @@
       </p:grpSpPr>
       <p:graphicFrame>
         <p:nvGraphicFramePr>
+          <p:cNvPr id="2" name="Diagram 1">
+            <a:extLst>
+              <a:ext uri="{FF2B5EF4-FFF2-40B4-BE49-F238E27FC236}">
+                <a16:creationId xmlns:a16="http://schemas.microsoft.com/office/drawing/2014/main" id="{408C9AB3-5A5F-D20D-2019-E363A5F4CC5E}"/>
+              </a:ext>
+            </a:extLst>
+          </p:cNvPr>
+          <p:cNvGraphicFramePr/>
+          <p:nvPr>
+            <p:extLst>
+              <p:ext uri="{D42A27DB-BD31-4B8C-83A1-F6EECF244321}">
+                <p14:modId xmlns:p14="http://schemas.microsoft.com/office/powerpoint/2010/main" val="568440365"/>
+              </p:ext>
+            </p:extLst>
+          </p:nvPr>
+        </p:nvGraphicFramePr>
+        <p:xfrm>
+          <a:off x="388288" y="2098975"/>
+          <a:ext cx="9194803" cy="2163029"/>
+        </p:xfrm>
+        <a:graphic>
+          <a:graphicData uri="http://schemas.openxmlformats.org/drawingml/2006/diagram">
+            <dgm:relIds xmlns:dgm="http://schemas.openxmlformats.org/drawingml/2006/diagram" xmlns:r="http://schemas.openxmlformats.org/officeDocument/2006/relationships" r:dm="rId2" r:lo="rId3" r:qs="rId4" r:cs="rId5"/>
+          </a:graphicData>
+        </a:graphic>
+      </p:graphicFrame>
+      <p:grpSp>
+        <p:nvGrpSpPr>
+          <p:cNvPr id="14" name="Group 13">
+            <a:extLst>
+              <a:ext uri="{FF2B5EF4-FFF2-40B4-BE49-F238E27FC236}">
+                <a16:creationId xmlns:a16="http://schemas.microsoft.com/office/drawing/2014/main" id="{9DCD9056-29DA-6A3A-0C7C-77E71BB3C62C}"/>
+              </a:ext>
+            </a:extLst>
+          </p:cNvPr>
+          <p:cNvGrpSpPr/>
+          <p:nvPr/>
+        </p:nvGrpSpPr>
+        <p:grpSpPr>
+          <a:xfrm>
+            <a:off x="1769941" y="3904947"/>
+            <a:ext cx="6564756" cy="845031"/>
+            <a:chOff x="1368447" y="788273"/>
+            <a:chExt cx="7870141" cy="958546"/>
+          </a:xfrm>
+        </p:grpSpPr>
+        <p:sp>
+          <p:nvSpPr>
+            <p:cNvPr id="15" name="Rectangle: Diagonal Corners Snipped 14">
+              <a:extLst>
+                <a:ext uri="{FF2B5EF4-FFF2-40B4-BE49-F238E27FC236}">
+                  <a16:creationId xmlns:a16="http://schemas.microsoft.com/office/drawing/2014/main" id="{B6EE358A-1CB2-6E3C-775C-9BD6FA8EF738}"/>
+                </a:ext>
+              </a:extLst>
+            </p:cNvPr>
+            <p:cNvSpPr/>
+            <p:nvPr/>
+          </p:nvSpPr>
+          <p:spPr>
+            <a:xfrm>
+              <a:off x="1368447" y="788276"/>
+              <a:ext cx="1847719" cy="958543"/>
+            </a:xfrm>
+            <a:prstGeom prst="snip2DiagRect">
+              <a:avLst/>
+            </a:prstGeom>
+          </p:spPr>
+          <p:style>
+            <a:lnRef idx="2">
+              <a:schemeClr val="accent1">
+                <a:shade val="15000"/>
+              </a:schemeClr>
+            </a:lnRef>
+            <a:fillRef idx="1">
+              <a:schemeClr val="accent1"/>
+            </a:fillRef>
+            <a:effectRef idx="0">
+              <a:schemeClr val="accent1"/>
+            </a:effectRef>
+            <a:fontRef idx="minor">
+              <a:schemeClr val="lt1"/>
+            </a:fontRef>
+          </p:style>
+          <p:txBody>
+            <a:bodyPr rtlCol="0" anchor="ctr"/>
+            <a:lstStyle/>
+            <a:p>
+              <a:pPr algn="ctr"/>
+              <a:r>
+                <a:rPr lang="en-GB" sz="1200" dirty="0">
+                  <a:latin typeface="Segoe UI Semilight" panose="020B0402040204020203" pitchFamily="34" charset="0"/>
+                  <a:cs typeface="Segoe UI Semilight" panose="020B0402040204020203" pitchFamily="34" charset="0"/>
+                </a:rPr>
+                <a:t>Inventory to deliver</a:t>
+              </a:r>
+              <a:endParaRPr lang="en-US" sz="1200" dirty="0">
+                <a:latin typeface="Segoe UI Semilight" panose="020B0402040204020203" pitchFamily="34" charset="0"/>
+                <a:cs typeface="Segoe UI Semilight" panose="020B0402040204020203" pitchFamily="34" charset="0"/>
+              </a:endParaRPr>
+            </a:p>
+          </p:txBody>
+        </p:sp>
+        <p:sp>
+          <p:nvSpPr>
+            <p:cNvPr id="16" name="Rectangle: Diagonal Corners Snipped 15">
+              <a:extLst>
+                <a:ext uri="{FF2B5EF4-FFF2-40B4-BE49-F238E27FC236}">
+                  <a16:creationId xmlns:a16="http://schemas.microsoft.com/office/drawing/2014/main" id="{6C06EA63-6DA1-6227-0EF3-A59B2BE52355}"/>
+                </a:ext>
+              </a:extLst>
+            </p:cNvPr>
+            <p:cNvSpPr/>
+            <p:nvPr/>
+          </p:nvSpPr>
+          <p:spPr>
+            <a:xfrm>
+              <a:off x="3375921" y="788275"/>
+              <a:ext cx="1847719" cy="958543"/>
+            </a:xfrm>
+            <a:prstGeom prst="snip2DiagRect">
+              <a:avLst/>
+            </a:prstGeom>
+          </p:spPr>
+          <p:style>
+            <a:lnRef idx="2">
+              <a:schemeClr val="accent1">
+                <a:shade val="15000"/>
+              </a:schemeClr>
+            </a:lnRef>
+            <a:fillRef idx="1">
+              <a:schemeClr val="accent1"/>
+            </a:fillRef>
+            <a:effectRef idx="0">
+              <a:schemeClr val="accent1"/>
+            </a:effectRef>
+            <a:fontRef idx="minor">
+              <a:schemeClr val="lt1"/>
+            </a:fontRef>
+          </p:style>
+          <p:txBody>
+            <a:bodyPr rtlCol="0" anchor="ctr"/>
+            <a:lstStyle/>
+            <a:p>
+              <a:pPr algn="ctr"/>
+              <a:r>
+                <a:rPr lang="en-GB" sz="1200" dirty="0">
+                  <a:latin typeface="Segoe UI Semilight" panose="020B0402040204020203" pitchFamily="34" charset="0"/>
+                  <a:cs typeface="Segoe UI Semilight" panose="020B0402040204020203" pitchFamily="34" charset="0"/>
+                </a:rPr>
+                <a:t>Record to report</a:t>
+              </a:r>
+              <a:endParaRPr lang="en-US" sz="1200" dirty="0">
+                <a:latin typeface="Segoe UI Semilight" panose="020B0402040204020203" pitchFamily="34" charset="0"/>
+                <a:cs typeface="Segoe UI Semilight" panose="020B0402040204020203" pitchFamily="34" charset="0"/>
+              </a:endParaRPr>
+            </a:p>
+          </p:txBody>
+        </p:sp>
+        <p:sp>
+          <p:nvSpPr>
+            <p:cNvPr id="17" name="Rectangle: Diagonal Corners Snipped 16">
+              <a:extLst>
+                <a:ext uri="{FF2B5EF4-FFF2-40B4-BE49-F238E27FC236}">
+                  <a16:creationId xmlns:a16="http://schemas.microsoft.com/office/drawing/2014/main" id="{308CB131-247C-5C08-B0CF-0A0D77640DE2}"/>
+                </a:ext>
+              </a:extLst>
+            </p:cNvPr>
+            <p:cNvSpPr/>
+            <p:nvPr/>
+          </p:nvSpPr>
+          <p:spPr>
+            <a:xfrm>
+              <a:off x="5383395" y="788274"/>
+              <a:ext cx="1847719" cy="958543"/>
+            </a:xfrm>
+            <a:prstGeom prst="snip2DiagRect">
+              <a:avLst/>
+            </a:prstGeom>
+          </p:spPr>
+          <p:style>
+            <a:lnRef idx="2">
+              <a:schemeClr val="accent1">
+                <a:shade val="15000"/>
+              </a:schemeClr>
+            </a:lnRef>
+            <a:fillRef idx="1">
+              <a:schemeClr val="accent1"/>
+            </a:fillRef>
+            <a:effectRef idx="0">
+              <a:schemeClr val="accent1"/>
+            </a:effectRef>
+            <a:fontRef idx="minor">
+              <a:schemeClr val="lt1"/>
+            </a:fontRef>
+          </p:style>
+          <p:txBody>
+            <a:bodyPr rtlCol="0" anchor="ctr"/>
+            <a:lstStyle/>
+            <a:p>
+              <a:pPr algn="ctr"/>
+              <a:r>
+                <a:rPr lang="en-GB" sz="1200" dirty="0">
+                  <a:latin typeface="Segoe UI Semilight" panose="020B0402040204020203" pitchFamily="34" charset="0"/>
+                  <a:cs typeface="Segoe UI Semilight" panose="020B0402040204020203" pitchFamily="34" charset="0"/>
+                </a:rPr>
+                <a:t>Hire to retire</a:t>
+              </a:r>
+              <a:endParaRPr lang="en-US" sz="1200" dirty="0">
+                <a:latin typeface="Segoe UI Semilight" panose="020B0402040204020203" pitchFamily="34" charset="0"/>
+                <a:cs typeface="Segoe UI Semilight" panose="020B0402040204020203" pitchFamily="34" charset="0"/>
+              </a:endParaRPr>
+            </a:p>
+          </p:txBody>
+        </p:sp>
+        <p:sp>
+          <p:nvSpPr>
+            <p:cNvPr id="18" name="Rectangle: Diagonal Corners Snipped 17">
+              <a:extLst>
+                <a:ext uri="{FF2B5EF4-FFF2-40B4-BE49-F238E27FC236}">
+                  <a16:creationId xmlns:a16="http://schemas.microsoft.com/office/drawing/2014/main" id="{E56EE14C-5FF6-B698-5A2F-F763E5B2320C}"/>
+                </a:ext>
+              </a:extLst>
+            </p:cNvPr>
+            <p:cNvSpPr/>
+            <p:nvPr/>
+          </p:nvSpPr>
+          <p:spPr>
+            <a:xfrm>
+              <a:off x="7390869" y="788273"/>
+              <a:ext cx="1847719" cy="958543"/>
+            </a:xfrm>
+            <a:prstGeom prst="snip2DiagRect">
+              <a:avLst/>
+            </a:prstGeom>
+          </p:spPr>
+          <p:style>
+            <a:lnRef idx="2">
+              <a:schemeClr val="accent1">
+                <a:shade val="15000"/>
+              </a:schemeClr>
+            </a:lnRef>
+            <a:fillRef idx="1">
+              <a:schemeClr val="accent1"/>
+            </a:fillRef>
+            <a:effectRef idx="0">
+              <a:schemeClr val="accent1"/>
+            </a:effectRef>
+            <a:fontRef idx="minor">
+              <a:schemeClr val="lt1"/>
+            </a:fontRef>
+          </p:style>
+          <p:txBody>
+            <a:bodyPr rtlCol="0" anchor="ctr"/>
+            <a:lstStyle/>
+            <a:p>
+              <a:pPr algn="ctr"/>
+              <a:r>
+                <a:rPr lang="en-GB" sz="1200" dirty="0">
+                  <a:latin typeface="Segoe UI Semilight" panose="020B0402040204020203" pitchFamily="34" charset="0"/>
+                  <a:cs typeface="Segoe UI Semilight" panose="020B0402040204020203" pitchFamily="34" charset="0"/>
+                </a:rPr>
+                <a:t>Administer to operate</a:t>
+              </a:r>
+              <a:endParaRPr lang="en-US" sz="1200" dirty="0">
+                <a:latin typeface="Segoe UI Semilight" panose="020B0402040204020203" pitchFamily="34" charset="0"/>
+                <a:cs typeface="Segoe UI Semilight" panose="020B0402040204020203" pitchFamily="34" charset="0"/>
+              </a:endParaRPr>
+            </a:p>
+          </p:txBody>
+        </p:sp>
+      </p:grpSp>
+      <p:grpSp>
+        <p:nvGrpSpPr>
+          <p:cNvPr id="21" name="Group 20">
+            <a:extLst>
+              <a:ext uri="{FF2B5EF4-FFF2-40B4-BE49-F238E27FC236}">
+                <a16:creationId xmlns:a16="http://schemas.microsoft.com/office/drawing/2014/main" id="{93B5006D-578C-7C48-17EF-1EB93355EBB1}"/>
+              </a:ext>
+            </a:extLst>
+          </p:cNvPr>
+          <p:cNvGrpSpPr/>
+          <p:nvPr/>
+        </p:nvGrpSpPr>
+        <p:grpSpPr>
+          <a:xfrm>
+            <a:off x="1769941" y="961648"/>
+            <a:ext cx="6564756" cy="1179422"/>
+            <a:chOff x="1690064" y="1242158"/>
+            <a:chExt cx="6564756" cy="1179422"/>
+          </a:xfrm>
+        </p:grpSpPr>
+        <p:grpSp>
+          <p:nvGrpSpPr>
+            <p:cNvPr id="8" name="Group 7">
+              <a:extLst>
+                <a:ext uri="{FF2B5EF4-FFF2-40B4-BE49-F238E27FC236}">
+                  <a16:creationId xmlns:a16="http://schemas.microsoft.com/office/drawing/2014/main" id="{182EB303-5082-7253-D4B7-6C1B0491A55D}"/>
+                </a:ext>
+              </a:extLst>
+            </p:cNvPr>
+            <p:cNvGrpSpPr/>
+            <p:nvPr/>
+          </p:nvGrpSpPr>
+          <p:grpSpPr>
+            <a:xfrm>
+              <a:off x="1690064" y="1576549"/>
+              <a:ext cx="6564756" cy="845031"/>
+              <a:chOff x="1368447" y="788273"/>
+              <a:chExt cx="7870141" cy="958546"/>
+            </a:xfrm>
+          </p:grpSpPr>
+          <p:sp>
+            <p:nvSpPr>
+              <p:cNvPr id="4" name="Rectangle: Diagonal Corners Snipped 3">
+                <a:extLst>
+                  <a:ext uri="{FF2B5EF4-FFF2-40B4-BE49-F238E27FC236}">
+                    <a16:creationId xmlns:a16="http://schemas.microsoft.com/office/drawing/2014/main" id="{BDB57AB5-8638-58D6-0A08-201F792D230A}"/>
+                  </a:ext>
+                </a:extLst>
+              </p:cNvPr>
+              <p:cNvSpPr/>
+              <p:nvPr/>
+            </p:nvSpPr>
+            <p:spPr>
+              <a:xfrm>
+                <a:off x="1368447" y="788276"/>
+                <a:ext cx="1847719" cy="958543"/>
+              </a:xfrm>
+              <a:prstGeom prst="snip2DiagRect">
+                <a:avLst/>
+              </a:prstGeom>
+            </p:spPr>
+            <p:style>
+              <a:lnRef idx="2">
+                <a:schemeClr val="accent1">
+                  <a:shade val="15000"/>
+                </a:schemeClr>
+              </a:lnRef>
+              <a:fillRef idx="1">
+                <a:schemeClr val="accent1"/>
+              </a:fillRef>
+              <a:effectRef idx="0">
+                <a:schemeClr val="accent1"/>
+              </a:effectRef>
+              <a:fontRef idx="minor">
+                <a:schemeClr val="lt1"/>
+              </a:fontRef>
+            </p:style>
+            <p:txBody>
+              <a:bodyPr rtlCol="0" anchor="ctr"/>
+              <a:lstStyle/>
+              <a:p>
+                <a:pPr algn="ctr"/>
+                <a:r>
+                  <a:rPr lang="en-GB" sz="1200" dirty="0">
+                    <a:latin typeface="Segoe UI Semilight" panose="020B0402040204020203" pitchFamily="34" charset="0"/>
+                    <a:cs typeface="Segoe UI Semilight" panose="020B0402040204020203" pitchFamily="34" charset="0"/>
+                  </a:rPr>
+                  <a:t>Acquire to dispose</a:t>
+                </a:r>
+                <a:endParaRPr lang="en-US" sz="1200" dirty="0">
+                  <a:latin typeface="Segoe UI Semilight" panose="020B0402040204020203" pitchFamily="34" charset="0"/>
+                  <a:cs typeface="Segoe UI Semilight" panose="020B0402040204020203" pitchFamily="34" charset="0"/>
+                </a:endParaRPr>
+              </a:p>
+            </p:txBody>
+          </p:sp>
+          <p:sp>
+            <p:nvSpPr>
+              <p:cNvPr id="5" name="Rectangle: Diagonal Corners Snipped 4">
+                <a:extLst>
+                  <a:ext uri="{FF2B5EF4-FFF2-40B4-BE49-F238E27FC236}">
+                    <a16:creationId xmlns:a16="http://schemas.microsoft.com/office/drawing/2014/main" id="{D8B4C510-0B37-BBAA-EB6D-D1B3E2D8984D}"/>
+                  </a:ext>
+                </a:extLst>
+              </p:cNvPr>
+              <p:cNvSpPr/>
+              <p:nvPr/>
+            </p:nvSpPr>
+            <p:spPr>
+              <a:xfrm>
+                <a:off x="3375921" y="788275"/>
+                <a:ext cx="1847719" cy="958543"/>
+              </a:xfrm>
+              <a:prstGeom prst="snip2DiagRect">
+                <a:avLst/>
+              </a:prstGeom>
+            </p:spPr>
+            <p:style>
+              <a:lnRef idx="2">
+                <a:schemeClr val="accent1">
+                  <a:shade val="15000"/>
+                </a:schemeClr>
+              </a:lnRef>
+              <a:fillRef idx="1">
+                <a:schemeClr val="accent1"/>
+              </a:fillRef>
+              <a:effectRef idx="0">
+                <a:schemeClr val="accent1"/>
+              </a:effectRef>
+              <a:fontRef idx="minor">
+                <a:schemeClr val="lt1"/>
+              </a:fontRef>
+            </p:style>
+            <p:txBody>
+              <a:bodyPr rtlCol="0" anchor="ctr"/>
+              <a:lstStyle/>
+              <a:p>
+                <a:pPr algn="ctr"/>
+                <a:r>
+                  <a:rPr lang="en-GB" sz="1200" dirty="0">
+                    <a:latin typeface="Segoe UI Semilight" panose="020B0402040204020203" pitchFamily="34" charset="0"/>
+                    <a:cs typeface="Segoe UI Semilight" panose="020B0402040204020203" pitchFamily="34" charset="0"/>
+                  </a:rPr>
+                  <a:t>Concept to market</a:t>
+                </a:r>
+                <a:endParaRPr lang="en-US" sz="1200" dirty="0">
+                  <a:latin typeface="Segoe UI Semilight" panose="020B0402040204020203" pitchFamily="34" charset="0"/>
+                  <a:cs typeface="Segoe UI Semilight" panose="020B0402040204020203" pitchFamily="34" charset="0"/>
+                </a:endParaRPr>
+              </a:p>
+            </p:txBody>
+          </p:sp>
+          <p:sp>
+            <p:nvSpPr>
+              <p:cNvPr id="6" name="Rectangle: Diagonal Corners Snipped 5">
+                <a:extLst>
+                  <a:ext uri="{FF2B5EF4-FFF2-40B4-BE49-F238E27FC236}">
+                    <a16:creationId xmlns:a16="http://schemas.microsoft.com/office/drawing/2014/main" id="{61D0974D-5BB1-A027-F2BC-B9ECE5402503}"/>
+                  </a:ext>
+                </a:extLst>
+              </p:cNvPr>
+              <p:cNvSpPr/>
+              <p:nvPr/>
+            </p:nvSpPr>
+            <p:spPr>
+              <a:xfrm>
+                <a:off x="5383395" y="788274"/>
+                <a:ext cx="1847719" cy="958543"/>
+              </a:xfrm>
+              <a:prstGeom prst="snip2DiagRect">
+                <a:avLst/>
+              </a:prstGeom>
+            </p:spPr>
+            <p:style>
+              <a:lnRef idx="2">
+                <a:schemeClr val="accent1">
+                  <a:shade val="15000"/>
+                </a:schemeClr>
+              </a:lnRef>
+              <a:fillRef idx="1">
+                <a:schemeClr val="accent1"/>
+              </a:fillRef>
+              <a:effectRef idx="0">
+                <a:schemeClr val="accent1"/>
+              </a:effectRef>
+              <a:fontRef idx="minor">
+                <a:schemeClr val="lt1"/>
+              </a:fontRef>
+            </p:style>
+            <p:txBody>
+              <a:bodyPr rtlCol="0" anchor="ctr"/>
+              <a:lstStyle/>
+              <a:p>
+                <a:pPr algn="ctr"/>
+                <a:r>
+                  <a:rPr lang="en-GB" sz="1200" dirty="0">
+                    <a:latin typeface="Segoe UI Semilight" panose="020B0402040204020203" pitchFamily="34" charset="0"/>
+                    <a:cs typeface="Segoe UI Semilight" panose="020B0402040204020203" pitchFamily="34" charset="0"/>
+                  </a:rPr>
+                  <a:t>Design to retire</a:t>
+                </a:r>
+                <a:endParaRPr lang="en-US" sz="1200" dirty="0">
+                  <a:latin typeface="Segoe UI Semilight" panose="020B0402040204020203" pitchFamily="34" charset="0"/>
+                  <a:cs typeface="Segoe UI Semilight" panose="020B0402040204020203" pitchFamily="34" charset="0"/>
+                </a:endParaRPr>
+              </a:p>
+            </p:txBody>
+          </p:sp>
+          <p:sp>
+            <p:nvSpPr>
+              <p:cNvPr id="7" name="Rectangle: Diagonal Corners Snipped 6">
+                <a:extLst>
+                  <a:ext uri="{FF2B5EF4-FFF2-40B4-BE49-F238E27FC236}">
+                    <a16:creationId xmlns:a16="http://schemas.microsoft.com/office/drawing/2014/main" id="{B0EEA9CA-F88A-01B7-3875-B9153A071A1C}"/>
+                  </a:ext>
+                </a:extLst>
+              </p:cNvPr>
+              <p:cNvSpPr/>
+              <p:nvPr/>
+            </p:nvSpPr>
+            <p:spPr>
+              <a:xfrm>
+                <a:off x="7390869" y="788273"/>
+                <a:ext cx="1847719" cy="958543"/>
+              </a:xfrm>
+              <a:prstGeom prst="snip2DiagRect">
+                <a:avLst/>
+              </a:prstGeom>
+            </p:spPr>
+            <p:style>
+              <a:lnRef idx="2">
+                <a:schemeClr val="accent1">
+                  <a:shade val="15000"/>
+                </a:schemeClr>
+              </a:lnRef>
+              <a:fillRef idx="1">
+                <a:schemeClr val="accent1"/>
+              </a:fillRef>
+              <a:effectRef idx="0">
+                <a:schemeClr val="accent1"/>
+              </a:effectRef>
+              <a:fontRef idx="minor">
+                <a:schemeClr val="lt1"/>
+              </a:fontRef>
+            </p:style>
+            <p:txBody>
+              <a:bodyPr rtlCol="0" anchor="ctr"/>
+              <a:lstStyle/>
+              <a:p>
+                <a:pPr algn="ctr"/>
+                <a:r>
+                  <a:rPr lang="en-GB" sz="1200" dirty="0">
+                    <a:latin typeface="Segoe UI Semilight" panose="020B0402040204020203" pitchFamily="34" charset="0"/>
+                    <a:cs typeface="Segoe UI Semilight" panose="020B0402040204020203" pitchFamily="34" charset="0"/>
+                  </a:rPr>
+                  <a:t>Forecast to plan</a:t>
+                </a:r>
+                <a:endParaRPr lang="en-US" sz="1200" dirty="0">
+                  <a:latin typeface="Segoe UI Semilight" panose="020B0402040204020203" pitchFamily="34" charset="0"/>
+                  <a:cs typeface="Segoe UI Semilight" panose="020B0402040204020203" pitchFamily="34" charset="0"/>
+                </a:endParaRPr>
+              </a:p>
+            </p:txBody>
+          </p:sp>
+        </p:grpSp>
+        <p:sp>
+          <p:nvSpPr>
+            <p:cNvPr id="19" name="TextBox 18">
+              <a:extLst>
+                <a:ext uri="{FF2B5EF4-FFF2-40B4-BE49-F238E27FC236}">
+                  <a16:creationId xmlns:a16="http://schemas.microsoft.com/office/drawing/2014/main" id="{DBA66EFB-A0DB-7514-0EAF-71526D3E58D0}"/>
+                </a:ext>
+              </a:extLst>
+            </p:cNvPr>
+            <p:cNvSpPr txBox="1"/>
+            <p:nvPr/>
+          </p:nvSpPr>
+          <p:spPr>
+            <a:xfrm>
+              <a:off x="3897251" y="1242158"/>
+              <a:ext cx="1984326" cy="276999"/>
+            </a:xfrm>
+            <a:prstGeom prst="rect">
+              <a:avLst/>
+            </a:prstGeom>
+            <a:noFill/>
+          </p:spPr>
+          <p:txBody>
+            <a:bodyPr wrap="none" rtlCol="0">
+              <a:spAutoFit/>
+            </a:bodyPr>
+            <a:lstStyle/>
+            <a:p>
+              <a:r>
+                <a:rPr lang="en-GB" sz="1200" dirty="0">
+                  <a:latin typeface="Segoe UI" panose="020B0502040204020203" pitchFamily="34" charset="0"/>
+                  <a:cs typeface="Segoe UI" panose="020B0502040204020203" pitchFamily="34" charset="0"/>
+                </a:rPr>
+                <a:t>Processes to manage work</a:t>
+              </a:r>
+              <a:endParaRPr lang="en-US" sz="1200" dirty="0">
+                <a:latin typeface="Segoe UI" panose="020B0502040204020203" pitchFamily="34" charset="0"/>
+                <a:cs typeface="Segoe UI" panose="020B0502040204020203" pitchFamily="34" charset="0"/>
+              </a:endParaRPr>
+            </a:p>
+          </p:txBody>
+        </p:sp>
+      </p:grpSp>
+      <p:sp>
+        <p:nvSpPr>
+          <p:cNvPr id="20" name="TextBox 19">
+            <a:extLst>
+              <a:ext uri="{FF2B5EF4-FFF2-40B4-BE49-F238E27FC236}">
+                <a16:creationId xmlns:a16="http://schemas.microsoft.com/office/drawing/2014/main" id="{A8E876E7-403B-3D97-43A4-7C244764489E}"/>
+              </a:ext>
+            </a:extLst>
+          </p:cNvPr>
+          <p:cNvSpPr txBox="1"/>
+          <p:nvPr/>
+        </p:nvSpPr>
+        <p:spPr>
+          <a:xfrm>
+            <a:off x="4135190" y="4830795"/>
+            <a:ext cx="1967911" cy="276999"/>
+          </a:xfrm>
+          <a:prstGeom prst="rect">
+            <a:avLst/>
+          </a:prstGeom>
+          <a:noFill/>
+        </p:spPr>
+        <p:txBody>
+          <a:bodyPr wrap="none" rtlCol="0">
+            <a:spAutoFit/>
+          </a:bodyPr>
+          <a:lstStyle/>
+          <a:p>
+            <a:r>
+              <a:rPr lang="en-GB" sz="1200" dirty="0">
+                <a:latin typeface="Segoe UI" panose="020B0502040204020203" pitchFamily="34" charset="0"/>
+                <a:cs typeface="Segoe UI" panose="020B0502040204020203" pitchFamily="34" charset="0"/>
+              </a:rPr>
+              <a:t>Processes to support work</a:t>
+            </a:r>
+            <a:endParaRPr lang="en-US" sz="1200" dirty="0">
+              <a:latin typeface="Segoe UI" panose="020B0502040204020203" pitchFamily="34" charset="0"/>
+              <a:cs typeface="Segoe UI" panose="020B0502040204020203" pitchFamily="34" charset="0"/>
+            </a:endParaRPr>
+          </a:p>
+        </p:txBody>
+      </p:sp>
+      <p:sp>
+        <p:nvSpPr>
+          <p:cNvPr id="22" name="Rectangle 21">
+            <a:extLst>
+              <a:ext uri="{FF2B5EF4-FFF2-40B4-BE49-F238E27FC236}">
+                <a16:creationId xmlns:a16="http://schemas.microsoft.com/office/drawing/2014/main" id="{4A07B37B-130F-5103-B8BF-505AF3EE96E0}"/>
+              </a:ext>
+            </a:extLst>
+          </p:cNvPr>
+          <p:cNvSpPr/>
+          <p:nvPr/>
+        </p:nvSpPr>
+        <p:spPr>
+          <a:xfrm>
+            <a:off x="1381059" y="824827"/>
+            <a:ext cx="7176464" cy="1481725"/>
+          </a:xfrm>
+          <a:prstGeom prst="rect">
+            <a:avLst/>
+          </a:prstGeom>
+          <a:noFill/>
+          <a:ln w="28575">
+            <a:solidFill>
+              <a:schemeClr val="tx2"/>
+            </a:solidFill>
+          </a:ln>
+        </p:spPr>
+        <p:style>
+          <a:lnRef idx="2">
+            <a:schemeClr val="accent1">
+              <a:shade val="15000"/>
+            </a:schemeClr>
+          </a:lnRef>
+          <a:fillRef idx="1">
+            <a:schemeClr val="accent1"/>
+          </a:fillRef>
+          <a:effectRef idx="0">
+            <a:schemeClr val="accent1"/>
+          </a:effectRef>
+          <a:fontRef idx="minor">
+            <a:schemeClr val="lt1"/>
+          </a:fontRef>
+        </p:style>
+        <p:txBody>
+          <a:bodyPr rtlCol="0" anchor="ctr"/>
+          <a:lstStyle/>
+          <a:p>
+            <a:pPr algn="ctr"/>
+            <a:endParaRPr lang="en-US"/>
+          </a:p>
+        </p:txBody>
+      </p:sp>
+      <p:sp>
+        <p:nvSpPr>
+          <p:cNvPr id="23" name="Rectangle 22">
+            <a:extLst>
+              <a:ext uri="{FF2B5EF4-FFF2-40B4-BE49-F238E27FC236}">
+                <a16:creationId xmlns:a16="http://schemas.microsoft.com/office/drawing/2014/main" id="{31BE73A3-BBC5-699F-D04B-F39962905A75}"/>
+              </a:ext>
+            </a:extLst>
+          </p:cNvPr>
+          <p:cNvSpPr/>
+          <p:nvPr/>
+        </p:nvSpPr>
+        <p:spPr>
+          <a:xfrm>
+            <a:off x="1397458" y="3755468"/>
+            <a:ext cx="7176464" cy="1481725"/>
+          </a:xfrm>
+          <a:prstGeom prst="rect">
+            <a:avLst/>
+          </a:prstGeom>
+          <a:noFill/>
+          <a:ln w="28575">
+            <a:solidFill>
+              <a:schemeClr val="tx2"/>
+            </a:solidFill>
+          </a:ln>
+        </p:spPr>
+        <p:style>
+          <a:lnRef idx="2">
+            <a:schemeClr val="accent1">
+              <a:shade val="15000"/>
+            </a:schemeClr>
+          </a:lnRef>
+          <a:fillRef idx="1">
+            <a:schemeClr val="accent1"/>
+          </a:fillRef>
+          <a:effectRef idx="0">
+            <a:schemeClr val="accent1"/>
+          </a:effectRef>
+          <a:fontRef idx="minor">
+            <a:schemeClr val="lt1"/>
+          </a:fontRef>
+        </p:style>
+        <p:txBody>
+          <a:bodyPr rtlCol="0" anchor="ctr"/>
+          <a:lstStyle/>
+          <a:p>
+            <a:pPr algn="ctr"/>
+            <a:endParaRPr lang="en-US"/>
+          </a:p>
+        </p:txBody>
+      </p:sp>
+      <p:sp>
+        <p:nvSpPr>
+          <p:cNvPr id="24" name="TextBox 23">
+            <a:extLst>
+              <a:ext uri="{FF2B5EF4-FFF2-40B4-BE49-F238E27FC236}">
+                <a16:creationId xmlns:a16="http://schemas.microsoft.com/office/drawing/2014/main" id="{2CF033CE-9E9B-D19B-2A0B-A8BC3D298F5D}"/>
+              </a:ext>
+            </a:extLst>
+          </p:cNvPr>
+          <p:cNvSpPr txBox="1"/>
+          <p:nvPr/>
+        </p:nvSpPr>
+        <p:spPr>
+          <a:xfrm>
+            <a:off x="4207069" y="2467717"/>
+            <a:ext cx="1393672" cy="276999"/>
+          </a:xfrm>
+          <a:prstGeom prst="rect">
+            <a:avLst/>
+          </a:prstGeom>
+          <a:noFill/>
+          <a:ln>
+            <a:noFill/>
+          </a:ln>
+        </p:spPr>
+        <p:txBody>
+          <a:bodyPr wrap="square" rtlCol="0">
+            <a:spAutoFit/>
+          </a:bodyPr>
+          <a:lstStyle/>
+          <a:p>
+            <a:r>
+              <a:rPr lang="en-GB" sz="1200" dirty="0">
+                <a:latin typeface="Segoe UI" panose="020B0502040204020203" pitchFamily="34" charset="0"/>
+                <a:cs typeface="Segoe UI" panose="020B0502040204020203" pitchFamily="34" charset="0"/>
+              </a:rPr>
+              <a:t>Primary processes</a:t>
+            </a:r>
+            <a:endParaRPr lang="en-US" sz="1200" dirty="0">
+              <a:latin typeface="Segoe UI" panose="020B0502040204020203" pitchFamily="34" charset="0"/>
+              <a:cs typeface="Segoe UI" panose="020B0502040204020203" pitchFamily="34" charset="0"/>
+            </a:endParaRPr>
+          </a:p>
+        </p:txBody>
+      </p:sp>
+    </p:spTree>
+    <p:extLst>
+      <p:ext uri="{BB962C8B-B14F-4D97-AF65-F5344CB8AC3E}">
+        <p14:creationId xmlns:p14="http://schemas.microsoft.com/office/powerpoint/2010/main" val="924581005"/>
+      </p:ext>
+    </p:extLst>
+  </p:cSld>
+  <p:clrMapOvr>
+    <a:masterClrMapping/>
+  </p:clrMapOvr>
+</p:sld>
+</file>
+
+<file path=ppt/slides/slide6.xml><?xml version="1.0" encoding="utf-8"?>
+<p:sld xmlns:a="http://schemas.openxmlformats.org/drawingml/2006/main" xmlns:r="http://schemas.openxmlformats.org/officeDocument/2006/relationships" xmlns:p="http://schemas.openxmlformats.org/presentationml/2006/main">
+  <p:cSld>
+    <p:spTree>
+      <p:nvGrpSpPr>
+        <p:cNvPr id="1" name=""/>
+        <p:cNvGrpSpPr/>
+        <p:nvPr/>
+      </p:nvGrpSpPr>
+      <p:grpSpPr>
+        <a:xfrm>
+          <a:off x="0" y="0"/>
+          <a:ext cx="0" cy="0"/>
+          <a:chOff x="0" y="0"/>
+          <a:chExt cx="0" cy="0"/>
+        </a:xfrm>
+      </p:grpSpPr>
+      <p:graphicFrame>
+        <p:nvGraphicFramePr>
+          <p:cNvPr id="3" name="Diagram 2">
+            <a:extLst>
+              <a:ext uri="{FF2B5EF4-FFF2-40B4-BE49-F238E27FC236}">
+                <a16:creationId xmlns:a16="http://schemas.microsoft.com/office/drawing/2014/main" id="{448B06A6-E2DF-11C8-B376-0F603BBE82FF}"/>
+              </a:ext>
+            </a:extLst>
+          </p:cNvPr>
+          <p:cNvGraphicFramePr/>
+          <p:nvPr>
+            <p:extLst>
+              <p:ext uri="{D42A27DB-BD31-4B8C-83A1-F6EECF244321}">
+                <p14:modId xmlns:p14="http://schemas.microsoft.com/office/powerpoint/2010/main" val="1286275748"/>
+              </p:ext>
+            </p:extLst>
+          </p:nvPr>
+        </p:nvGraphicFramePr>
+        <p:xfrm>
+          <a:off x="2032000" y="505256"/>
+          <a:ext cx="8128000" cy="5418667"/>
+        </p:xfrm>
+        <a:graphic>
+          <a:graphicData uri="http://schemas.openxmlformats.org/drawingml/2006/diagram">
+            <dgm:relIds xmlns:dgm="http://schemas.openxmlformats.org/drawingml/2006/diagram" xmlns:r="http://schemas.openxmlformats.org/officeDocument/2006/relationships" r:dm="rId2" r:lo="rId3" r:qs="rId4" r:cs="rId5"/>
+          </a:graphicData>
+        </a:graphic>
+      </p:graphicFrame>
+    </p:spTree>
+    <p:extLst>
+      <p:ext uri="{BB962C8B-B14F-4D97-AF65-F5344CB8AC3E}">
+        <p14:creationId xmlns:p14="http://schemas.microsoft.com/office/powerpoint/2010/main" val="3381978683"/>
+      </p:ext>
+    </p:extLst>
+  </p:cSld>
+  <p:clrMapOvr>
+    <a:masterClrMapping/>
+  </p:clrMapOvr>
+</p:sld>
+</file>
+
+<file path=ppt/slides/slide7.xml><?xml version="1.0" encoding="utf-8"?>
+<p:sld xmlns:a="http://schemas.openxmlformats.org/drawingml/2006/main" xmlns:r="http://schemas.openxmlformats.org/officeDocument/2006/relationships" xmlns:p="http://schemas.openxmlformats.org/presentationml/2006/main">
+  <p:cSld>
+    <p:spTree>
+      <p:nvGrpSpPr>
+        <p:cNvPr id="1" name=""/>
+        <p:cNvGrpSpPr/>
+        <p:nvPr/>
+      </p:nvGrpSpPr>
+      <p:grpSpPr>
+        <a:xfrm>
+          <a:off x="0" y="0"/>
+          <a:ext cx="0" cy="0"/>
+          <a:chOff x="0" y="0"/>
+          <a:chExt cx="0" cy="0"/>
+        </a:xfrm>
+      </p:grpSpPr>
+    </p:spTree>
+    <p:extLst>
+      <p:ext uri="{BB962C8B-B14F-4D97-AF65-F5344CB8AC3E}">
+        <p14:creationId xmlns:p14="http://schemas.microsoft.com/office/powerpoint/2010/main" val="286363259"/>
+      </p:ext>
+    </p:extLst>
+  </p:cSld>
+  <p:clrMapOvr>
+    <a:masterClrMapping/>
+  </p:clrMapOvr>
+</p:sld>
+</file>
+
+<file path=ppt/slides/slide8.xml><?xml version="1.0" encoding="utf-8"?>
+<p:sld xmlns:a="http://schemas.openxmlformats.org/drawingml/2006/main" xmlns:r="http://schemas.openxmlformats.org/officeDocument/2006/relationships" xmlns:p="http://schemas.openxmlformats.org/presentationml/2006/main">
+  <p:cSld>
+    <p:spTree>
+      <p:nvGrpSpPr>
+        <p:cNvPr id="1" name=""/>
+        <p:cNvGrpSpPr/>
+        <p:nvPr/>
+      </p:nvGrpSpPr>
+      <p:grpSpPr>
+        <a:xfrm>
+          <a:off x="0" y="0"/>
+          <a:ext cx="0" cy="0"/>
+          <a:chOff x="0" y="0"/>
+          <a:chExt cx="0" cy="0"/>
+        </a:xfrm>
+      </p:grpSpPr>
+      <p:graphicFrame>
+        <p:nvGraphicFramePr>
           <p:cNvPr id="4" name="Diagram 3">
             <a:extLst>
               <a:ext uri="{FF2B5EF4-FFF2-40B4-BE49-F238E27FC236}">
